--- a/Lectures/7 - Outliers and Influential Points.pptx
+++ b/Lectures/7 - Outliers and Influential Points.pptx
@@ -5,21 +5,22 @@
     <p:sldMasterId id="2147484095" r:id="rId1"/>
   </p:sldMasterIdLst>
   <p:notesMasterIdLst>
-    <p:notesMasterId r:id="rId11"/>
+    <p:notesMasterId r:id="rId12"/>
   </p:notesMasterIdLst>
   <p:handoutMasterIdLst>
-    <p:handoutMasterId r:id="rId12"/>
+    <p:handoutMasterId r:id="rId13"/>
   </p:handoutMasterIdLst>
   <p:sldIdLst>
     <p:sldId id="256" r:id="rId2"/>
-    <p:sldId id="355" r:id="rId3"/>
-    <p:sldId id="369" r:id="rId4"/>
-    <p:sldId id="370" r:id="rId5"/>
-    <p:sldId id="371" r:id="rId6"/>
-    <p:sldId id="269" r:id="rId7"/>
-    <p:sldId id="372" r:id="rId8"/>
-    <p:sldId id="373" r:id="rId9"/>
-    <p:sldId id="358" r:id="rId10"/>
+    <p:sldId id="371" r:id="rId3"/>
+    <p:sldId id="375" r:id="rId4"/>
+    <p:sldId id="376" r:id="rId5"/>
+    <p:sldId id="377" r:id="rId6"/>
+    <p:sldId id="378" r:id="rId7"/>
+    <p:sldId id="374" r:id="rId8"/>
+    <p:sldId id="355" r:id="rId9"/>
+    <p:sldId id="379" r:id="rId10"/>
+    <p:sldId id="358" r:id="rId11"/>
   </p:sldIdLst>
   <p:sldSz cx="12192000" cy="6858000"/>
   <p:notesSz cx="7315200" cy="9601200"/>
@@ -911,7 +912,7 @@
               <a:pPr>
                 <a:defRPr/>
               </a:pPr>
-              <a:t>9</a:t>
+              <a:t>10</a:t>
             </a:fld>
             <a:endParaRPr lang="en-US"/>
           </a:p>
@@ -4482,7 +4483,7 @@
               <a:t>hw</a:t>
             </a:r>
             <a:r>
-              <a:rPr lang="en-US" sz="2000" b="0">
+              <a:rPr lang="en-US" sz="2000" b="0" dirty="0">
                 <a:solidFill>
                   <a:srgbClr val="660066"/>
                 </a:solidFill>
@@ -4491,17 +4492,8 @@
                 <a:ea typeface="+mn-ea"/>
                 <a:cs typeface="+mn-cs"/>
               </a:rPr>
-              <a:t> 3</a:t>
-            </a:r>
-            <a:endParaRPr lang="en-US" sz="2000" b="0" dirty="0">
-              <a:solidFill>
-                <a:srgbClr val="660066"/>
-              </a:solidFill>
-              <a:effectLst/>
-              <a:latin typeface="+mn-lt"/>
-              <a:ea typeface="+mn-ea"/>
-              <a:cs typeface="+mn-cs"/>
-            </a:endParaRPr>
+              <a:t> 4</a:t>
+            </a:r>
           </a:p>
           <a:p>
             <a:pPr algn="l">
@@ -4920,2661 +4912,7 @@
 </p:sld>
 </file>
 
-<file path=ppt/slides/slide2.xml><?xml version="1.0" encoding="utf-8"?>
-<p:sld xmlns:a="http://schemas.openxmlformats.org/drawingml/2006/main" xmlns:r="http://schemas.openxmlformats.org/officeDocument/2006/relationships" xmlns:p="http://schemas.openxmlformats.org/presentationml/2006/main">
-  <p:cSld>
-    <p:spTree>
-      <p:nvGrpSpPr>
-        <p:cNvPr id="1" name=""/>
-        <p:cNvGrpSpPr/>
-        <p:nvPr/>
-      </p:nvGrpSpPr>
-      <p:grpSpPr>
-        <a:xfrm>
-          <a:off x="0" y="0"/>
-          <a:ext cx="0" cy="0"/>
-          <a:chOff x="0" y="0"/>
-          <a:chExt cx="0" cy="0"/>
-        </a:xfrm>
-      </p:grpSpPr>
-      <p:pic>
-        <p:nvPicPr>
-          <p:cNvPr id="2" name="Picture 10" descr="Mario Pattern">
-            <a:extLst>
-              <a:ext uri="{FF2B5EF4-FFF2-40B4-BE49-F238E27FC236}">
-                <a16:creationId xmlns:a16="http://schemas.microsoft.com/office/drawing/2014/main" id="{8F84FFD9-23AF-75F7-6DAA-904525952142}"/>
-              </a:ext>
-            </a:extLst>
-          </p:cNvPr>
-          <p:cNvPicPr>
-            <a:picLocks noChangeAspect="1" noChangeArrowheads="1"/>
-          </p:cNvPicPr>
-          <p:nvPr/>
-        </p:nvPicPr>
-        <p:blipFill rotWithShape="1">
-          <a:blip r:embed="rId2">
-            <a:alphaModFix amt="47000"/>
-            <a:extLst>
-              <a:ext uri="{28A0092B-C50C-407E-A947-70E740481C1C}">
-                <a14:useLocalDpi xmlns:a14="http://schemas.microsoft.com/office/drawing/2010/main" val="0"/>
-              </a:ext>
-            </a:extLst>
-          </a:blip>
-          <a:srcRect l="4595" r="6699"/>
-          <a:stretch/>
-        </p:blipFill>
-        <p:spPr bwMode="auto">
-          <a:xfrm>
-            <a:off x="0" y="-2057400"/>
-            <a:ext cx="12192000" cy="10308201"/>
-          </a:xfrm>
-          <a:prstGeom prst="rect">
-            <a:avLst/>
-          </a:prstGeom>
-          <a:noFill/>
-          <a:extLst>
-            <a:ext uri="{909E8E84-426E-40DD-AFC4-6F175D3DCCD1}">
-              <a14:hiddenFill xmlns:a14="http://schemas.microsoft.com/office/drawing/2010/main">
-                <a:solidFill>
-                  <a:srgbClr val="FFFFFF"/>
-                </a:solidFill>
-              </a14:hiddenFill>
-            </a:ext>
-          </a:extLst>
-        </p:spPr>
-      </p:pic>
-      <p:sp>
-        <p:nvSpPr>
-          <p:cNvPr id="12" name="Line 11"/>
-          <p:cNvSpPr>
-            <a:spLocks noChangeShapeType="1"/>
-          </p:cNvSpPr>
-          <p:nvPr/>
-        </p:nvSpPr>
-        <p:spPr bwMode="auto">
-          <a:xfrm flipV="1">
-            <a:off x="6972300" y="5109836"/>
-            <a:ext cx="609600" cy="533400"/>
-          </a:xfrm>
-          <a:prstGeom prst="line">
-            <a:avLst/>
-          </a:prstGeom>
-          <a:noFill/>
-          <a:ln w="38100">
-            <a:solidFill>
-              <a:srgbClr val="FFFF66"/>
-            </a:solidFill>
-            <a:round/>
-            <a:headEnd/>
-            <a:tailEnd type="triangle" w="med" len="med"/>
-          </a:ln>
-          <a:extLst>
-            <a:ext uri="{909E8E84-426E-40DD-AFC4-6F175D3DCCD1}">
-              <a14:hiddenFill xmlns:a14="http://schemas.microsoft.com/office/drawing/2010/main">
-                <a:noFill/>
-              </a14:hiddenFill>
-            </a:ext>
-          </a:extLst>
-        </p:spPr>
-        <p:txBody>
-          <a:bodyPr wrap="square">
-            <a:spAutoFit/>
-          </a:bodyPr>
-          <a:lstStyle/>
-          <a:p>
-            <a:endParaRPr lang="en-US"/>
-          </a:p>
-        </p:txBody>
-      </p:sp>
-      <p:sp>
-        <p:nvSpPr>
-          <p:cNvPr id="6" name="TextBox 5">
-            <a:extLst>
-              <a:ext uri="{FF2B5EF4-FFF2-40B4-BE49-F238E27FC236}">
-                <a16:creationId xmlns:a16="http://schemas.microsoft.com/office/drawing/2014/main" id="{4F2DA592-D8EB-70BA-2112-6C13A4E7B393}"/>
-              </a:ext>
-            </a:extLst>
-          </p:cNvPr>
-          <p:cNvSpPr txBox="1"/>
-          <p:nvPr/>
-        </p:nvSpPr>
-        <p:spPr>
-          <a:xfrm>
-            <a:off x="495300" y="606817"/>
-            <a:ext cx="11201400" cy="919401"/>
-          </a:xfrm>
-          <a:prstGeom prst="roundRect">
-            <a:avLst/>
-          </a:prstGeom>
-          <a:solidFill>
-            <a:schemeClr val="bg1">
-              <a:alpha val="70000"/>
-            </a:schemeClr>
-          </a:solidFill>
-          <a:ln w="76200">
-            <a:solidFill>
-              <a:srgbClr val="FFC416"/>
-            </a:solidFill>
-          </a:ln>
-        </p:spPr>
-        <p:style>
-          <a:lnRef idx="2">
-            <a:schemeClr val="dk1"/>
-          </a:lnRef>
-          <a:fillRef idx="1">
-            <a:schemeClr val="lt1"/>
-          </a:fillRef>
-          <a:effectRef idx="0">
-            <a:schemeClr val="dk1"/>
-          </a:effectRef>
-          <a:fontRef idx="minor">
-            <a:schemeClr val="dk1"/>
-          </a:fontRef>
-        </p:style>
-        <p:txBody>
-          <a:bodyPr wrap="square" rtlCol="0">
-            <a:spAutoFit/>
-          </a:bodyPr>
-          <a:lstStyle/>
-          <a:p>
-            <a:pPr algn="ctr"/>
-            <a:r>
-              <a:rPr lang="en-US" sz="4800" b="1" dirty="0">
-                <a:solidFill>
-                  <a:srgbClr val="2D3A37"/>
-                </a:solidFill>
-                <a:latin typeface="Adobe Devanagari" panose="02040503050201020203" pitchFamily="18" charset="0"/>
-                <a:cs typeface="Adobe Devanagari" panose="02040503050201020203" pitchFamily="18" charset="0"/>
-              </a:rPr>
-              <a:t>Supplement for Lecture 5</a:t>
-            </a:r>
-            <a:endParaRPr lang="en-US" sz="4800" dirty="0">
-              <a:solidFill>
-                <a:srgbClr val="2D3A37"/>
-              </a:solidFill>
-            </a:endParaRPr>
-          </a:p>
-        </p:txBody>
-      </p:sp>
-      <p:sp>
-        <p:nvSpPr>
-          <p:cNvPr id="7" name="TextBox 6">
-            <a:extLst>
-              <a:ext uri="{FF2B5EF4-FFF2-40B4-BE49-F238E27FC236}">
-                <a16:creationId xmlns:a16="http://schemas.microsoft.com/office/drawing/2014/main" id="{D9B238EA-D04E-3255-7509-F990F1A8F309}"/>
-              </a:ext>
-            </a:extLst>
-          </p:cNvPr>
-          <p:cNvSpPr txBox="1"/>
-          <p:nvPr/>
-        </p:nvSpPr>
-        <p:spPr>
-          <a:xfrm>
-            <a:off x="495300" y="1977074"/>
-            <a:ext cx="11201400" cy="4392692"/>
-          </a:xfrm>
-          <a:prstGeom prst="roundRect">
-            <a:avLst/>
-          </a:prstGeom>
-          <a:solidFill>
-            <a:schemeClr val="bg1"/>
-          </a:solidFill>
-          <a:ln w="76200">
-            <a:solidFill>
-              <a:srgbClr val="FFC416"/>
-            </a:solidFill>
-          </a:ln>
-        </p:spPr>
-        <p:style>
-          <a:lnRef idx="2">
-            <a:schemeClr val="dk1"/>
-          </a:lnRef>
-          <a:fillRef idx="1">
-            <a:schemeClr val="lt1"/>
-          </a:fillRef>
-          <a:effectRef idx="0">
-            <a:schemeClr val="dk1"/>
-          </a:effectRef>
-          <a:fontRef idx="minor">
-            <a:schemeClr val="dk1"/>
-          </a:fontRef>
-        </p:style>
-        <p:txBody>
-          <a:bodyPr wrap="square" rtlCol="0">
-            <a:spAutoFit/>
-          </a:bodyPr>
-          <a:lstStyle/>
-          <a:p>
-            <a:pPr marL="457200" indent="-457200">
-              <a:buFont typeface="Arial" panose="020B0604020202020204" pitchFamily="34" charset="0"/>
-              <a:buChar char="•"/>
-            </a:pPr>
-            <a:r>
-              <a:rPr lang="en-US" sz="2800" dirty="0">
-                <a:solidFill>
-                  <a:srgbClr val="660066"/>
-                </a:solidFill>
-              </a:rPr>
-              <a:t>Download Zip Folder on Course Website for Supplement</a:t>
-            </a:r>
-          </a:p>
-          <a:p>
-            <a:pPr marL="457200" indent="-457200">
-              <a:buFont typeface="Arial" panose="020B0604020202020204" pitchFamily="34" charset="0"/>
-              <a:buChar char="•"/>
-            </a:pPr>
-            <a:endParaRPr lang="en-US" sz="2800" dirty="0">
-              <a:solidFill>
-                <a:srgbClr val="660066"/>
-              </a:solidFill>
-            </a:endParaRPr>
-          </a:p>
-          <a:p>
-            <a:pPr marL="457200" indent="-457200">
-              <a:buFont typeface="Arial" panose="020B0604020202020204" pitchFamily="34" charset="0"/>
-              <a:buChar char="•"/>
-            </a:pPr>
-            <a:r>
-              <a:rPr lang="en-US" sz="2800" dirty="0">
-                <a:solidFill>
-                  <a:srgbClr val="660066"/>
-                </a:solidFill>
-              </a:rPr>
-              <a:t>Unzip Folder  and Open the </a:t>
-            </a:r>
-            <a:r>
-              <a:rPr lang="en-US" sz="2800" dirty="0" err="1">
-                <a:solidFill>
-                  <a:srgbClr val="660066"/>
-                </a:solidFill>
-              </a:rPr>
-              <a:t>Template.rmd</a:t>
-            </a:r>
-            <a:r>
-              <a:rPr lang="en-US" sz="2800" dirty="0">
-                <a:solidFill>
-                  <a:srgbClr val="660066"/>
-                </a:solidFill>
-              </a:rPr>
-              <a:t> File</a:t>
-            </a:r>
-          </a:p>
-          <a:p>
-            <a:pPr marL="457200" indent="-457200">
-              <a:buFont typeface="Arial" panose="020B0604020202020204" pitchFamily="34" charset="0"/>
-              <a:buChar char="•"/>
-            </a:pPr>
-            <a:endParaRPr lang="en-US" sz="2800" dirty="0">
-              <a:solidFill>
-                <a:srgbClr val="660066"/>
-              </a:solidFill>
-            </a:endParaRPr>
-          </a:p>
-          <a:p>
-            <a:pPr marL="457200" indent="-457200">
-              <a:buFont typeface="Arial" panose="020B0604020202020204" pitchFamily="34" charset="0"/>
-              <a:buChar char="•"/>
-            </a:pPr>
-            <a:r>
-              <a:rPr lang="en-US" sz="2800" dirty="0">
-                <a:solidFill>
-                  <a:srgbClr val="660066"/>
-                </a:solidFill>
-              </a:rPr>
-              <a:t>Stamp Data</a:t>
-            </a:r>
-          </a:p>
-          <a:p>
-            <a:pPr marL="914400" lvl="1" indent="-457200">
-              <a:buFont typeface="Arial" panose="020B0604020202020204" pitchFamily="34" charset="0"/>
-              <a:buChar char="•"/>
-            </a:pPr>
-            <a:r>
-              <a:rPr lang="en-US" sz="2800" i="1" dirty="0">
-                <a:solidFill>
-                  <a:srgbClr val="660066"/>
-                </a:solidFill>
-              </a:rPr>
-              <a:t>Price = Price of US Stamp (Cents)</a:t>
-            </a:r>
-          </a:p>
-          <a:p>
-            <a:pPr marL="914400" lvl="1" indent="-457200">
-              <a:buFont typeface="Arial" panose="020B0604020202020204" pitchFamily="34" charset="0"/>
-              <a:buChar char="•"/>
-            </a:pPr>
-            <a:r>
-              <a:rPr lang="en-US" sz="2800" i="1" dirty="0">
-                <a:solidFill>
-                  <a:srgbClr val="660066"/>
-                </a:solidFill>
-              </a:rPr>
-              <a:t>Year = Year When Price of Stamp Changed</a:t>
-            </a:r>
-          </a:p>
-          <a:p>
-            <a:pPr marL="914400" lvl="1" indent="-457200">
-              <a:buFont typeface="Arial" panose="020B0604020202020204" pitchFamily="34" charset="0"/>
-              <a:buChar char="•"/>
-            </a:pPr>
-            <a:r>
-              <a:rPr lang="en-US" sz="2800" dirty="0">
-                <a:solidFill>
-                  <a:srgbClr val="660066"/>
-                </a:solidFill>
-              </a:rPr>
-              <a:t>Question: </a:t>
-            </a:r>
-            <a:r>
-              <a:rPr lang="en-US" sz="2800" i="1" dirty="0">
-                <a:solidFill>
-                  <a:srgbClr val="660066"/>
-                </a:solidFill>
-              </a:rPr>
-              <a:t>Can we use a </a:t>
-            </a:r>
-            <a:r>
-              <a:rPr lang="en-US" sz="2800" b="1" i="1" dirty="0">
-                <a:solidFill>
-                  <a:srgbClr val="660066"/>
-                </a:solidFill>
-              </a:rPr>
-              <a:t>linear regression</a:t>
-            </a:r>
-            <a:r>
-              <a:rPr lang="en-US" sz="2800" i="1" dirty="0">
-                <a:solidFill>
-                  <a:srgbClr val="660066"/>
-                </a:solidFill>
-              </a:rPr>
-              <a:t> to understand how the </a:t>
-            </a:r>
-            <a:r>
-              <a:rPr lang="en-US" sz="2800" b="1" i="1" dirty="0">
-                <a:solidFill>
-                  <a:srgbClr val="660066"/>
-                </a:solidFill>
-              </a:rPr>
-              <a:t>price</a:t>
-            </a:r>
-            <a:r>
-              <a:rPr lang="en-US" sz="2800" i="1" dirty="0">
-                <a:solidFill>
-                  <a:srgbClr val="660066"/>
-                </a:solidFill>
-              </a:rPr>
-              <a:t> changes over </a:t>
-            </a:r>
-            <a:r>
-              <a:rPr lang="en-US" sz="2800" b="1" i="1" dirty="0">
-                <a:solidFill>
-                  <a:srgbClr val="660066"/>
-                </a:solidFill>
-              </a:rPr>
-              <a:t>time</a:t>
-            </a:r>
-            <a:r>
-              <a:rPr lang="en-US" sz="2800" i="1" dirty="0">
-                <a:solidFill>
-                  <a:srgbClr val="660066"/>
-                </a:solidFill>
-              </a:rPr>
-              <a:t>?</a:t>
-            </a:r>
-            <a:endParaRPr lang="en-US" sz="2800" dirty="0">
-              <a:solidFill>
-                <a:srgbClr val="660066"/>
-              </a:solidFill>
-            </a:endParaRPr>
-          </a:p>
-        </p:txBody>
-      </p:sp>
-    </p:spTree>
-    <p:extLst>
-      <p:ext uri="{BB962C8B-B14F-4D97-AF65-F5344CB8AC3E}">
-        <p14:creationId xmlns:p14="http://schemas.microsoft.com/office/powerpoint/2010/main" val="3125860385"/>
-      </p:ext>
-    </p:extLst>
-  </p:cSld>
-  <p:clrMapOvr>
-    <a:masterClrMapping/>
-  </p:clrMapOvr>
-</p:sld>
-</file>
-
-<file path=ppt/slides/slide3.xml><?xml version="1.0" encoding="utf-8"?>
-<p:sld xmlns:a="http://schemas.openxmlformats.org/drawingml/2006/main" xmlns:r="http://schemas.openxmlformats.org/officeDocument/2006/relationships" xmlns:p="http://schemas.openxmlformats.org/presentationml/2006/main">
-  <p:cSld>
-    <p:spTree>
-      <p:nvGrpSpPr>
-        <p:cNvPr id="1" name=""/>
-        <p:cNvGrpSpPr/>
-        <p:nvPr/>
-      </p:nvGrpSpPr>
-      <p:grpSpPr>
-        <a:xfrm>
-          <a:off x="0" y="0"/>
-          <a:ext cx="0" cy="0"/>
-          <a:chOff x="0" y="0"/>
-          <a:chExt cx="0" cy="0"/>
-        </a:xfrm>
-      </p:grpSpPr>
-      <p:pic>
-        <p:nvPicPr>
-          <p:cNvPr id="2" name="Picture 10" descr="Mario Pattern">
-            <a:extLst>
-              <a:ext uri="{FF2B5EF4-FFF2-40B4-BE49-F238E27FC236}">
-                <a16:creationId xmlns:a16="http://schemas.microsoft.com/office/drawing/2014/main" id="{8F84FFD9-23AF-75F7-6DAA-904525952142}"/>
-              </a:ext>
-            </a:extLst>
-          </p:cNvPr>
-          <p:cNvPicPr>
-            <a:picLocks noChangeAspect="1" noChangeArrowheads="1"/>
-          </p:cNvPicPr>
-          <p:nvPr/>
-        </p:nvPicPr>
-        <p:blipFill rotWithShape="1">
-          <a:blip r:embed="rId2">
-            <a:alphaModFix amt="47000"/>
-            <a:extLst>
-              <a:ext uri="{28A0092B-C50C-407E-A947-70E740481C1C}">
-                <a14:useLocalDpi xmlns:a14="http://schemas.microsoft.com/office/drawing/2010/main" val="0"/>
-              </a:ext>
-            </a:extLst>
-          </a:blip>
-          <a:srcRect l="4595" r="6699"/>
-          <a:stretch/>
-        </p:blipFill>
-        <p:spPr bwMode="auto">
-          <a:xfrm>
-            <a:off x="0" y="-2057400"/>
-            <a:ext cx="12192000" cy="10308201"/>
-          </a:xfrm>
-          <a:prstGeom prst="rect">
-            <a:avLst/>
-          </a:prstGeom>
-          <a:noFill/>
-          <a:extLst>
-            <a:ext uri="{909E8E84-426E-40DD-AFC4-6F175D3DCCD1}">
-              <a14:hiddenFill xmlns:a14="http://schemas.microsoft.com/office/drawing/2010/main">
-                <a:solidFill>
-                  <a:srgbClr val="FFFFFF"/>
-                </a:solidFill>
-              </a14:hiddenFill>
-            </a:ext>
-          </a:extLst>
-        </p:spPr>
-      </p:pic>
-      <p:sp>
-        <p:nvSpPr>
-          <p:cNvPr id="12" name="Line 11"/>
-          <p:cNvSpPr>
-            <a:spLocks noChangeShapeType="1"/>
-          </p:cNvSpPr>
-          <p:nvPr/>
-        </p:nvSpPr>
-        <p:spPr bwMode="auto">
-          <a:xfrm flipV="1">
-            <a:off x="6972300" y="5109836"/>
-            <a:ext cx="609600" cy="533400"/>
-          </a:xfrm>
-          <a:prstGeom prst="line">
-            <a:avLst/>
-          </a:prstGeom>
-          <a:noFill/>
-          <a:ln w="38100">
-            <a:solidFill>
-              <a:srgbClr val="FFFF66"/>
-            </a:solidFill>
-            <a:round/>
-            <a:headEnd/>
-            <a:tailEnd type="triangle" w="med" len="med"/>
-          </a:ln>
-          <a:extLst>
-            <a:ext uri="{909E8E84-426E-40DD-AFC4-6F175D3DCCD1}">
-              <a14:hiddenFill xmlns:a14="http://schemas.microsoft.com/office/drawing/2010/main">
-                <a:noFill/>
-              </a14:hiddenFill>
-            </a:ext>
-          </a:extLst>
-        </p:spPr>
-        <p:txBody>
-          <a:bodyPr wrap="square">
-            <a:spAutoFit/>
-          </a:bodyPr>
-          <a:lstStyle/>
-          <a:p>
-            <a:endParaRPr lang="en-US"/>
-          </a:p>
-        </p:txBody>
-      </p:sp>
-      <p:sp>
-        <p:nvSpPr>
-          <p:cNvPr id="6" name="TextBox 5">
-            <a:extLst>
-              <a:ext uri="{FF2B5EF4-FFF2-40B4-BE49-F238E27FC236}">
-                <a16:creationId xmlns:a16="http://schemas.microsoft.com/office/drawing/2014/main" id="{4F2DA592-D8EB-70BA-2112-6C13A4E7B393}"/>
-              </a:ext>
-            </a:extLst>
-          </p:cNvPr>
-          <p:cNvSpPr txBox="1"/>
-          <p:nvPr/>
-        </p:nvSpPr>
-        <p:spPr>
-          <a:xfrm>
-            <a:off x="495300" y="606817"/>
-            <a:ext cx="11201400" cy="919401"/>
-          </a:xfrm>
-          <a:prstGeom prst="roundRect">
-            <a:avLst/>
-          </a:prstGeom>
-          <a:solidFill>
-            <a:schemeClr val="bg1">
-              <a:alpha val="70000"/>
-            </a:schemeClr>
-          </a:solidFill>
-          <a:ln w="76200">
-            <a:solidFill>
-              <a:srgbClr val="FFC416"/>
-            </a:solidFill>
-          </a:ln>
-        </p:spPr>
-        <p:style>
-          <a:lnRef idx="2">
-            <a:schemeClr val="dk1"/>
-          </a:lnRef>
-          <a:fillRef idx="1">
-            <a:schemeClr val="lt1"/>
-          </a:fillRef>
-          <a:effectRef idx="0">
-            <a:schemeClr val="dk1"/>
-          </a:effectRef>
-          <a:fontRef idx="minor">
-            <a:schemeClr val="dk1"/>
-          </a:fontRef>
-        </p:style>
-        <p:txBody>
-          <a:bodyPr wrap="square" rtlCol="0">
-            <a:spAutoFit/>
-          </a:bodyPr>
-          <a:lstStyle/>
-          <a:p>
-            <a:pPr algn="ctr"/>
-            <a:r>
-              <a:rPr lang="en-US" sz="4800" b="1" dirty="0">
-                <a:solidFill>
-                  <a:srgbClr val="2D3A37"/>
-                </a:solidFill>
-                <a:latin typeface="Adobe Devanagari" panose="02040503050201020203" pitchFamily="18" charset="0"/>
-                <a:cs typeface="Adobe Devanagari" panose="02040503050201020203" pitchFamily="18" charset="0"/>
-              </a:rPr>
-              <a:t>Supplement for Lecture 5</a:t>
-            </a:r>
-            <a:endParaRPr lang="en-US" sz="4800" dirty="0">
-              <a:solidFill>
-                <a:srgbClr val="2D3A37"/>
-              </a:solidFill>
-            </a:endParaRPr>
-          </a:p>
-        </p:txBody>
-      </p:sp>
-      <p:sp>
-        <p:nvSpPr>
-          <p:cNvPr id="7" name="TextBox 6">
-            <a:extLst>
-              <a:ext uri="{FF2B5EF4-FFF2-40B4-BE49-F238E27FC236}">
-                <a16:creationId xmlns:a16="http://schemas.microsoft.com/office/drawing/2014/main" id="{D9B238EA-D04E-3255-7509-F990F1A8F309}"/>
-              </a:ext>
-            </a:extLst>
-          </p:cNvPr>
-          <p:cNvSpPr txBox="1"/>
-          <p:nvPr/>
-        </p:nvSpPr>
-        <p:spPr>
-          <a:xfrm>
-            <a:off x="495300" y="1977074"/>
-            <a:ext cx="11201400" cy="4869418"/>
-          </a:xfrm>
-          <a:prstGeom prst="roundRect">
-            <a:avLst/>
-          </a:prstGeom>
-          <a:solidFill>
-            <a:schemeClr val="bg1"/>
-          </a:solidFill>
-          <a:ln w="76200">
-            <a:solidFill>
-              <a:srgbClr val="FFC416"/>
-            </a:solidFill>
-          </a:ln>
-        </p:spPr>
-        <p:style>
-          <a:lnRef idx="2">
-            <a:schemeClr val="dk1"/>
-          </a:lnRef>
-          <a:fillRef idx="1">
-            <a:schemeClr val="lt1"/>
-          </a:fillRef>
-          <a:effectRef idx="0">
-            <a:schemeClr val="dk1"/>
-          </a:effectRef>
-          <a:fontRef idx="minor">
-            <a:schemeClr val="dk1"/>
-          </a:fontRef>
-        </p:style>
-        <p:txBody>
-          <a:bodyPr wrap="square" rtlCol="0">
-            <a:spAutoFit/>
-          </a:bodyPr>
-          <a:lstStyle/>
-          <a:p>
-            <a:pPr marL="457200" indent="-457200">
-              <a:buFont typeface="Arial" panose="020B0604020202020204" pitchFamily="34" charset="0"/>
-              <a:buChar char="•"/>
-            </a:pPr>
-            <a:r>
-              <a:rPr lang="en-US" sz="2800" dirty="0">
-                <a:solidFill>
-                  <a:srgbClr val="660066"/>
-                </a:solidFill>
-              </a:rPr>
-              <a:t>Example Based off Exercise 1.33 from Textbook</a:t>
-            </a:r>
-          </a:p>
-          <a:p>
-            <a:pPr marL="457200" indent="-457200">
-              <a:buFont typeface="Arial" panose="020B0604020202020204" pitchFamily="34" charset="0"/>
-              <a:buChar char="•"/>
-            </a:pPr>
-            <a:endParaRPr lang="en-US" sz="2800" dirty="0">
-              <a:solidFill>
-                <a:srgbClr val="660066"/>
-              </a:solidFill>
-            </a:endParaRPr>
-          </a:p>
-          <a:p>
-            <a:pPr marL="457200" indent="-457200">
-              <a:buFont typeface="Arial" panose="020B0604020202020204" pitchFamily="34" charset="0"/>
-              <a:buChar char="•"/>
-            </a:pPr>
-            <a:r>
-              <a:rPr lang="en-US" sz="2800" dirty="0">
-                <a:solidFill>
-                  <a:srgbClr val="660066"/>
-                </a:solidFill>
-              </a:rPr>
-              <a:t>Fit Straight Lines to Data With and Without the First Four Years</a:t>
-            </a:r>
-          </a:p>
-          <a:p>
-            <a:pPr marL="457200" indent="-457200">
-              <a:buFont typeface="Arial" panose="020B0604020202020204" pitchFamily="34" charset="0"/>
-              <a:buChar char="•"/>
-            </a:pPr>
-            <a:endParaRPr lang="en-US" sz="2800" dirty="0">
-              <a:solidFill>
-                <a:srgbClr val="660066"/>
-              </a:solidFill>
-            </a:endParaRPr>
-          </a:p>
-          <a:p>
-            <a:pPr marL="457200" indent="-457200">
-              <a:buFont typeface="Arial" panose="020B0604020202020204" pitchFamily="34" charset="0"/>
-              <a:buChar char="•"/>
-            </a:pPr>
-            <a:r>
-              <a:rPr lang="en-US" sz="2800" dirty="0">
-                <a:solidFill>
-                  <a:srgbClr val="660066"/>
-                </a:solidFill>
-              </a:rPr>
-              <a:t>Output From Summary Function</a:t>
-            </a:r>
-          </a:p>
-          <a:p>
-            <a:pPr marL="914400" lvl="1" indent="-457200">
-              <a:buFont typeface="Arial" panose="020B0604020202020204" pitchFamily="34" charset="0"/>
-              <a:buChar char="•"/>
-            </a:pPr>
-            <a:r>
-              <a:rPr lang="en-US" sz="2800" dirty="0">
-                <a:solidFill>
-                  <a:srgbClr val="660066"/>
-                </a:solidFill>
-              </a:rPr>
-              <a:t>Estimated Parameters</a:t>
-            </a:r>
-          </a:p>
-          <a:p>
-            <a:pPr marL="914400" lvl="1" indent="-457200">
-              <a:buFont typeface="Arial" panose="020B0604020202020204" pitchFamily="34" charset="0"/>
-              <a:buChar char="•"/>
-            </a:pPr>
-            <a:r>
-              <a:rPr lang="en-US" sz="2800" dirty="0">
-                <a:solidFill>
-                  <a:srgbClr val="660066"/>
-                </a:solidFill>
-              </a:rPr>
-              <a:t>Residual Standard Error</a:t>
-            </a:r>
-          </a:p>
-          <a:p>
-            <a:pPr marL="914400" lvl="1" indent="-457200">
-              <a:buFont typeface="Arial" panose="020B0604020202020204" pitchFamily="34" charset="0"/>
-              <a:buChar char="•"/>
-            </a:pPr>
-            <a:r>
-              <a:rPr lang="en-US" sz="2800" dirty="0">
-                <a:solidFill>
-                  <a:srgbClr val="660066"/>
-                </a:solidFill>
-              </a:rPr>
-              <a:t>Degrees of Freedom</a:t>
-            </a:r>
-          </a:p>
-          <a:p>
-            <a:pPr lvl="1"/>
-            <a:endParaRPr lang="en-US" sz="2800" dirty="0">
-              <a:solidFill>
-                <a:srgbClr val="660066"/>
-              </a:solidFill>
-            </a:endParaRPr>
-          </a:p>
-          <a:p>
-            <a:endParaRPr lang="en-US" sz="2800" dirty="0">
-              <a:solidFill>
-                <a:srgbClr val="660066"/>
-              </a:solidFill>
-            </a:endParaRPr>
-          </a:p>
-        </p:txBody>
-      </p:sp>
-      <p:pic>
-        <p:nvPicPr>
-          <p:cNvPr id="4" name="Picture 3">
-            <a:extLst>
-              <a:ext uri="{FF2B5EF4-FFF2-40B4-BE49-F238E27FC236}">
-                <a16:creationId xmlns:a16="http://schemas.microsoft.com/office/drawing/2014/main" id="{4A794056-FFF3-737C-CB57-23A6F37C77DF}"/>
-              </a:ext>
-            </a:extLst>
-          </p:cNvPr>
-          <p:cNvPicPr>
-            <a:picLocks noChangeAspect="1"/>
-          </p:cNvPicPr>
-          <p:nvPr/>
-        </p:nvPicPr>
-        <p:blipFill>
-          <a:blip r:embed="rId3"/>
-          <a:stretch>
-            <a:fillRect/>
-          </a:stretch>
-        </p:blipFill>
-        <p:spPr>
-          <a:xfrm>
-            <a:off x="6324599" y="3962400"/>
-            <a:ext cx="4931747" cy="2667000"/>
-          </a:xfrm>
-          <a:prstGeom prst="rect">
-            <a:avLst/>
-          </a:prstGeom>
-        </p:spPr>
-      </p:pic>
-      <p:sp>
-        <p:nvSpPr>
-          <p:cNvPr id="5" name="Rectangle 4">
-            <a:extLst>
-              <a:ext uri="{FF2B5EF4-FFF2-40B4-BE49-F238E27FC236}">
-                <a16:creationId xmlns:a16="http://schemas.microsoft.com/office/drawing/2014/main" id="{E3D36788-B229-E707-0D0B-A8414AE200A7}"/>
-              </a:ext>
-            </a:extLst>
-          </p:cNvPr>
-          <p:cNvSpPr/>
-          <p:nvPr/>
-        </p:nvSpPr>
-        <p:spPr>
-          <a:xfrm>
-            <a:off x="7315200" y="5334000"/>
-            <a:ext cx="838200" cy="381000"/>
-          </a:xfrm>
-          <a:prstGeom prst="rect">
-            <a:avLst/>
-          </a:prstGeom>
-          <a:noFill/>
-          <a:ln w="28575">
-            <a:solidFill>
-              <a:srgbClr val="660066"/>
-            </a:solidFill>
-          </a:ln>
-        </p:spPr>
-        <p:style>
-          <a:lnRef idx="2">
-            <a:schemeClr val="accent1">
-              <a:shade val="15000"/>
-            </a:schemeClr>
-          </a:lnRef>
-          <a:fillRef idx="1">
-            <a:schemeClr val="accent1"/>
-          </a:fillRef>
-          <a:effectRef idx="0">
-            <a:schemeClr val="accent1"/>
-          </a:effectRef>
-          <a:fontRef idx="minor">
-            <a:schemeClr val="lt1"/>
-          </a:fontRef>
-        </p:style>
-        <p:txBody>
-          <a:bodyPr rtlCol="0" anchor="ctr"/>
-          <a:lstStyle/>
-          <a:p>
-            <a:pPr algn="ctr"/>
-            <a:endParaRPr lang="en-US"/>
-          </a:p>
-        </p:txBody>
-      </p:sp>
-      <p:sp>
-        <p:nvSpPr>
-          <p:cNvPr id="8" name="Rectangle 7">
-            <a:extLst>
-              <a:ext uri="{FF2B5EF4-FFF2-40B4-BE49-F238E27FC236}">
-                <a16:creationId xmlns:a16="http://schemas.microsoft.com/office/drawing/2014/main" id="{AEEA894D-9CE2-8384-35FA-EA4161450163}"/>
-              </a:ext>
-            </a:extLst>
-          </p:cNvPr>
-          <p:cNvSpPr/>
-          <p:nvPr/>
-        </p:nvSpPr>
-        <p:spPr>
-          <a:xfrm>
-            <a:off x="8305800" y="6096000"/>
-            <a:ext cx="2362200" cy="228600"/>
-          </a:xfrm>
-          <a:prstGeom prst="rect">
-            <a:avLst/>
-          </a:prstGeom>
-          <a:noFill/>
-          <a:ln w="28575">
-            <a:solidFill>
-              <a:srgbClr val="660066"/>
-            </a:solidFill>
-          </a:ln>
-        </p:spPr>
-        <p:style>
-          <a:lnRef idx="2">
-            <a:schemeClr val="accent1">
-              <a:shade val="15000"/>
-            </a:schemeClr>
-          </a:lnRef>
-          <a:fillRef idx="1">
-            <a:schemeClr val="accent1"/>
-          </a:fillRef>
-          <a:effectRef idx="0">
-            <a:schemeClr val="accent1"/>
-          </a:effectRef>
-          <a:fontRef idx="minor">
-            <a:schemeClr val="lt1"/>
-          </a:fontRef>
-        </p:style>
-        <p:txBody>
-          <a:bodyPr rtlCol="0" anchor="ctr"/>
-          <a:lstStyle/>
-          <a:p>
-            <a:pPr algn="ctr"/>
-            <a:endParaRPr lang="en-US"/>
-          </a:p>
-        </p:txBody>
-      </p:sp>
-    </p:spTree>
-    <p:extLst>
-      <p:ext uri="{BB962C8B-B14F-4D97-AF65-F5344CB8AC3E}">
-        <p14:creationId xmlns:p14="http://schemas.microsoft.com/office/powerpoint/2010/main" val="4207365332"/>
-      </p:ext>
-    </p:extLst>
-  </p:cSld>
-  <p:clrMapOvr>
-    <a:masterClrMapping/>
-  </p:clrMapOvr>
-</p:sld>
-</file>
-
-<file path=ppt/slides/slide4.xml><?xml version="1.0" encoding="utf-8"?>
-<p:sld xmlns:a="http://schemas.openxmlformats.org/drawingml/2006/main" xmlns:r="http://schemas.openxmlformats.org/officeDocument/2006/relationships" xmlns:p="http://schemas.openxmlformats.org/presentationml/2006/main">
-  <p:cSld>
-    <p:spTree>
-      <p:nvGrpSpPr>
-        <p:cNvPr id="1" name=""/>
-        <p:cNvGrpSpPr/>
-        <p:nvPr/>
-      </p:nvGrpSpPr>
-      <p:grpSpPr>
-        <a:xfrm>
-          <a:off x="0" y="0"/>
-          <a:ext cx="0" cy="0"/>
-          <a:chOff x="0" y="0"/>
-          <a:chExt cx="0" cy="0"/>
-        </a:xfrm>
-      </p:grpSpPr>
-      <p:pic>
-        <p:nvPicPr>
-          <p:cNvPr id="2" name="Picture 10" descr="Mario Pattern">
-            <a:extLst>
-              <a:ext uri="{FF2B5EF4-FFF2-40B4-BE49-F238E27FC236}">
-                <a16:creationId xmlns:a16="http://schemas.microsoft.com/office/drawing/2014/main" id="{8F84FFD9-23AF-75F7-6DAA-904525952142}"/>
-              </a:ext>
-            </a:extLst>
-          </p:cNvPr>
-          <p:cNvPicPr>
-            <a:picLocks noChangeAspect="1" noChangeArrowheads="1"/>
-          </p:cNvPicPr>
-          <p:nvPr/>
-        </p:nvPicPr>
-        <p:blipFill rotWithShape="1">
-          <a:blip r:embed="rId2">
-            <a:alphaModFix amt="47000"/>
-            <a:extLst>
-              <a:ext uri="{28A0092B-C50C-407E-A947-70E740481C1C}">
-                <a14:useLocalDpi xmlns:a14="http://schemas.microsoft.com/office/drawing/2010/main" val="0"/>
-              </a:ext>
-            </a:extLst>
-          </a:blip>
-          <a:srcRect l="4595" r="6699"/>
-          <a:stretch/>
-        </p:blipFill>
-        <p:spPr bwMode="auto">
-          <a:xfrm>
-            <a:off x="0" y="-2057400"/>
-            <a:ext cx="12192000" cy="10308201"/>
-          </a:xfrm>
-          <a:prstGeom prst="rect">
-            <a:avLst/>
-          </a:prstGeom>
-          <a:noFill/>
-          <a:extLst>
-            <a:ext uri="{909E8E84-426E-40DD-AFC4-6F175D3DCCD1}">
-              <a14:hiddenFill xmlns:a14="http://schemas.microsoft.com/office/drawing/2010/main">
-                <a:solidFill>
-                  <a:srgbClr val="FFFFFF"/>
-                </a:solidFill>
-              </a14:hiddenFill>
-            </a:ext>
-          </a:extLst>
-        </p:spPr>
-      </p:pic>
-      <p:sp>
-        <p:nvSpPr>
-          <p:cNvPr id="12" name="Line 11"/>
-          <p:cNvSpPr>
-            <a:spLocks noChangeShapeType="1"/>
-          </p:cNvSpPr>
-          <p:nvPr/>
-        </p:nvSpPr>
-        <p:spPr bwMode="auto">
-          <a:xfrm flipV="1">
-            <a:off x="6972300" y="5109836"/>
-            <a:ext cx="609600" cy="533400"/>
-          </a:xfrm>
-          <a:prstGeom prst="line">
-            <a:avLst/>
-          </a:prstGeom>
-          <a:noFill/>
-          <a:ln w="38100">
-            <a:solidFill>
-              <a:srgbClr val="FFFF66"/>
-            </a:solidFill>
-            <a:round/>
-            <a:headEnd/>
-            <a:tailEnd type="triangle" w="med" len="med"/>
-          </a:ln>
-          <a:extLst>
-            <a:ext uri="{909E8E84-426E-40DD-AFC4-6F175D3DCCD1}">
-              <a14:hiddenFill xmlns:a14="http://schemas.microsoft.com/office/drawing/2010/main">
-                <a:noFill/>
-              </a14:hiddenFill>
-            </a:ext>
-          </a:extLst>
-        </p:spPr>
-        <p:txBody>
-          <a:bodyPr wrap="square">
-            <a:spAutoFit/>
-          </a:bodyPr>
-          <a:lstStyle/>
-          <a:p>
-            <a:endParaRPr lang="en-US"/>
-          </a:p>
-        </p:txBody>
-      </p:sp>
-      <p:sp>
-        <p:nvSpPr>
-          <p:cNvPr id="6" name="TextBox 5">
-            <a:extLst>
-              <a:ext uri="{FF2B5EF4-FFF2-40B4-BE49-F238E27FC236}">
-                <a16:creationId xmlns:a16="http://schemas.microsoft.com/office/drawing/2014/main" id="{4F2DA592-D8EB-70BA-2112-6C13A4E7B393}"/>
-              </a:ext>
-            </a:extLst>
-          </p:cNvPr>
-          <p:cNvSpPr txBox="1"/>
-          <p:nvPr/>
-        </p:nvSpPr>
-        <p:spPr>
-          <a:xfrm>
-            <a:off x="495300" y="606817"/>
-            <a:ext cx="11201400" cy="919401"/>
-          </a:xfrm>
-          <a:prstGeom prst="roundRect">
-            <a:avLst/>
-          </a:prstGeom>
-          <a:solidFill>
-            <a:schemeClr val="bg1">
-              <a:alpha val="70000"/>
-            </a:schemeClr>
-          </a:solidFill>
-          <a:ln w="76200">
-            <a:solidFill>
-              <a:srgbClr val="FFC416"/>
-            </a:solidFill>
-          </a:ln>
-        </p:spPr>
-        <p:style>
-          <a:lnRef idx="2">
-            <a:schemeClr val="dk1"/>
-          </a:lnRef>
-          <a:fillRef idx="1">
-            <a:schemeClr val="lt1"/>
-          </a:fillRef>
-          <a:effectRef idx="0">
-            <a:schemeClr val="dk1"/>
-          </a:effectRef>
-          <a:fontRef idx="minor">
-            <a:schemeClr val="dk1"/>
-          </a:fontRef>
-        </p:style>
-        <p:txBody>
-          <a:bodyPr wrap="square" rtlCol="0">
-            <a:spAutoFit/>
-          </a:bodyPr>
-          <a:lstStyle/>
-          <a:p>
-            <a:pPr algn="ctr"/>
-            <a:r>
-              <a:rPr lang="en-US" sz="4800" b="1" dirty="0">
-                <a:solidFill>
-                  <a:srgbClr val="2D3A37"/>
-                </a:solidFill>
-                <a:latin typeface="Adobe Devanagari" panose="02040503050201020203" pitchFamily="18" charset="0"/>
-                <a:cs typeface="Adobe Devanagari" panose="02040503050201020203" pitchFamily="18" charset="0"/>
-              </a:rPr>
-              <a:t>Supplement for Lecture 5</a:t>
-            </a:r>
-            <a:endParaRPr lang="en-US" sz="4800" dirty="0">
-              <a:solidFill>
-                <a:srgbClr val="2D3A37"/>
-              </a:solidFill>
-            </a:endParaRPr>
-          </a:p>
-        </p:txBody>
-      </p:sp>
-      <p:sp>
-        <p:nvSpPr>
-          <p:cNvPr id="7" name="TextBox 6">
-            <a:extLst>
-              <a:ext uri="{FF2B5EF4-FFF2-40B4-BE49-F238E27FC236}">
-                <a16:creationId xmlns:a16="http://schemas.microsoft.com/office/drawing/2014/main" id="{D9B238EA-D04E-3255-7509-F990F1A8F309}"/>
-              </a:ext>
-            </a:extLst>
-          </p:cNvPr>
-          <p:cNvSpPr txBox="1"/>
-          <p:nvPr/>
-        </p:nvSpPr>
-        <p:spPr>
-          <a:xfrm>
-            <a:off x="495300" y="1977074"/>
-            <a:ext cx="11201400" cy="3439239"/>
-          </a:xfrm>
-          <a:prstGeom prst="roundRect">
-            <a:avLst/>
-          </a:prstGeom>
-          <a:solidFill>
-            <a:schemeClr val="bg1"/>
-          </a:solidFill>
-          <a:ln w="76200">
-            <a:solidFill>
-              <a:srgbClr val="FFC416"/>
-            </a:solidFill>
-          </a:ln>
-        </p:spPr>
-        <p:style>
-          <a:lnRef idx="2">
-            <a:schemeClr val="dk1"/>
-          </a:lnRef>
-          <a:fillRef idx="1">
-            <a:schemeClr val="lt1"/>
-          </a:fillRef>
-          <a:effectRef idx="0">
-            <a:schemeClr val="dk1"/>
-          </a:effectRef>
-          <a:fontRef idx="minor">
-            <a:schemeClr val="dk1"/>
-          </a:fontRef>
-        </p:style>
-        <p:txBody>
-          <a:bodyPr wrap="square" rtlCol="0">
-            <a:spAutoFit/>
-          </a:bodyPr>
-          <a:lstStyle/>
-          <a:p>
-            <a:pPr marL="457200" indent="-457200">
-              <a:buFont typeface="Arial" panose="020B0604020202020204" pitchFamily="34" charset="0"/>
-              <a:buChar char="•"/>
-            </a:pPr>
-            <a:r>
-              <a:rPr lang="en-US" sz="2800" dirty="0">
-                <a:solidFill>
-                  <a:srgbClr val="660066"/>
-                </a:solidFill>
-              </a:rPr>
-              <a:t>Obtaining Fitted Values and Residuals from Models</a:t>
-            </a:r>
-          </a:p>
-          <a:p>
-            <a:pPr marL="457200" indent="-457200">
-              <a:buFont typeface="Arial" panose="020B0604020202020204" pitchFamily="34" charset="0"/>
-              <a:buChar char="•"/>
-            </a:pPr>
-            <a:endParaRPr lang="en-US" sz="2800" dirty="0">
-              <a:solidFill>
-                <a:srgbClr val="660066"/>
-              </a:solidFill>
-            </a:endParaRPr>
-          </a:p>
-          <a:p>
-            <a:pPr marL="457200" indent="-457200">
-              <a:buFont typeface="Arial" panose="020B0604020202020204" pitchFamily="34" charset="0"/>
-              <a:buChar char="•"/>
-            </a:pPr>
-            <a:endParaRPr lang="en-US" sz="2800" dirty="0">
-              <a:solidFill>
-                <a:srgbClr val="660066"/>
-              </a:solidFill>
-            </a:endParaRPr>
-          </a:p>
-          <a:p>
-            <a:pPr marL="457200" indent="-457200">
-              <a:buFont typeface="Arial" panose="020B0604020202020204" pitchFamily="34" charset="0"/>
-              <a:buChar char="•"/>
-            </a:pPr>
-            <a:endParaRPr lang="en-US" sz="2800" dirty="0">
-              <a:solidFill>
-                <a:srgbClr val="660066"/>
-              </a:solidFill>
-            </a:endParaRPr>
-          </a:p>
-          <a:p>
-            <a:pPr marL="457200" indent="-457200">
-              <a:buFont typeface="Arial" panose="020B0604020202020204" pitchFamily="34" charset="0"/>
-              <a:buChar char="•"/>
-            </a:pPr>
-            <a:r>
-              <a:rPr lang="en-US" sz="2800" dirty="0">
-                <a:solidFill>
-                  <a:srgbClr val="660066"/>
-                </a:solidFill>
-              </a:rPr>
-              <a:t>Saving Fitted Values and Residuals Into Dataset</a:t>
-            </a:r>
-          </a:p>
-          <a:p>
-            <a:pPr lvl="1"/>
-            <a:endParaRPr lang="en-US" sz="2800" dirty="0">
-              <a:solidFill>
-                <a:srgbClr val="660066"/>
-              </a:solidFill>
-            </a:endParaRPr>
-          </a:p>
-          <a:p>
-            <a:endParaRPr lang="en-US" sz="2800" dirty="0">
-              <a:solidFill>
-                <a:srgbClr val="660066"/>
-              </a:solidFill>
-            </a:endParaRPr>
-          </a:p>
-        </p:txBody>
-      </p:sp>
-      <p:pic>
-        <p:nvPicPr>
-          <p:cNvPr id="9" name="Picture 8">
-            <a:extLst>
-              <a:ext uri="{FF2B5EF4-FFF2-40B4-BE49-F238E27FC236}">
-                <a16:creationId xmlns:a16="http://schemas.microsoft.com/office/drawing/2014/main" id="{17DA3EB0-0F0F-FF05-A2B8-A144E67877EE}"/>
-              </a:ext>
-            </a:extLst>
-          </p:cNvPr>
-          <p:cNvPicPr>
-            <a:picLocks noChangeAspect="1"/>
-          </p:cNvPicPr>
-          <p:nvPr/>
-        </p:nvPicPr>
-        <p:blipFill>
-          <a:blip r:embed="rId3"/>
-          <a:stretch>
-            <a:fillRect/>
-          </a:stretch>
-        </p:blipFill>
-        <p:spPr>
-          <a:xfrm>
-            <a:off x="1219200" y="2971800"/>
-            <a:ext cx="2914996" cy="609600"/>
-          </a:xfrm>
-          <a:prstGeom prst="rect">
-            <a:avLst/>
-          </a:prstGeom>
-          <a:ln w="28575">
-            <a:solidFill>
-              <a:srgbClr val="660066"/>
-            </a:solidFill>
-          </a:ln>
-        </p:spPr>
-      </p:pic>
-      <p:pic>
-        <p:nvPicPr>
-          <p:cNvPr id="11" name="Picture 10">
-            <a:extLst>
-              <a:ext uri="{FF2B5EF4-FFF2-40B4-BE49-F238E27FC236}">
-                <a16:creationId xmlns:a16="http://schemas.microsoft.com/office/drawing/2014/main" id="{A8AE4AE5-62B2-0AA5-9DA2-94B291F7833F}"/>
-              </a:ext>
-            </a:extLst>
-          </p:cNvPr>
-          <p:cNvPicPr>
-            <a:picLocks noChangeAspect="1"/>
-          </p:cNvPicPr>
-          <p:nvPr/>
-        </p:nvPicPr>
-        <p:blipFill>
-          <a:blip r:embed="rId4"/>
-          <a:stretch>
-            <a:fillRect/>
-          </a:stretch>
-        </p:blipFill>
-        <p:spPr>
-          <a:xfrm>
-            <a:off x="1219200" y="4495800"/>
-            <a:ext cx="4452257" cy="609600"/>
-          </a:xfrm>
-          <a:prstGeom prst="rect">
-            <a:avLst/>
-          </a:prstGeom>
-          <a:ln w="28575">
-            <a:solidFill>
-              <a:srgbClr val="660066"/>
-            </a:solidFill>
-          </a:ln>
-        </p:spPr>
-      </p:pic>
-    </p:spTree>
-    <p:extLst>
-      <p:ext uri="{BB962C8B-B14F-4D97-AF65-F5344CB8AC3E}">
-        <p14:creationId xmlns:p14="http://schemas.microsoft.com/office/powerpoint/2010/main" val="1630018697"/>
-      </p:ext>
-    </p:extLst>
-  </p:cSld>
-  <p:clrMapOvr>
-    <a:masterClrMapping/>
-  </p:clrMapOvr>
-</p:sld>
-</file>
-
-<file path=ppt/slides/slide5.xml><?xml version="1.0" encoding="utf-8"?>
-<p:sld xmlns:a="http://schemas.openxmlformats.org/drawingml/2006/main" xmlns:r="http://schemas.openxmlformats.org/officeDocument/2006/relationships" xmlns:p="http://schemas.openxmlformats.org/presentationml/2006/main">
-  <p:cSld>
-    <p:spTree>
-      <p:nvGrpSpPr>
-        <p:cNvPr id="1" name=""/>
-        <p:cNvGrpSpPr/>
-        <p:nvPr/>
-      </p:nvGrpSpPr>
-      <p:grpSpPr>
-        <a:xfrm>
-          <a:off x="0" y="0"/>
-          <a:ext cx="0" cy="0"/>
-          <a:chOff x="0" y="0"/>
-          <a:chExt cx="0" cy="0"/>
-        </a:xfrm>
-      </p:grpSpPr>
-      <p:pic>
-        <p:nvPicPr>
-          <p:cNvPr id="2" name="Picture 10" descr="Mario Pattern">
-            <a:extLst>
-              <a:ext uri="{FF2B5EF4-FFF2-40B4-BE49-F238E27FC236}">
-                <a16:creationId xmlns:a16="http://schemas.microsoft.com/office/drawing/2014/main" id="{8F84FFD9-23AF-75F7-6DAA-904525952142}"/>
-              </a:ext>
-            </a:extLst>
-          </p:cNvPr>
-          <p:cNvPicPr>
-            <a:picLocks noChangeAspect="1" noChangeArrowheads="1"/>
-          </p:cNvPicPr>
-          <p:nvPr/>
-        </p:nvPicPr>
-        <p:blipFill rotWithShape="1">
-          <a:blip r:embed="rId2">
-            <a:alphaModFix amt="47000"/>
-            <a:extLst>
-              <a:ext uri="{28A0092B-C50C-407E-A947-70E740481C1C}">
-                <a14:useLocalDpi xmlns:a14="http://schemas.microsoft.com/office/drawing/2010/main" val="0"/>
-              </a:ext>
-            </a:extLst>
-          </a:blip>
-          <a:srcRect l="4595" r="6699"/>
-          <a:stretch/>
-        </p:blipFill>
-        <p:spPr bwMode="auto">
-          <a:xfrm>
-            <a:off x="0" y="-2057400"/>
-            <a:ext cx="12192000" cy="10308201"/>
-          </a:xfrm>
-          <a:prstGeom prst="rect">
-            <a:avLst/>
-          </a:prstGeom>
-          <a:noFill/>
-          <a:extLst>
-            <a:ext uri="{909E8E84-426E-40DD-AFC4-6F175D3DCCD1}">
-              <a14:hiddenFill xmlns:a14="http://schemas.microsoft.com/office/drawing/2010/main">
-                <a:solidFill>
-                  <a:srgbClr val="FFFFFF"/>
-                </a:solidFill>
-              </a14:hiddenFill>
-            </a:ext>
-          </a:extLst>
-        </p:spPr>
-      </p:pic>
-      <p:sp>
-        <p:nvSpPr>
-          <p:cNvPr id="12" name="Line 11"/>
-          <p:cNvSpPr>
-            <a:spLocks noChangeShapeType="1"/>
-          </p:cNvSpPr>
-          <p:nvPr/>
-        </p:nvSpPr>
-        <p:spPr bwMode="auto">
-          <a:xfrm flipV="1">
-            <a:off x="6972300" y="5109836"/>
-            <a:ext cx="609600" cy="533400"/>
-          </a:xfrm>
-          <a:prstGeom prst="line">
-            <a:avLst/>
-          </a:prstGeom>
-          <a:noFill/>
-          <a:ln w="38100">
-            <a:solidFill>
-              <a:srgbClr val="FFFF66"/>
-            </a:solidFill>
-            <a:round/>
-            <a:headEnd/>
-            <a:tailEnd type="triangle" w="med" len="med"/>
-          </a:ln>
-          <a:extLst>
-            <a:ext uri="{909E8E84-426E-40DD-AFC4-6F175D3DCCD1}">
-              <a14:hiddenFill xmlns:a14="http://schemas.microsoft.com/office/drawing/2010/main">
-                <a:noFill/>
-              </a14:hiddenFill>
-            </a:ext>
-          </a:extLst>
-        </p:spPr>
-        <p:txBody>
-          <a:bodyPr wrap="square">
-            <a:spAutoFit/>
-          </a:bodyPr>
-          <a:lstStyle/>
-          <a:p>
-            <a:endParaRPr lang="en-US"/>
-          </a:p>
-        </p:txBody>
-      </p:sp>
-      <p:sp>
-        <p:nvSpPr>
-          <p:cNvPr id="6" name="TextBox 5">
-            <a:extLst>
-              <a:ext uri="{FF2B5EF4-FFF2-40B4-BE49-F238E27FC236}">
-                <a16:creationId xmlns:a16="http://schemas.microsoft.com/office/drawing/2014/main" id="{4F2DA592-D8EB-70BA-2112-6C13A4E7B393}"/>
-              </a:ext>
-            </a:extLst>
-          </p:cNvPr>
-          <p:cNvSpPr txBox="1"/>
-          <p:nvPr/>
-        </p:nvSpPr>
-        <p:spPr>
-          <a:xfrm>
-            <a:off x="495300" y="606817"/>
-            <a:ext cx="11201400" cy="919401"/>
-          </a:xfrm>
-          <a:prstGeom prst="roundRect">
-            <a:avLst/>
-          </a:prstGeom>
-          <a:solidFill>
-            <a:schemeClr val="bg1">
-              <a:alpha val="70000"/>
-            </a:schemeClr>
-          </a:solidFill>
-          <a:ln w="76200">
-            <a:solidFill>
-              <a:srgbClr val="FFC416"/>
-            </a:solidFill>
-          </a:ln>
-        </p:spPr>
-        <p:style>
-          <a:lnRef idx="2">
-            <a:schemeClr val="dk1"/>
-          </a:lnRef>
-          <a:fillRef idx="1">
-            <a:schemeClr val="lt1"/>
-          </a:fillRef>
-          <a:effectRef idx="0">
-            <a:schemeClr val="dk1"/>
-          </a:effectRef>
-          <a:fontRef idx="minor">
-            <a:schemeClr val="dk1"/>
-          </a:fontRef>
-        </p:style>
-        <p:txBody>
-          <a:bodyPr wrap="square" rtlCol="0">
-            <a:spAutoFit/>
-          </a:bodyPr>
-          <a:lstStyle/>
-          <a:p>
-            <a:pPr algn="ctr"/>
-            <a:r>
-              <a:rPr lang="en-US" sz="4800" b="1" dirty="0">
-                <a:solidFill>
-                  <a:srgbClr val="2D3A37"/>
-                </a:solidFill>
-                <a:effectLst/>
-                <a:latin typeface="Adobe Devanagari" panose="02040503050201020203" pitchFamily="18" charset="0"/>
-                <a:cs typeface="Adobe Devanagari" panose="02040503050201020203" pitchFamily="18" charset="0"/>
-              </a:rPr>
-              <a:t>Residual Versus Fit Plot</a:t>
-            </a:r>
-            <a:endParaRPr lang="en-US" sz="4800" dirty="0">
-              <a:solidFill>
-                <a:srgbClr val="2D3A37"/>
-              </a:solidFill>
-            </a:endParaRPr>
-          </a:p>
-        </p:txBody>
-      </p:sp>
-      <p:sp>
-        <p:nvSpPr>
-          <p:cNvPr id="7" name="TextBox 6">
-            <a:extLst>
-              <a:ext uri="{FF2B5EF4-FFF2-40B4-BE49-F238E27FC236}">
-                <a16:creationId xmlns:a16="http://schemas.microsoft.com/office/drawing/2014/main" id="{D9B238EA-D04E-3255-7509-F990F1A8F309}"/>
-              </a:ext>
-            </a:extLst>
-          </p:cNvPr>
-          <p:cNvSpPr txBox="1"/>
-          <p:nvPr/>
-        </p:nvSpPr>
-        <p:spPr>
-          <a:xfrm>
-            <a:off x="495300" y="1974467"/>
-            <a:ext cx="11201400" cy="4392692"/>
-          </a:xfrm>
-          <a:prstGeom prst="roundRect">
-            <a:avLst/>
-          </a:prstGeom>
-          <a:solidFill>
-            <a:schemeClr val="bg1"/>
-          </a:solidFill>
-          <a:ln w="76200">
-            <a:solidFill>
-              <a:srgbClr val="FFC416"/>
-            </a:solidFill>
-          </a:ln>
-        </p:spPr>
-        <p:style>
-          <a:lnRef idx="2">
-            <a:schemeClr val="dk1"/>
-          </a:lnRef>
-          <a:fillRef idx="1">
-            <a:schemeClr val="lt1"/>
-          </a:fillRef>
-          <a:effectRef idx="0">
-            <a:schemeClr val="dk1"/>
-          </a:effectRef>
-          <a:fontRef idx="minor">
-            <a:schemeClr val="dk1"/>
-          </a:fontRef>
-        </p:style>
-        <p:txBody>
-          <a:bodyPr wrap="square" rtlCol="0">
-            <a:spAutoFit/>
-          </a:bodyPr>
-          <a:lstStyle/>
-          <a:p>
-            <a:pPr marL="457200" indent="-457200">
-              <a:buFont typeface="Arial" panose="020B0604020202020204" pitchFamily="34" charset="0"/>
-              <a:buChar char="•"/>
-            </a:pPr>
-            <a:r>
-              <a:rPr lang="en-US" sz="2800" dirty="0">
-                <a:solidFill>
-                  <a:srgbClr val="660066"/>
-                </a:solidFill>
-              </a:rPr>
-              <a:t>Ideal:</a:t>
-            </a:r>
-          </a:p>
-          <a:p>
-            <a:pPr marL="914400" lvl="1" indent="-457200">
-              <a:buFont typeface="Arial" panose="020B0604020202020204" pitchFamily="34" charset="0"/>
-              <a:buChar char="•"/>
-            </a:pPr>
-            <a:r>
-              <a:rPr lang="en-US" sz="2800" dirty="0">
-                <a:solidFill>
-                  <a:srgbClr val="660066"/>
-                </a:solidFill>
-              </a:rPr>
-              <a:t>Randomly Distributed Around 0 (Independence and Bias)</a:t>
-            </a:r>
-          </a:p>
-          <a:p>
-            <a:pPr marL="914400" lvl="1" indent="-457200">
-              <a:buFont typeface="Arial" panose="020B0604020202020204" pitchFamily="34" charset="0"/>
-              <a:buChar char="•"/>
-            </a:pPr>
-            <a:r>
-              <a:rPr lang="en-US" sz="2800" dirty="0">
-                <a:solidFill>
-                  <a:srgbClr val="660066"/>
-                </a:solidFill>
-              </a:rPr>
-              <a:t>No Visible Patterns (Fit of Linear Model)</a:t>
-            </a:r>
-          </a:p>
-          <a:p>
-            <a:pPr marL="914400" lvl="1" indent="-457200">
-              <a:buFont typeface="Arial" panose="020B0604020202020204" pitchFamily="34" charset="0"/>
-              <a:buChar char="•"/>
-            </a:pPr>
-            <a:r>
-              <a:rPr lang="en-US" sz="2800" dirty="0">
-                <a:solidFill>
-                  <a:srgbClr val="660066"/>
-                </a:solidFill>
-              </a:rPr>
-              <a:t>Constant Variance (Heteroscedasticity or Homoscedasticity)</a:t>
-            </a:r>
-          </a:p>
-          <a:p>
-            <a:pPr marL="914400" lvl="1" indent="-457200">
-              <a:buFont typeface="Arial" panose="020B0604020202020204" pitchFamily="34" charset="0"/>
-              <a:buChar char="•"/>
-            </a:pPr>
-            <a:r>
-              <a:rPr lang="en-US" sz="2800" dirty="0">
-                <a:solidFill>
-                  <a:srgbClr val="660066"/>
-                </a:solidFill>
-              </a:rPr>
-              <a:t>Close to Zero (Good or Bad Fit)</a:t>
-            </a:r>
-          </a:p>
-          <a:p>
-            <a:pPr marL="914400" lvl="1" indent="-457200">
-              <a:buFont typeface="Arial" panose="020B0604020202020204" pitchFamily="34" charset="0"/>
-              <a:buChar char="•"/>
-            </a:pPr>
-            <a:endParaRPr lang="en-US" sz="2800" dirty="0">
-              <a:solidFill>
-                <a:srgbClr val="660066"/>
-              </a:solidFill>
-            </a:endParaRPr>
-          </a:p>
-          <a:p>
-            <a:pPr marL="457200" indent="-457200">
-              <a:buFont typeface="Arial" panose="020B0604020202020204" pitchFamily="34" charset="0"/>
-              <a:buChar char="•"/>
-            </a:pPr>
-            <a:r>
-              <a:rPr lang="en-US" sz="2800" dirty="0">
-                <a:solidFill>
-                  <a:srgbClr val="660066"/>
-                </a:solidFill>
-              </a:rPr>
-              <a:t>Observe Plots in Supplement for Lecture 5</a:t>
-            </a:r>
-          </a:p>
-          <a:p>
-            <a:pPr marL="457200" indent="-457200">
-              <a:buFont typeface="Arial" panose="020B0604020202020204" pitchFamily="34" charset="0"/>
-              <a:buChar char="•"/>
-            </a:pPr>
-            <a:endParaRPr lang="en-US" sz="2800" dirty="0">
-              <a:solidFill>
-                <a:srgbClr val="660066"/>
-              </a:solidFill>
-            </a:endParaRPr>
-          </a:p>
-          <a:p>
-            <a:pPr marL="457200" indent="-457200">
-              <a:buFont typeface="Arial" panose="020B0604020202020204" pitchFamily="34" charset="0"/>
-              <a:buChar char="•"/>
-            </a:pPr>
-            <a:r>
-              <a:rPr lang="en-US" sz="2800" dirty="0">
-                <a:solidFill>
-                  <a:srgbClr val="660066"/>
-                </a:solidFill>
-              </a:rPr>
-              <a:t>Remember: </a:t>
-            </a:r>
-            <a:r>
-              <a:rPr lang="en-US" sz="2800" b="1" i="1" dirty="0">
-                <a:solidFill>
-                  <a:srgbClr val="660066"/>
-                </a:solidFill>
-              </a:rPr>
-              <a:t>Positive Residual = Under Prediction</a:t>
-            </a:r>
-          </a:p>
-        </p:txBody>
-      </p:sp>
-    </p:spTree>
-    <p:extLst>
-      <p:ext uri="{BB962C8B-B14F-4D97-AF65-F5344CB8AC3E}">
-        <p14:creationId xmlns:p14="http://schemas.microsoft.com/office/powerpoint/2010/main" val="3024934863"/>
-      </p:ext>
-    </p:extLst>
-  </p:cSld>
-  <p:clrMapOvr>
-    <a:masterClrMapping/>
-  </p:clrMapOvr>
-</p:sld>
-</file>
-
-<file path=ppt/slides/slide6.xml><?xml version="1.0" encoding="utf-8"?>
-<p:sld xmlns:a="http://schemas.openxmlformats.org/drawingml/2006/main" xmlns:r="http://schemas.openxmlformats.org/officeDocument/2006/relationships" xmlns:p="http://schemas.openxmlformats.org/presentationml/2006/main">
-  <p:cSld>
-    <p:spTree>
-      <p:nvGrpSpPr>
-        <p:cNvPr id="1" name=""/>
-        <p:cNvGrpSpPr/>
-        <p:nvPr/>
-      </p:nvGrpSpPr>
-      <p:grpSpPr>
-        <a:xfrm>
-          <a:off x="0" y="0"/>
-          <a:ext cx="0" cy="0"/>
-          <a:chOff x="0" y="0"/>
-          <a:chExt cx="0" cy="0"/>
-        </a:xfrm>
-      </p:grpSpPr>
-      <p:pic>
-        <p:nvPicPr>
-          <p:cNvPr id="2" name="Picture 10" descr="Mario Pattern">
-            <a:extLst>
-              <a:ext uri="{FF2B5EF4-FFF2-40B4-BE49-F238E27FC236}">
-                <a16:creationId xmlns:a16="http://schemas.microsoft.com/office/drawing/2014/main" id="{8F84FFD9-23AF-75F7-6DAA-904525952142}"/>
-              </a:ext>
-            </a:extLst>
-          </p:cNvPr>
-          <p:cNvPicPr>
-            <a:picLocks noChangeAspect="1" noChangeArrowheads="1"/>
-          </p:cNvPicPr>
-          <p:nvPr/>
-        </p:nvPicPr>
-        <p:blipFill rotWithShape="1">
-          <a:blip r:embed="rId2">
-            <a:alphaModFix amt="47000"/>
-            <a:extLst>
-              <a:ext uri="{28A0092B-C50C-407E-A947-70E740481C1C}">
-                <a14:useLocalDpi xmlns:a14="http://schemas.microsoft.com/office/drawing/2010/main" val="0"/>
-              </a:ext>
-            </a:extLst>
-          </a:blip>
-          <a:srcRect l="4595" r="6699"/>
-          <a:stretch/>
-        </p:blipFill>
-        <p:spPr bwMode="auto">
-          <a:xfrm>
-            <a:off x="0" y="-2057400"/>
-            <a:ext cx="12192000" cy="10308201"/>
-          </a:xfrm>
-          <a:prstGeom prst="rect">
-            <a:avLst/>
-          </a:prstGeom>
-          <a:noFill/>
-          <a:extLst>
-            <a:ext uri="{909E8E84-426E-40DD-AFC4-6F175D3DCCD1}">
-              <a14:hiddenFill xmlns:a14="http://schemas.microsoft.com/office/drawing/2010/main">
-                <a:solidFill>
-                  <a:srgbClr val="FFFFFF"/>
-                </a:solidFill>
-              </a14:hiddenFill>
-            </a:ext>
-          </a:extLst>
-        </p:spPr>
-      </p:pic>
-      <p:sp>
-        <p:nvSpPr>
-          <p:cNvPr id="12" name="Line 11"/>
-          <p:cNvSpPr>
-            <a:spLocks noChangeShapeType="1"/>
-          </p:cNvSpPr>
-          <p:nvPr/>
-        </p:nvSpPr>
-        <p:spPr bwMode="auto">
-          <a:xfrm flipV="1">
-            <a:off x="6972300" y="5109836"/>
-            <a:ext cx="609600" cy="533400"/>
-          </a:xfrm>
-          <a:prstGeom prst="line">
-            <a:avLst/>
-          </a:prstGeom>
-          <a:noFill/>
-          <a:ln w="38100">
-            <a:solidFill>
-              <a:srgbClr val="FFFF66"/>
-            </a:solidFill>
-            <a:round/>
-            <a:headEnd/>
-            <a:tailEnd type="triangle" w="med" len="med"/>
-          </a:ln>
-          <a:extLst>
-            <a:ext uri="{909E8E84-426E-40DD-AFC4-6F175D3DCCD1}">
-              <a14:hiddenFill xmlns:a14="http://schemas.microsoft.com/office/drawing/2010/main">
-                <a:noFill/>
-              </a14:hiddenFill>
-            </a:ext>
-          </a:extLst>
-        </p:spPr>
-        <p:txBody>
-          <a:bodyPr wrap="square">
-            <a:spAutoFit/>
-          </a:bodyPr>
-          <a:lstStyle/>
-          <a:p>
-            <a:endParaRPr lang="en-US"/>
-          </a:p>
-        </p:txBody>
-      </p:sp>
-      <p:sp>
-        <p:nvSpPr>
-          <p:cNvPr id="6" name="TextBox 5">
-            <a:extLst>
-              <a:ext uri="{FF2B5EF4-FFF2-40B4-BE49-F238E27FC236}">
-                <a16:creationId xmlns:a16="http://schemas.microsoft.com/office/drawing/2014/main" id="{4F2DA592-D8EB-70BA-2112-6C13A4E7B393}"/>
-              </a:ext>
-            </a:extLst>
-          </p:cNvPr>
-          <p:cNvSpPr txBox="1"/>
-          <p:nvPr/>
-        </p:nvSpPr>
-        <p:spPr>
-          <a:xfrm>
-            <a:off x="495300" y="606817"/>
-            <a:ext cx="11201400" cy="919401"/>
-          </a:xfrm>
-          <a:prstGeom prst="roundRect">
-            <a:avLst/>
-          </a:prstGeom>
-          <a:solidFill>
-            <a:schemeClr val="bg1">
-              <a:alpha val="70000"/>
-            </a:schemeClr>
-          </a:solidFill>
-          <a:ln w="76200">
-            <a:solidFill>
-              <a:srgbClr val="FFC416"/>
-            </a:solidFill>
-          </a:ln>
-        </p:spPr>
-        <p:style>
-          <a:lnRef idx="2">
-            <a:schemeClr val="dk1"/>
-          </a:lnRef>
-          <a:fillRef idx="1">
-            <a:schemeClr val="lt1"/>
-          </a:fillRef>
-          <a:effectRef idx="0">
-            <a:schemeClr val="dk1"/>
-          </a:effectRef>
-          <a:fontRef idx="minor">
-            <a:schemeClr val="dk1"/>
-          </a:fontRef>
-        </p:style>
-        <p:txBody>
-          <a:bodyPr wrap="square" rtlCol="0">
-            <a:spAutoFit/>
-          </a:bodyPr>
-          <a:lstStyle/>
-          <a:p>
-            <a:pPr algn="ctr"/>
-            <a:r>
-              <a:rPr lang="en-US" sz="4800" b="1" dirty="0">
-                <a:solidFill>
-                  <a:srgbClr val="2D3A37"/>
-                </a:solidFill>
-                <a:effectLst/>
-                <a:latin typeface="Adobe Devanagari" panose="02040503050201020203" pitchFamily="18" charset="0"/>
-                <a:cs typeface="Adobe Devanagari" panose="02040503050201020203" pitchFamily="18" charset="0"/>
-              </a:rPr>
-              <a:t>Residual Versus Order</a:t>
-            </a:r>
-            <a:endParaRPr lang="en-US" sz="4800" dirty="0">
-              <a:solidFill>
-                <a:srgbClr val="2D3A37"/>
-              </a:solidFill>
-            </a:endParaRPr>
-          </a:p>
-        </p:txBody>
-      </p:sp>
-      <p:sp>
-        <p:nvSpPr>
-          <p:cNvPr id="7" name="TextBox 6">
-            <a:extLst>
-              <a:ext uri="{FF2B5EF4-FFF2-40B4-BE49-F238E27FC236}">
-                <a16:creationId xmlns:a16="http://schemas.microsoft.com/office/drawing/2014/main" id="{D9B238EA-D04E-3255-7509-F990F1A8F309}"/>
-              </a:ext>
-            </a:extLst>
-          </p:cNvPr>
-          <p:cNvSpPr txBox="1"/>
-          <p:nvPr/>
-        </p:nvSpPr>
-        <p:spPr>
-          <a:xfrm>
-            <a:off x="495300" y="1974467"/>
-            <a:ext cx="11201400" cy="3915966"/>
-          </a:xfrm>
-          <a:prstGeom prst="roundRect">
-            <a:avLst/>
-          </a:prstGeom>
-          <a:solidFill>
-            <a:schemeClr val="bg1"/>
-          </a:solidFill>
-          <a:ln w="76200">
-            <a:solidFill>
-              <a:srgbClr val="FFC416"/>
-            </a:solidFill>
-          </a:ln>
-        </p:spPr>
-        <p:style>
-          <a:lnRef idx="2">
-            <a:schemeClr val="dk1"/>
-          </a:lnRef>
-          <a:fillRef idx="1">
-            <a:schemeClr val="lt1"/>
-          </a:fillRef>
-          <a:effectRef idx="0">
-            <a:schemeClr val="dk1"/>
-          </a:effectRef>
-          <a:fontRef idx="minor">
-            <a:schemeClr val="dk1"/>
-          </a:fontRef>
-        </p:style>
-        <p:txBody>
-          <a:bodyPr wrap="square" rtlCol="0">
-            <a:spAutoFit/>
-          </a:bodyPr>
-          <a:lstStyle/>
-          <a:p>
-            <a:pPr marL="457200" indent="-457200">
-              <a:buFont typeface="Arial" panose="020B0604020202020204" pitchFamily="34" charset="0"/>
-              <a:buChar char="•"/>
-            </a:pPr>
-            <a:r>
-              <a:rPr lang="en-US" sz="2800" dirty="0">
-                <a:solidFill>
-                  <a:srgbClr val="660066"/>
-                </a:solidFill>
-              </a:rPr>
-              <a:t>Only Appropriate if the We Know the Chronological Order of Data</a:t>
-            </a:r>
-          </a:p>
-          <a:p>
-            <a:pPr marL="457200" indent="-457200">
-              <a:buFont typeface="Arial" panose="020B0604020202020204" pitchFamily="34" charset="0"/>
-              <a:buChar char="•"/>
-            </a:pPr>
-            <a:endParaRPr lang="en-US" sz="2800" dirty="0">
-              <a:solidFill>
-                <a:srgbClr val="660066"/>
-              </a:solidFill>
-            </a:endParaRPr>
-          </a:p>
-          <a:p>
-            <a:pPr marL="457200" indent="-457200">
-              <a:buFont typeface="Arial" panose="020B0604020202020204" pitchFamily="34" charset="0"/>
-              <a:buChar char="•"/>
-            </a:pPr>
-            <a:r>
-              <a:rPr lang="en-US" sz="2800" dirty="0">
-                <a:solidFill>
-                  <a:srgbClr val="660066"/>
-                </a:solidFill>
-              </a:rPr>
-              <a:t>Ideal:</a:t>
-            </a:r>
-          </a:p>
-          <a:p>
-            <a:pPr marL="914400" lvl="1" indent="-457200">
-              <a:buFont typeface="Arial" panose="020B0604020202020204" pitchFamily="34" charset="0"/>
-              <a:buChar char="•"/>
-            </a:pPr>
-            <a:r>
-              <a:rPr lang="en-US" sz="2800" dirty="0">
-                <a:solidFill>
-                  <a:srgbClr val="660066"/>
-                </a:solidFill>
-              </a:rPr>
-              <a:t>Randomly Distributed Around 0 (Independence and Bias)</a:t>
-            </a:r>
-          </a:p>
-          <a:p>
-            <a:pPr marL="914400" lvl="1" indent="-457200">
-              <a:buFont typeface="Arial" panose="020B0604020202020204" pitchFamily="34" charset="0"/>
-              <a:buChar char="•"/>
-            </a:pPr>
-            <a:r>
-              <a:rPr lang="en-US" sz="2800" dirty="0">
-                <a:solidFill>
-                  <a:srgbClr val="660066"/>
-                </a:solidFill>
-              </a:rPr>
-              <a:t>No Long Runs Above 0 or Below 0 (Positive Autocorrelation)</a:t>
-            </a:r>
-          </a:p>
-          <a:p>
-            <a:pPr marL="914400" lvl="1" indent="-457200">
-              <a:buFont typeface="Arial" panose="020B0604020202020204" pitchFamily="34" charset="0"/>
-              <a:buChar char="•"/>
-            </a:pPr>
-            <a:r>
-              <a:rPr lang="en-US" sz="2800" dirty="0">
-                <a:solidFill>
-                  <a:srgbClr val="660066"/>
-                </a:solidFill>
-              </a:rPr>
-              <a:t>No Bouncing Up and Down (Negative Autocorrelation)</a:t>
-            </a:r>
-          </a:p>
-          <a:p>
-            <a:pPr lvl="1"/>
-            <a:endParaRPr lang="en-US" sz="2800" dirty="0">
-              <a:solidFill>
-                <a:srgbClr val="660066"/>
-              </a:solidFill>
-            </a:endParaRPr>
-          </a:p>
-          <a:p>
-            <a:pPr marL="457200" indent="-457200">
-              <a:buFont typeface="Arial" panose="020B0604020202020204" pitchFamily="34" charset="0"/>
-              <a:buChar char="•"/>
-            </a:pPr>
-            <a:r>
-              <a:rPr lang="en-US" sz="2800" dirty="0">
-                <a:solidFill>
-                  <a:srgbClr val="660066"/>
-                </a:solidFill>
-              </a:rPr>
-              <a:t>Observe Plots in Supplement for Lecture 5</a:t>
-            </a:r>
-          </a:p>
-        </p:txBody>
-      </p:sp>
-    </p:spTree>
-  </p:cSld>
-  <p:clrMapOvr>
-    <a:masterClrMapping/>
-  </p:clrMapOvr>
-</p:sld>
-</file>
-
-<file path=ppt/slides/slide7.xml><?xml version="1.0" encoding="utf-8"?>
-<p:sld xmlns:a="http://schemas.openxmlformats.org/drawingml/2006/main" xmlns:r="http://schemas.openxmlformats.org/officeDocument/2006/relationships" xmlns:p="http://schemas.openxmlformats.org/presentationml/2006/main">
-  <p:cSld>
-    <p:spTree>
-      <p:nvGrpSpPr>
-        <p:cNvPr id="1" name=""/>
-        <p:cNvGrpSpPr/>
-        <p:nvPr/>
-      </p:nvGrpSpPr>
-      <p:grpSpPr>
-        <a:xfrm>
-          <a:off x="0" y="0"/>
-          <a:ext cx="0" cy="0"/>
-          <a:chOff x="0" y="0"/>
-          <a:chExt cx="0" cy="0"/>
-        </a:xfrm>
-      </p:grpSpPr>
-      <p:pic>
-        <p:nvPicPr>
-          <p:cNvPr id="2" name="Picture 10" descr="Mario Pattern">
-            <a:extLst>
-              <a:ext uri="{FF2B5EF4-FFF2-40B4-BE49-F238E27FC236}">
-                <a16:creationId xmlns:a16="http://schemas.microsoft.com/office/drawing/2014/main" id="{8F84FFD9-23AF-75F7-6DAA-904525952142}"/>
-              </a:ext>
-            </a:extLst>
-          </p:cNvPr>
-          <p:cNvPicPr>
-            <a:picLocks noChangeAspect="1" noChangeArrowheads="1"/>
-          </p:cNvPicPr>
-          <p:nvPr/>
-        </p:nvPicPr>
-        <p:blipFill rotWithShape="1">
-          <a:blip r:embed="rId2">
-            <a:alphaModFix amt="47000"/>
-            <a:extLst>
-              <a:ext uri="{28A0092B-C50C-407E-A947-70E740481C1C}">
-                <a14:useLocalDpi xmlns:a14="http://schemas.microsoft.com/office/drawing/2010/main" val="0"/>
-              </a:ext>
-            </a:extLst>
-          </a:blip>
-          <a:srcRect l="4595" r="6699"/>
-          <a:stretch/>
-        </p:blipFill>
-        <p:spPr bwMode="auto">
-          <a:xfrm>
-            <a:off x="0" y="-2057400"/>
-            <a:ext cx="12192000" cy="10308201"/>
-          </a:xfrm>
-          <a:prstGeom prst="rect">
-            <a:avLst/>
-          </a:prstGeom>
-          <a:noFill/>
-          <a:extLst>
-            <a:ext uri="{909E8E84-426E-40DD-AFC4-6F175D3DCCD1}">
-              <a14:hiddenFill xmlns:a14="http://schemas.microsoft.com/office/drawing/2010/main">
-                <a:solidFill>
-                  <a:srgbClr val="FFFFFF"/>
-                </a:solidFill>
-              </a14:hiddenFill>
-            </a:ext>
-          </a:extLst>
-        </p:spPr>
-      </p:pic>
-      <p:sp>
-        <p:nvSpPr>
-          <p:cNvPr id="12" name="Line 11"/>
-          <p:cNvSpPr>
-            <a:spLocks noChangeShapeType="1"/>
-          </p:cNvSpPr>
-          <p:nvPr/>
-        </p:nvSpPr>
-        <p:spPr bwMode="auto">
-          <a:xfrm flipV="1">
-            <a:off x="6972300" y="5109836"/>
-            <a:ext cx="609600" cy="533400"/>
-          </a:xfrm>
-          <a:prstGeom prst="line">
-            <a:avLst/>
-          </a:prstGeom>
-          <a:noFill/>
-          <a:ln w="38100">
-            <a:solidFill>
-              <a:srgbClr val="FFFF66"/>
-            </a:solidFill>
-            <a:round/>
-            <a:headEnd/>
-            <a:tailEnd type="triangle" w="med" len="med"/>
-          </a:ln>
-          <a:extLst>
-            <a:ext uri="{909E8E84-426E-40DD-AFC4-6F175D3DCCD1}">
-              <a14:hiddenFill xmlns:a14="http://schemas.microsoft.com/office/drawing/2010/main">
-                <a:noFill/>
-              </a14:hiddenFill>
-            </a:ext>
-          </a:extLst>
-        </p:spPr>
-        <p:txBody>
-          <a:bodyPr wrap="square">
-            <a:spAutoFit/>
-          </a:bodyPr>
-          <a:lstStyle/>
-          <a:p>
-            <a:endParaRPr lang="en-US"/>
-          </a:p>
-        </p:txBody>
-      </p:sp>
-      <p:sp>
-        <p:nvSpPr>
-          <p:cNvPr id="6" name="TextBox 5">
-            <a:extLst>
-              <a:ext uri="{FF2B5EF4-FFF2-40B4-BE49-F238E27FC236}">
-                <a16:creationId xmlns:a16="http://schemas.microsoft.com/office/drawing/2014/main" id="{4F2DA592-D8EB-70BA-2112-6C13A4E7B393}"/>
-              </a:ext>
-            </a:extLst>
-          </p:cNvPr>
-          <p:cNvSpPr txBox="1"/>
-          <p:nvPr/>
-        </p:nvSpPr>
-        <p:spPr>
-          <a:xfrm>
-            <a:off x="495300" y="606817"/>
-            <a:ext cx="11201400" cy="919401"/>
-          </a:xfrm>
-          <a:prstGeom prst="roundRect">
-            <a:avLst/>
-          </a:prstGeom>
-          <a:solidFill>
-            <a:schemeClr val="bg1">
-              <a:alpha val="70000"/>
-            </a:schemeClr>
-          </a:solidFill>
-          <a:ln w="76200">
-            <a:solidFill>
-              <a:srgbClr val="FFC416"/>
-            </a:solidFill>
-          </a:ln>
-        </p:spPr>
-        <p:style>
-          <a:lnRef idx="2">
-            <a:schemeClr val="dk1"/>
-          </a:lnRef>
-          <a:fillRef idx="1">
-            <a:schemeClr val="lt1"/>
-          </a:fillRef>
-          <a:effectRef idx="0">
-            <a:schemeClr val="dk1"/>
-          </a:effectRef>
-          <a:fontRef idx="minor">
-            <a:schemeClr val="dk1"/>
-          </a:fontRef>
-        </p:style>
-        <p:txBody>
-          <a:bodyPr wrap="square" rtlCol="0">
-            <a:spAutoFit/>
-          </a:bodyPr>
-          <a:lstStyle/>
-          <a:p>
-            <a:pPr algn="ctr"/>
-            <a:r>
-              <a:rPr lang="en-US" sz="4800" b="1" dirty="0">
-                <a:solidFill>
-                  <a:srgbClr val="2D3A37"/>
-                </a:solidFill>
-                <a:effectLst/>
-                <a:latin typeface="Adobe Devanagari" panose="02040503050201020203" pitchFamily="18" charset="0"/>
-                <a:cs typeface="Adobe Devanagari" panose="02040503050201020203" pitchFamily="18" charset="0"/>
-              </a:rPr>
-              <a:t>Histogram/Boxplot of Residuals</a:t>
-            </a:r>
-            <a:endParaRPr lang="en-US" sz="4800" dirty="0">
-              <a:solidFill>
-                <a:srgbClr val="2D3A37"/>
-              </a:solidFill>
-            </a:endParaRPr>
-          </a:p>
-        </p:txBody>
-      </p:sp>
-      <p:sp>
-        <p:nvSpPr>
-          <p:cNvPr id="7" name="TextBox 6">
-            <a:extLst>
-              <a:ext uri="{FF2B5EF4-FFF2-40B4-BE49-F238E27FC236}">
-                <a16:creationId xmlns:a16="http://schemas.microsoft.com/office/drawing/2014/main" id="{D9B238EA-D04E-3255-7509-F990F1A8F309}"/>
-              </a:ext>
-            </a:extLst>
-          </p:cNvPr>
-          <p:cNvSpPr txBox="1"/>
-          <p:nvPr/>
-        </p:nvSpPr>
-        <p:spPr>
-          <a:xfrm>
-            <a:off x="495300" y="1974467"/>
-            <a:ext cx="11201400" cy="2962513"/>
-          </a:xfrm>
-          <a:prstGeom prst="roundRect">
-            <a:avLst/>
-          </a:prstGeom>
-          <a:solidFill>
-            <a:schemeClr val="bg1"/>
-          </a:solidFill>
-          <a:ln w="76200">
-            <a:solidFill>
-              <a:srgbClr val="FFC416"/>
-            </a:solidFill>
-          </a:ln>
-        </p:spPr>
-        <p:style>
-          <a:lnRef idx="2">
-            <a:schemeClr val="dk1"/>
-          </a:lnRef>
-          <a:fillRef idx="1">
-            <a:schemeClr val="lt1"/>
-          </a:fillRef>
-          <a:effectRef idx="0">
-            <a:schemeClr val="dk1"/>
-          </a:effectRef>
-          <a:fontRef idx="minor">
-            <a:schemeClr val="dk1"/>
-          </a:fontRef>
-        </p:style>
-        <p:txBody>
-          <a:bodyPr wrap="square" rtlCol="0">
-            <a:spAutoFit/>
-          </a:bodyPr>
-          <a:lstStyle/>
-          <a:p>
-            <a:pPr marL="457200" indent="-457200">
-              <a:buFont typeface="Arial" panose="020B0604020202020204" pitchFamily="34" charset="0"/>
-              <a:buChar char="•"/>
-            </a:pPr>
-            <a:r>
-              <a:rPr lang="en-US" sz="2800" dirty="0">
-                <a:solidFill>
-                  <a:srgbClr val="660066"/>
-                </a:solidFill>
-              </a:rPr>
-              <a:t>Ideal:</a:t>
-            </a:r>
-          </a:p>
-          <a:p>
-            <a:pPr marL="914400" lvl="1" indent="-457200">
-              <a:buFont typeface="Arial" panose="020B0604020202020204" pitchFamily="34" charset="0"/>
-              <a:buChar char="•"/>
-            </a:pPr>
-            <a:r>
-              <a:rPr lang="en-US" sz="2800" dirty="0">
-                <a:solidFill>
-                  <a:srgbClr val="660066"/>
-                </a:solidFill>
-              </a:rPr>
-              <a:t>Bell-shaped and Symmetric (Normal Distributed)</a:t>
-            </a:r>
-          </a:p>
-          <a:p>
-            <a:pPr marL="914400" lvl="1" indent="-457200">
-              <a:buFont typeface="Arial" panose="020B0604020202020204" pitchFamily="34" charset="0"/>
-              <a:buChar char="•"/>
-            </a:pPr>
-            <a:r>
-              <a:rPr lang="en-US" sz="2800" dirty="0">
-                <a:solidFill>
-                  <a:srgbClr val="660066"/>
-                </a:solidFill>
-              </a:rPr>
-              <a:t>No Gaps (Few Outliers/Influential Points)</a:t>
-            </a:r>
-          </a:p>
-          <a:p>
-            <a:pPr marL="914400" lvl="1" indent="-457200">
-              <a:buFont typeface="Arial" panose="020B0604020202020204" pitchFamily="34" charset="0"/>
-              <a:buChar char="•"/>
-            </a:pPr>
-            <a:r>
-              <a:rPr lang="en-US" sz="2800" dirty="0">
-                <a:solidFill>
-                  <a:srgbClr val="660066"/>
-                </a:solidFill>
-              </a:rPr>
-              <a:t>Centered Around 0 (Unbiased)</a:t>
-            </a:r>
-          </a:p>
-          <a:p>
-            <a:pPr lvl="1"/>
-            <a:endParaRPr lang="en-US" sz="2800" dirty="0">
-              <a:solidFill>
-                <a:srgbClr val="660066"/>
-              </a:solidFill>
-            </a:endParaRPr>
-          </a:p>
-          <a:p>
-            <a:pPr marL="457200" indent="-457200">
-              <a:buFont typeface="Arial" panose="020B0604020202020204" pitchFamily="34" charset="0"/>
-              <a:buChar char="•"/>
-            </a:pPr>
-            <a:r>
-              <a:rPr lang="en-US" sz="2800" dirty="0">
-                <a:solidFill>
-                  <a:srgbClr val="660066"/>
-                </a:solidFill>
-              </a:rPr>
-              <a:t>Observe Plots in Supplement for Lecture 5</a:t>
-            </a:r>
-          </a:p>
-        </p:txBody>
-      </p:sp>
-    </p:spTree>
-    <p:extLst>
-      <p:ext uri="{BB962C8B-B14F-4D97-AF65-F5344CB8AC3E}">
-        <p14:creationId xmlns:p14="http://schemas.microsoft.com/office/powerpoint/2010/main" val="86478159"/>
-      </p:ext>
-    </p:extLst>
-  </p:cSld>
-  <p:clrMapOvr>
-    <a:masterClrMapping/>
-  </p:clrMapOvr>
-</p:sld>
-</file>
-
-<file path=ppt/slides/slide8.xml><?xml version="1.0" encoding="utf-8"?>
-<p:sld xmlns:a="http://schemas.openxmlformats.org/drawingml/2006/main" xmlns:r="http://schemas.openxmlformats.org/officeDocument/2006/relationships" xmlns:p="http://schemas.openxmlformats.org/presentationml/2006/main">
-  <p:cSld>
-    <p:spTree>
-      <p:nvGrpSpPr>
-        <p:cNvPr id="1" name=""/>
-        <p:cNvGrpSpPr/>
-        <p:nvPr/>
-      </p:nvGrpSpPr>
-      <p:grpSpPr>
-        <a:xfrm>
-          <a:off x="0" y="0"/>
-          <a:ext cx="0" cy="0"/>
-          <a:chOff x="0" y="0"/>
-          <a:chExt cx="0" cy="0"/>
-        </a:xfrm>
-      </p:grpSpPr>
-      <p:pic>
-        <p:nvPicPr>
-          <p:cNvPr id="2" name="Picture 10" descr="Mario Pattern">
-            <a:extLst>
-              <a:ext uri="{FF2B5EF4-FFF2-40B4-BE49-F238E27FC236}">
-                <a16:creationId xmlns:a16="http://schemas.microsoft.com/office/drawing/2014/main" id="{8F84FFD9-23AF-75F7-6DAA-904525952142}"/>
-              </a:ext>
-            </a:extLst>
-          </p:cNvPr>
-          <p:cNvPicPr>
-            <a:picLocks noChangeAspect="1" noChangeArrowheads="1"/>
-          </p:cNvPicPr>
-          <p:nvPr/>
-        </p:nvPicPr>
-        <p:blipFill rotWithShape="1">
-          <a:blip r:embed="rId2">
-            <a:alphaModFix amt="47000"/>
-            <a:extLst>
-              <a:ext uri="{28A0092B-C50C-407E-A947-70E740481C1C}">
-                <a14:useLocalDpi xmlns:a14="http://schemas.microsoft.com/office/drawing/2010/main" val="0"/>
-              </a:ext>
-            </a:extLst>
-          </a:blip>
-          <a:srcRect l="4595" r="6699"/>
-          <a:stretch/>
-        </p:blipFill>
-        <p:spPr bwMode="auto">
-          <a:xfrm>
-            <a:off x="0" y="-2057400"/>
-            <a:ext cx="12192000" cy="10308201"/>
-          </a:xfrm>
-          <a:prstGeom prst="rect">
-            <a:avLst/>
-          </a:prstGeom>
-          <a:noFill/>
-          <a:extLst>
-            <a:ext uri="{909E8E84-426E-40DD-AFC4-6F175D3DCCD1}">
-              <a14:hiddenFill xmlns:a14="http://schemas.microsoft.com/office/drawing/2010/main">
-                <a:solidFill>
-                  <a:srgbClr val="FFFFFF"/>
-                </a:solidFill>
-              </a14:hiddenFill>
-            </a:ext>
-          </a:extLst>
-        </p:spPr>
-      </p:pic>
-      <p:sp>
-        <p:nvSpPr>
-          <p:cNvPr id="12" name="Line 11"/>
-          <p:cNvSpPr>
-            <a:spLocks noChangeShapeType="1"/>
-          </p:cNvSpPr>
-          <p:nvPr/>
-        </p:nvSpPr>
-        <p:spPr bwMode="auto">
-          <a:xfrm flipV="1">
-            <a:off x="6972300" y="5109836"/>
-            <a:ext cx="609600" cy="533400"/>
-          </a:xfrm>
-          <a:prstGeom prst="line">
-            <a:avLst/>
-          </a:prstGeom>
-          <a:noFill/>
-          <a:ln w="38100">
-            <a:solidFill>
-              <a:srgbClr val="FFFF66"/>
-            </a:solidFill>
-            <a:round/>
-            <a:headEnd/>
-            <a:tailEnd type="triangle" w="med" len="med"/>
-          </a:ln>
-          <a:extLst>
-            <a:ext uri="{909E8E84-426E-40DD-AFC4-6F175D3DCCD1}">
-              <a14:hiddenFill xmlns:a14="http://schemas.microsoft.com/office/drawing/2010/main">
-                <a:noFill/>
-              </a14:hiddenFill>
-            </a:ext>
-          </a:extLst>
-        </p:spPr>
-        <p:txBody>
-          <a:bodyPr wrap="square">
-            <a:spAutoFit/>
-          </a:bodyPr>
-          <a:lstStyle/>
-          <a:p>
-            <a:endParaRPr lang="en-US"/>
-          </a:p>
-        </p:txBody>
-      </p:sp>
-      <p:sp>
-        <p:nvSpPr>
-          <p:cNvPr id="6" name="TextBox 5">
-            <a:extLst>
-              <a:ext uri="{FF2B5EF4-FFF2-40B4-BE49-F238E27FC236}">
-                <a16:creationId xmlns:a16="http://schemas.microsoft.com/office/drawing/2014/main" id="{4F2DA592-D8EB-70BA-2112-6C13A4E7B393}"/>
-              </a:ext>
-            </a:extLst>
-          </p:cNvPr>
-          <p:cNvSpPr txBox="1"/>
-          <p:nvPr/>
-        </p:nvSpPr>
-        <p:spPr>
-          <a:xfrm>
-            <a:off x="495300" y="606817"/>
-            <a:ext cx="11201400" cy="919401"/>
-          </a:xfrm>
-          <a:prstGeom prst="roundRect">
-            <a:avLst/>
-          </a:prstGeom>
-          <a:solidFill>
-            <a:schemeClr val="bg1">
-              <a:alpha val="70000"/>
-            </a:schemeClr>
-          </a:solidFill>
-          <a:ln w="76200">
-            <a:solidFill>
-              <a:srgbClr val="FFC416"/>
-            </a:solidFill>
-          </a:ln>
-        </p:spPr>
-        <p:style>
-          <a:lnRef idx="2">
-            <a:schemeClr val="dk1"/>
-          </a:lnRef>
-          <a:fillRef idx="1">
-            <a:schemeClr val="lt1"/>
-          </a:fillRef>
-          <a:effectRef idx="0">
-            <a:schemeClr val="dk1"/>
-          </a:effectRef>
-          <a:fontRef idx="minor">
-            <a:schemeClr val="dk1"/>
-          </a:fontRef>
-        </p:style>
-        <p:txBody>
-          <a:bodyPr wrap="square" rtlCol="0">
-            <a:spAutoFit/>
-          </a:bodyPr>
-          <a:lstStyle/>
-          <a:p>
-            <a:pPr algn="ctr"/>
-            <a:r>
-              <a:rPr lang="en-US" sz="4800" b="1" dirty="0">
-                <a:solidFill>
-                  <a:srgbClr val="2D3A37"/>
-                </a:solidFill>
-                <a:effectLst/>
-                <a:latin typeface="Adobe Devanagari" panose="02040503050201020203" pitchFamily="18" charset="0"/>
-                <a:cs typeface="Adobe Devanagari" panose="02040503050201020203" pitchFamily="18" charset="0"/>
-              </a:rPr>
-              <a:t>Normal Plots</a:t>
-            </a:r>
-            <a:endParaRPr lang="en-US" sz="4800" dirty="0">
-              <a:solidFill>
-                <a:srgbClr val="2D3A37"/>
-              </a:solidFill>
-            </a:endParaRPr>
-          </a:p>
-        </p:txBody>
-      </p:sp>
-      <p:sp>
-        <p:nvSpPr>
-          <p:cNvPr id="7" name="TextBox 6">
-            <a:extLst>
-              <a:ext uri="{FF2B5EF4-FFF2-40B4-BE49-F238E27FC236}">
-                <a16:creationId xmlns:a16="http://schemas.microsoft.com/office/drawing/2014/main" id="{D9B238EA-D04E-3255-7509-F990F1A8F309}"/>
-              </a:ext>
-            </a:extLst>
-          </p:cNvPr>
-          <p:cNvSpPr txBox="1"/>
-          <p:nvPr/>
-        </p:nvSpPr>
-        <p:spPr>
-          <a:xfrm>
-            <a:off x="495300" y="1974467"/>
-            <a:ext cx="11201400" cy="3439239"/>
-          </a:xfrm>
-          <a:prstGeom prst="roundRect">
-            <a:avLst/>
-          </a:prstGeom>
-          <a:solidFill>
-            <a:schemeClr val="bg1"/>
-          </a:solidFill>
-          <a:ln w="76200">
-            <a:solidFill>
-              <a:srgbClr val="FFC416"/>
-            </a:solidFill>
-          </a:ln>
-        </p:spPr>
-        <p:style>
-          <a:lnRef idx="2">
-            <a:schemeClr val="dk1"/>
-          </a:lnRef>
-          <a:fillRef idx="1">
-            <a:schemeClr val="lt1"/>
-          </a:fillRef>
-          <a:effectRef idx="0">
-            <a:schemeClr val="dk1"/>
-          </a:effectRef>
-          <a:fontRef idx="minor">
-            <a:schemeClr val="dk1"/>
-          </a:fontRef>
-        </p:style>
-        <p:txBody>
-          <a:bodyPr wrap="square" rtlCol="0">
-            <a:spAutoFit/>
-          </a:bodyPr>
-          <a:lstStyle/>
-          <a:p>
-            <a:pPr marL="457200" indent="-457200">
-              <a:buFont typeface="Arial" panose="020B0604020202020204" pitchFamily="34" charset="0"/>
-              <a:buChar char="•"/>
-            </a:pPr>
-            <a:r>
-              <a:rPr lang="en-US" sz="2800" dirty="0">
-                <a:solidFill>
-                  <a:srgbClr val="660066"/>
-                </a:solidFill>
-              </a:rPr>
-              <a:t>Ideal: Pattern is a Perfectly Straight Line (Aligns With Normal Dist.)</a:t>
-            </a:r>
-          </a:p>
-          <a:p>
-            <a:pPr marL="457200" indent="-457200">
-              <a:buFont typeface="Arial" panose="020B0604020202020204" pitchFamily="34" charset="0"/>
-              <a:buChar char="•"/>
-            </a:pPr>
-            <a:endParaRPr lang="en-US" sz="2800" dirty="0">
-              <a:solidFill>
-                <a:srgbClr val="660066"/>
-              </a:solidFill>
-            </a:endParaRPr>
-          </a:p>
-          <a:p>
-            <a:pPr marL="457200" indent="-457200">
-              <a:buFont typeface="Arial" panose="020B0604020202020204" pitchFamily="34" charset="0"/>
-              <a:buChar char="•"/>
-            </a:pPr>
-            <a:r>
-              <a:rPr lang="en-US" sz="2800" dirty="0">
-                <a:solidFill>
-                  <a:srgbClr val="660066"/>
-                </a:solidFill>
-              </a:rPr>
-              <a:t>Types:</a:t>
-            </a:r>
-          </a:p>
-          <a:p>
-            <a:pPr marL="914400" lvl="1" indent="-457200">
-              <a:buFont typeface="Arial" panose="020B0604020202020204" pitchFamily="34" charset="0"/>
-              <a:buChar char="•"/>
-            </a:pPr>
-            <a:r>
-              <a:rPr lang="en-US" sz="2800" dirty="0">
-                <a:solidFill>
-                  <a:srgbClr val="660066"/>
-                </a:solidFill>
-              </a:rPr>
-              <a:t>Normal Quantile Plot (Observed Vs Expected Quantiles)</a:t>
-            </a:r>
-          </a:p>
-          <a:p>
-            <a:pPr marL="914400" lvl="1" indent="-457200">
-              <a:buFont typeface="Arial" panose="020B0604020202020204" pitchFamily="34" charset="0"/>
-              <a:buChar char="•"/>
-            </a:pPr>
-            <a:r>
-              <a:rPr lang="en-US" sz="2800" dirty="0">
-                <a:solidFill>
-                  <a:srgbClr val="660066"/>
-                </a:solidFill>
-              </a:rPr>
-              <a:t>Normal Probability Plot (Observed Vs Cumulative Probability)</a:t>
-            </a:r>
-          </a:p>
-          <a:p>
-            <a:pPr lvl="1"/>
-            <a:endParaRPr lang="en-US" sz="2800" dirty="0">
-              <a:solidFill>
-                <a:srgbClr val="660066"/>
-              </a:solidFill>
-            </a:endParaRPr>
-          </a:p>
-          <a:p>
-            <a:pPr marL="457200" indent="-457200">
-              <a:buFont typeface="Arial" panose="020B0604020202020204" pitchFamily="34" charset="0"/>
-              <a:buChar char="•"/>
-            </a:pPr>
-            <a:r>
-              <a:rPr lang="en-US" sz="2800" dirty="0">
-                <a:solidFill>
-                  <a:srgbClr val="660066"/>
-                </a:solidFill>
-              </a:rPr>
-              <a:t>Observe Plots in Supplement for Lecture 5</a:t>
-            </a:r>
-          </a:p>
-        </p:txBody>
-      </p:sp>
-    </p:spTree>
-    <p:extLst>
-      <p:ext uri="{BB962C8B-B14F-4D97-AF65-F5344CB8AC3E}">
-        <p14:creationId xmlns:p14="http://schemas.microsoft.com/office/powerpoint/2010/main" val="3650149327"/>
-      </p:ext>
-    </p:extLst>
-  </p:cSld>
-  <p:clrMapOvr>
-    <a:masterClrMapping/>
-  </p:clrMapOvr>
-</p:sld>
-</file>
-
-<file path=ppt/slides/slide9.xml><?xml version="1.0" encoding="utf-8"?>
+<file path=ppt/slides/slide10.xml><?xml version="1.0" encoding="utf-8"?>
 <p:sld xmlns:a="http://schemas.openxmlformats.org/drawingml/2006/main" xmlns:r="http://schemas.openxmlformats.org/officeDocument/2006/relationships" xmlns:p="http://schemas.openxmlformats.org/presentationml/2006/main">
   <p:cSld>
     <p:spTree>
@@ -7939,6 +5277,4252 @@
     <p:extLst>
       <p:ext uri="{BB962C8B-B14F-4D97-AF65-F5344CB8AC3E}">
         <p14:creationId xmlns:p14="http://schemas.microsoft.com/office/powerpoint/2010/main" val="3266410475"/>
+      </p:ext>
+    </p:extLst>
+  </p:cSld>
+  <p:clrMapOvr>
+    <a:masterClrMapping/>
+  </p:clrMapOvr>
+</p:sld>
+</file>
+
+<file path=ppt/slides/slide2.xml><?xml version="1.0" encoding="utf-8"?>
+<p:sld xmlns:a="http://schemas.openxmlformats.org/drawingml/2006/main" xmlns:r="http://schemas.openxmlformats.org/officeDocument/2006/relationships" xmlns:p="http://schemas.openxmlformats.org/presentationml/2006/main">
+  <p:cSld>
+    <p:spTree>
+      <p:nvGrpSpPr>
+        <p:cNvPr id="1" name=""/>
+        <p:cNvGrpSpPr/>
+        <p:nvPr/>
+      </p:nvGrpSpPr>
+      <p:grpSpPr>
+        <a:xfrm>
+          <a:off x="0" y="0"/>
+          <a:ext cx="0" cy="0"/>
+          <a:chOff x="0" y="0"/>
+          <a:chExt cx="0" cy="0"/>
+        </a:xfrm>
+      </p:grpSpPr>
+      <p:pic>
+        <p:nvPicPr>
+          <p:cNvPr id="2" name="Picture 10" descr="Mario Pattern">
+            <a:extLst>
+              <a:ext uri="{FF2B5EF4-FFF2-40B4-BE49-F238E27FC236}">
+                <a16:creationId xmlns:a16="http://schemas.microsoft.com/office/drawing/2014/main" id="{8F84FFD9-23AF-75F7-6DAA-904525952142}"/>
+              </a:ext>
+            </a:extLst>
+          </p:cNvPr>
+          <p:cNvPicPr>
+            <a:picLocks noChangeAspect="1" noChangeArrowheads="1"/>
+          </p:cNvPicPr>
+          <p:nvPr/>
+        </p:nvPicPr>
+        <p:blipFill rotWithShape="1">
+          <a:blip r:embed="rId2">
+            <a:alphaModFix amt="47000"/>
+            <a:extLst>
+              <a:ext uri="{28A0092B-C50C-407E-A947-70E740481C1C}">
+                <a14:useLocalDpi xmlns:a14="http://schemas.microsoft.com/office/drawing/2010/main" val="0"/>
+              </a:ext>
+            </a:extLst>
+          </a:blip>
+          <a:srcRect l="4595" r="6699"/>
+          <a:stretch/>
+        </p:blipFill>
+        <p:spPr bwMode="auto">
+          <a:xfrm>
+            <a:off x="0" y="-2057400"/>
+            <a:ext cx="12192000" cy="10308201"/>
+          </a:xfrm>
+          <a:prstGeom prst="rect">
+            <a:avLst/>
+          </a:prstGeom>
+          <a:noFill/>
+          <a:extLst>
+            <a:ext uri="{909E8E84-426E-40DD-AFC4-6F175D3DCCD1}">
+              <a14:hiddenFill xmlns:a14="http://schemas.microsoft.com/office/drawing/2010/main">
+                <a:solidFill>
+                  <a:srgbClr val="FFFFFF"/>
+                </a:solidFill>
+              </a14:hiddenFill>
+            </a:ext>
+          </a:extLst>
+        </p:spPr>
+      </p:pic>
+      <p:sp>
+        <p:nvSpPr>
+          <p:cNvPr id="12" name="Line 11"/>
+          <p:cNvSpPr>
+            <a:spLocks noChangeShapeType="1"/>
+          </p:cNvSpPr>
+          <p:nvPr/>
+        </p:nvSpPr>
+        <p:spPr bwMode="auto">
+          <a:xfrm flipV="1">
+            <a:off x="6972300" y="5109836"/>
+            <a:ext cx="609600" cy="533400"/>
+          </a:xfrm>
+          <a:prstGeom prst="line">
+            <a:avLst/>
+          </a:prstGeom>
+          <a:noFill/>
+          <a:ln w="38100">
+            <a:solidFill>
+              <a:srgbClr val="FFFF66"/>
+            </a:solidFill>
+            <a:round/>
+            <a:headEnd/>
+            <a:tailEnd type="triangle" w="med" len="med"/>
+          </a:ln>
+          <a:extLst>
+            <a:ext uri="{909E8E84-426E-40DD-AFC4-6F175D3DCCD1}">
+              <a14:hiddenFill xmlns:a14="http://schemas.microsoft.com/office/drawing/2010/main">
+                <a:noFill/>
+              </a14:hiddenFill>
+            </a:ext>
+          </a:extLst>
+        </p:spPr>
+        <p:txBody>
+          <a:bodyPr wrap="square">
+            <a:spAutoFit/>
+          </a:bodyPr>
+          <a:lstStyle/>
+          <a:p>
+            <a:endParaRPr lang="en-US"/>
+          </a:p>
+        </p:txBody>
+      </p:sp>
+      <p:sp>
+        <p:nvSpPr>
+          <p:cNvPr id="6" name="TextBox 5">
+            <a:extLst>
+              <a:ext uri="{FF2B5EF4-FFF2-40B4-BE49-F238E27FC236}">
+                <a16:creationId xmlns:a16="http://schemas.microsoft.com/office/drawing/2014/main" id="{4F2DA592-D8EB-70BA-2112-6C13A4E7B393}"/>
+              </a:ext>
+            </a:extLst>
+          </p:cNvPr>
+          <p:cNvSpPr txBox="1"/>
+          <p:nvPr/>
+        </p:nvSpPr>
+        <p:spPr>
+          <a:xfrm>
+            <a:off x="495300" y="606817"/>
+            <a:ext cx="11201400" cy="919401"/>
+          </a:xfrm>
+          <a:prstGeom prst="roundRect">
+            <a:avLst/>
+          </a:prstGeom>
+          <a:solidFill>
+            <a:schemeClr val="bg1">
+              <a:alpha val="70000"/>
+            </a:schemeClr>
+          </a:solidFill>
+          <a:ln w="76200">
+            <a:solidFill>
+              <a:srgbClr val="FFC416"/>
+            </a:solidFill>
+          </a:ln>
+        </p:spPr>
+        <p:style>
+          <a:lnRef idx="2">
+            <a:schemeClr val="dk1"/>
+          </a:lnRef>
+          <a:fillRef idx="1">
+            <a:schemeClr val="lt1"/>
+          </a:fillRef>
+          <a:effectRef idx="0">
+            <a:schemeClr val="dk1"/>
+          </a:effectRef>
+          <a:fontRef idx="minor">
+            <a:schemeClr val="dk1"/>
+          </a:fontRef>
+        </p:style>
+        <p:txBody>
+          <a:bodyPr wrap="square" rtlCol="0">
+            <a:spAutoFit/>
+          </a:bodyPr>
+          <a:lstStyle/>
+          <a:p>
+            <a:pPr algn="ctr"/>
+            <a:r>
+              <a:rPr lang="en-US" sz="4800" b="1" dirty="0">
+                <a:solidFill>
+                  <a:srgbClr val="2D3A37"/>
+                </a:solidFill>
+                <a:effectLst/>
+                <a:latin typeface="Adobe Devanagari" panose="02040503050201020203" pitchFamily="18" charset="0"/>
+                <a:cs typeface="Adobe Devanagari" panose="02040503050201020203" pitchFamily="18" charset="0"/>
+              </a:rPr>
+              <a:t>Types of “Unusual Points”</a:t>
+            </a:r>
+            <a:endParaRPr lang="en-US" sz="4800" dirty="0">
+              <a:solidFill>
+                <a:srgbClr val="2D3A37"/>
+              </a:solidFill>
+            </a:endParaRPr>
+          </a:p>
+        </p:txBody>
+      </p:sp>
+      <p:sp>
+        <p:nvSpPr>
+          <p:cNvPr id="7" name="TextBox 6">
+            <a:extLst>
+              <a:ext uri="{FF2B5EF4-FFF2-40B4-BE49-F238E27FC236}">
+                <a16:creationId xmlns:a16="http://schemas.microsoft.com/office/drawing/2014/main" id="{D9B238EA-D04E-3255-7509-F990F1A8F309}"/>
+              </a:ext>
+            </a:extLst>
+          </p:cNvPr>
+          <p:cNvSpPr txBox="1"/>
+          <p:nvPr/>
+        </p:nvSpPr>
+        <p:spPr>
+          <a:xfrm>
+            <a:off x="495300" y="1974467"/>
+            <a:ext cx="11201400" cy="4392692"/>
+          </a:xfrm>
+          <a:prstGeom prst="roundRect">
+            <a:avLst/>
+          </a:prstGeom>
+          <a:solidFill>
+            <a:schemeClr val="bg1"/>
+          </a:solidFill>
+          <a:ln w="76200">
+            <a:solidFill>
+              <a:srgbClr val="FFC416"/>
+            </a:solidFill>
+          </a:ln>
+        </p:spPr>
+        <p:style>
+          <a:lnRef idx="2">
+            <a:schemeClr val="dk1"/>
+          </a:lnRef>
+          <a:fillRef idx="1">
+            <a:schemeClr val="lt1"/>
+          </a:fillRef>
+          <a:effectRef idx="0">
+            <a:schemeClr val="dk1"/>
+          </a:effectRef>
+          <a:fontRef idx="minor">
+            <a:schemeClr val="dk1"/>
+          </a:fontRef>
+        </p:style>
+        <p:txBody>
+          <a:bodyPr wrap="square" rtlCol="0">
+            <a:spAutoFit/>
+          </a:bodyPr>
+          <a:lstStyle/>
+          <a:p>
+            <a:pPr marL="457200" indent="-457200">
+              <a:buFont typeface="Arial" panose="020B0604020202020204" pitchFamily="34" charset="0"/>
+              <a:buChar char="•"/>
+            </a:pPr>
+            <a:r>
+              <a:rPr lang="en-US" sz="2800" b="1" dirty="0">
+                <a:solidFill>
+                  <a:srgbClr val="660066"/>
+                </a:solidFill>
+              </a:rPr>
+              <a:t>Outlier: </a:t>
+            </a:r>
+            <a:r>
+              <a:rPr lang="en-US" sz="2800" dirty="0">
+                <a:solidFill>
+                  <a:srgbClr val="660066"/>
+                </a:solidFill>
+              </a:rPr>
+              <a:t>Observation with a Residual Far Away From Zero</a:t>
+            </a:r>
+          </a:p>
+          <a:p>
+            <a:pPr marL="914400" lvl="1" indent="-457200">
+              <a:buFont typeface="Arial" panose="020B0604020202020204" pitchFamily="34" charset="0"/>
+              <a:buChar char="•"/>
+            </a:pPr>
+            <a:r>
+              <a:rPr lang="en-US" sz="2800" dirty="0">
+                <a:solidFill>
+                  <a:srgbClr val="660066"/>
+                </a:solidFill>
+              </a:rPr>
+              <a:t>Recall: Mathematical Definition from Boxplots</a:t>
+            </a:r>
+          </a:p>
+          <a:p>
+            <a:pPr marL="914400" lvl="1" indent="-457200">
+              <a:buFont typeface="Arial" panose="020B0604020202020204" pitchFamily="34" charset="0"/>
+              <a:buChar char="•"/>
+            </a:pPr>
+            <a:r>
+              <a:rPr lang="en-US" sz="2800" dirty="0">
+                <a:solidFill>
+                  <a:srgbClr val="660066"/>
+                </a:solidFill>
+              </a:rPr>
+              <a:t>Far Away Depends on the Standard Error of the Regression and the Distribution of the Residuals</a:t>
+            </a:r>
+          </a:p>
+          <a:p>
+            <a:pPr lvl="1"/>
+            <a:endParaRPr lang="en-US" sz="2800" b="1" dirty="0">
+              <a:solidFill>
+                <a:srgbClr val="660066"/>
+              </a:solidFill>
+            </a:endParaRPr>
+          </a:p>
+          <a:p>
+            <a:pPr marL="457200" indent="-457200">
+              <a:buFont typeface="Arial" panose="020B0604020202020204" pitchFamily="34" charset="0"/>
+              <a:buChar char="•"/>
+            </a:pPr>
+            <a:r>
+              <a:rPr lang="en-US" sz="2800" b="1" dirty="0">
+                <a:solidFill>
+                  <a:srgbClr val="660066"/>
+                </a:solidFill>
+              </a:rPr>
+              <a:t>Influential Point: </a:t>
+            </a:r>
+            <a:r>
+              <a:rPr lang="en-US" sz="2800" dirty="0">
+                <a:solidFill>
+                  <a:srgbClr val="660066"/>
+                </a:solidFill>
+              </a:rPr>
+              <a:t>Observation Heavily Effects the Regression Fit</a:t>
+            </a:r>
+          </a:p>
+          <a:p>
+            <a:pPr marL="914400" lvl="1" indent="-457200">
+              <a:buFont typeface="Arial" panose="020B0604020202020204" pitchFamily="34" charset="0"/>
+              <a:buChar char="•"/>
+            </a:pPr>
+            <a:r>
+              <a:rPr lang="en-US" sz="2800" dirty="0">
+                <a:solidFill>
+                  <a:srgbClr val="660066"/>
+                </a:solidFill>
+              </a:rPr>
+              <a:t>Determined by How the y-Intercept and Slope Change When the Observation is Removed</a:t>
+            </a:r>
+          </a:p>
+          <a:p>
+            <a:pPr marL="914400" lvl="1" indent="-457200">
+              <a:buFont typeface="Arial" panose="020B0604020202020204" pitchFamily="34" charset="0"/>
+              <a:buChar char="•"/>
+            </a:pPr>
+            <a:r>
+              <a:rPr lang="en-US" sz="2800" dirty="0">
+                <a:solidFill>
+                  <a:srgbClr val="660066"/>
+                </a:solidFill>
+              </a:rPr>
+              <a:t>Removal will Drastically Impact Predictions/ Fitted Values</a:t>
+            </a:r>
+          </a:p>
+        </p:txBody>
+      </p:sp>
+    </p:spTree>
+    <p:extLst>
+      <p:ext uri="{BB962C8B-B14F-4D97-AF65-F5344CB8AC3E}">
+        <p14:creationId xmlns:p14="http://schemas.microsoft.com/office/powerpoint/2010/main" val="3024934863"/>
+      </p:ext>
+    </p:extLst>
+  </p:cSld>
+  <p:clrMapOvr>
+    <a:masterClrMapping/>
+  </p:clrMapOvr>
+</p:sld>
+</file>
+
+<file path=ppt/slides/slide3.xml><?xml version="1.0" encoding="utf-8"?>
+<p:sld xmlns:a="http://schemas.openxmlformats.org/drawingml/2006/main" xmlns:r="http://schemas.openxmlformats.org/officeDocument/2006/relationships" xmlns:p="http://schemas.openxmlformats.org/presentationml/2006/main">
+  <p:cSld>
+    <p:spTree>
+      <p:nvGrpSpPr>
+        <p:cNvPr id="1" name=""/>
+        <p:cNvGrpSpPr/>
+        <p:nvPr/>
+      </p:nvGrpSpPr>
+      <p:grpSpPr>
+        <a:xfrm>
+          <a:off x="0" y="0"/>
+          <a:ext cx="0" cy="0"/>
+          <a:chOff x="0" y="0"/>
+          <a:chExt cx="0" cy="0"/>
+        </a:xfrm>
+      </p:grpSpPr>
+      <p:pic>
+        <p:nvPicPr>
+          <p:cNvPr id="2" name="Picture 10" descr="Mario Pattern">
+            <a:extLst>
+              <a:ext uri="{FF2B5EF4-FFF2-40B4-BE49-F238E27FC236}">
+                <a16:creationId xmlns:a16="http://schemas.microsoft.com/office/drawing/2014/main" id="{8F84FFD9-23AF-75F7-6DAA-904525952142}"/>
+              </a:ext>
+            </a:extLst>
+          </p:cNvPr>
+          <p:cNvPicPr>
+            <a:picLocks noChangeAspect="1" noChangeArrowheads="1"/>
+          </p:cNvPicPr>
+          <p:nvPr/>
+        </p:nvPicPr>
+        <p:blipFill rotWithShape="1">
+          <a:blip r:embed="rId2">
+            <a:alphaModFix amt="47000"/>
+            <a:extLst>
+              <a:ext uri="{28A0092B-C50C-407E-A947-70E740481C1C}">
+                <a14:useLocalDpi xmlns:a14="http://schemas.microsoft.com/office/drawing/2010/main" val="0"/>
+              </a:ext>
+            </a:extLst>
+          </a:blip>
+          <a:srcRect l="4595" r="6699"/>
+          <a:stretch/>
+        </p:blipFill>
+        <p:spPr bwMode="auto">
+          <a:xfrm>
+            <a:off x="0" y="-2057400"/>
+            <a:ext cx="12192000" cy="10308201"/>
+          </a:xfrm>
+          <a:prstGeom prst="rect">
+            <a:avLst/>
+          </a:prstGeom>
+          <a:noFill/>
+          <a:extLst>
+            <a:ext uri="{909E8E84-426E-40DD-AFC4-6F175D3DCCD1}">
+              <a14:hiddenFill xmlns:a14="http://schemas.microsoft.com/office/drawing/2010/main">
+                <a:solidFill>
+                  <a:srgbClr val="FFFFFF"/>
+                </a:solidFill>
+              </a14:hiddenFill>
+            </a:ext>
+          </a:extLst>
+        </p:spPr>
+      </p:pic>
+      <p:sp>
+        <p:nvSpPr>
+          <p:cNvPr id="12" name="Line 11"/>
+          <p:cNvSpPr>
+            <a:spLocks noChangeShapeType="1"/>
+          </p:cNvSpPr>
+          <p:nvPr/>
+        </p:nvSpPr>
+        <p:spPr bwMode="auto">
+          <a:xfrm flipV="1">
+            <a:off x="6972300" y="5109836"/>
+            <a:ext cx="609600" cy="533400"/>
+          </a:xfrm>
+          <a:prstGeom prst="line">
+            <a:avLst/>
+          </a:prstGeom>
+          <a:noFill/>
+          <a:ln w="38100">
+            <a:solidFill>
+              <a:srgbClr val="FFFF66"/>
+            </a:solidFill>
+            <a:round/>
+            <a:headEnd/>
+            <a:tailEnd type="triangle" w="med" len="med"/>
+          </a:ln>
+          <a:extLst>
+            <a:ext uri="{909E8E84-426E-40DD-AFC4-6F175D3DCCD1}">
+              <a14:hiddenFill xmlns:a14="http://schemas.microsoft.com/office/drawing/2010/main">
+                <a:noFill/>
+              </a14:hiddenFill>
+            </a:ext>
+          </a:extLst>
+        </p:spPr>
+        <p:txBody>
+          <a:bodyPr wrap="square">
+            <a:spAutoFit/>
+          </a:bodyPr>
+          <a:lstStyle/>
+          <a:p>
+            <a:endParaRPr lang="en-US"/>
+          </a:p>
+        </p:txBody>
+      </p:sp>
+      <p:sp>
+        <p:nvSpPr>
+          <p:cNvPr id="6" name="TextBox 5">
+            <a:extLst>
+              <a:ext uri="{FF2B5EF4-FFF2-40B4-BE49-F238E27FC236}">
+                <a16:creationId xmlns:a16="http://schemas.microsoft.com/office/drawing/2014/main" id="{4F2DA592-D8EB-70BA-2112-6C13A4E7B393}"/>
+              </a:ext>
+            </a:extLst>
+          </p:cNvPr>
+          <p:cNvSpPr txBox="1"/>
+          <p:nvPr/>
+        </p:nvSpPr>
+        <p:spPr>
+          <a:xfrm>
+            <a:off x="495300" y="606817"/>
+            <a:ext cx="11201400" cy="919401"/>
+          </a:xfrm>
+          <a:prstGeom prst="roundRect">
+            <a:avLst/>
+          </a:prstGeom>
+          <a:solidFill>
+            <a:schemeClr val="bg1">
+              <a:alpha val="70000"/>
+            </a:schemeClr>
+          </a:solidFill>
+          <a:ln w="76200">
+            <a:solidFill>
+              <a:srgbClr val="FFC416"/>
+            </a:solidFill>
+          </a:ln>
+        </p:spPr>
+        <p:style>
+          <a:lnRef idx="2">
+            <a:schemeClr val="dk1"/>
+          </a:lnRef>
+          <a:fillRef idx="1">
+            <a:schemeClr val="lt1"/>
+          </a:fillRef>
+          <a:effectRef idx="0">
+            <a:schemeClr val="dk1"/>
+          </a:effectRef>
+          <a:fontRef idx="minor">
+            <a:schemeClr val="dk1"/>
+          </a:fontRef>
+        </p:style>
+        <p:txBody>
+          <a:bodyPr wrap="square" rtlCol="0">
+            <a:spAutoFit/>
+          </a:bodyPr>
+          <a:lstStyle/>
+          <a:p>
+            <a:pPr algn="ctr"/>
+            <a:r>
+              <a:rPr lang="en-US" sz="4800" b="1" dirty="0">
+                <a:solidFill>
+                  <a:srgbClr val="2D3A37"/>
+                </a:solidFill>
+                <a:effectLst/>
+                <a:latin typeface="Adobe Devanagari" panose="02040503050201020203" pitchFamily="18" charset="0"/>
+                <a:cs typeface="Adobe Devanagari" panose="02040503050201020203" pitchFamily="18" charset="0"/>
+              </a:rPr>
+              <a:t>Detecting Outliers</a:t>
+            </a:r>
+            <a:endParaRPr lang="en-US" sz="4800" dirty="0">
+              <a:solidFill>
+                <a:srgbClr val="2D3A37"/>
+              </a:solidFill>
+            </a:endParaRPr>
+          </a:p>
+        </p:txBody>
+      </p:sp>
+      <mc:AlternateContent xmlns:mc="http://schemas.openxmlformats.org/markup-compatibility/2006" xmlns:a14="http://schemas.microsoft.com/office/drawing/2010/main">
+        <mc:Choice Requires="a14">
+          <p:sp>
+            <p:nvSpPr>
+              <p:cNvPr id="7" name="TextBox 6">
+                <a:extLst>
+                  <a:ext uri="{FF2B5EF4-FFF2-40B4-BE49-F238E27FC236}">
+                    <a16:creationId xmlns:a16="http://schemas.microsoft.com/office/drawing/2014/main" id="{D9B238EA-D04E-3255-7509-F990F1A8F309}"/>
+                  </a:ext>
+                </a:extLst>
+              </p:cNvPr>
+              <p:cNvSpPr txBox="1"/>
+              <p:nvPr/>
+            </p:nvSpPr>
+            <p:spPr>
+              <a:xfrm>
+                <a:off x="495300" y="1974467"/>
+                <a:ext cx="11201400" cy="4426886"/>
+              </a:xfrm>
+              <a:prstGeom prst="roundRect">
+                <a:avLst/>
+              </a:prstGeom>
+              <a:solidFill>
+                <a:schemeClr val="bg1"/>
+              </a:solidFill>
+              <a:ln w="76200">
+                <a:solidFill>
+                  <a:srgbClr val="FFC416"/>
+                </a:solidFill>
+              </a:ln>
+            </p:spPr>
+            <p:style>
+              <a:lnRef idx="2">
+                <a:schemeClr val="dk1"/>
+              </a:lnRef>
+              <a:fillRef idx="1">
+                <a:schemeClr val="lt1"/>
+              </a:fillRef>
+              <a:effectRef idx="0">
+                <a:schemeClr val="dk1"/>
+              </a:effectRef>
+              <a:fontRef idx="minor">
+                <a:schemeClr val="dk1"/>
+              </a:fontRef>
+            </p:style>
+            <p:txBody>
+              <a:bodyPr wrap="square" rtlCol="0">
+                <a:spAutoFit/>
+              </a:bodyPr>
+              <a:lstStyle/>
+              <a:p>
+                <a:pPr marL="457200" indent="-457200">
+                  <a:buFont typeface="Arial" panose="020B0604020202020204" pitchFamily="34" charset="0"/>
+                  <a:buChar char="•"/>
+                </a:pPr>
+                <a:r>
+                  <a:rPr lang="en-US" sz="2800" b="1" dirty="0">
+                    <a:solidFill>
+                      <a:srgbClr val="660066"/>
+                    </a:solidFill>
+                  </a:rPr>
+                  <a:t>Standardized Residual: </a:t>
+                </a:r>
+                <a:r>
+                  <a:rPr lang="en-US" sz="2800" dirty="0">
+                    <a:solidFill>
+                      <a:srgbClr val="660066"/>
+                    </a:solidFill>
+                  </a:rPr>
+                  <a:t>Adjust by Standard Error of the Regression</a:t>
+                </a:r>
+              </a:p>
+              <a:p>
+                <a:pPr algn="ctr"/>
+                <a14:m>
+                  <m:oMathPara xmlns:m="http://schemas.openxmlformats.org/officeDocument/2006/math">
+                    <m:oMathParaPr>
+                      <m:jc m:val="centerGroup"/>
+                    </m:oMathParaPr>
+                    <m:oMath xmlns:m="http://schemas.openxmlformats.org/officeDocument/2006/math">
+                      <m:f>
+                        <m:fPr>
+                          <m:ctrlPr>
+                            <a:rPr lang="en-US" sz="2800" i="1" smtClean="0">
+                              <a:solidFill>
+                                <a:srgbClr val="660066"/>
+                              </a:solidFill>
+                              <a:latin typeface="Cambria Math" panose="02040503050406030204" pitchFamily="18" charset="0"/>
+                            </a:rPr>
+                          </m:ctrlPr>
+                        </m:fPr>
+                        <m:num>
+                          <m:r>
+                            <a:rPr lang="en-US" sz="2800" b="0" i="1" smtClean="0">
+                              <a:solidFill>
+                                <a:srgbClr val="660066"/>
+                              </a:solidFill>
+                              <a:latin typeface="Cambria Math" panose="02040503050406030204" pitchFamily="18" charset="0"/>
+                            </a:rPr>
+                            <m:t>𝑦</m:t>
+                          </m:r>
+                          <m:r>
+                            <a:rPr lang="en-US" sz="2800" b="0" i="1" smtClean="0">
+                              <a:solidFill>
+                                <a:srgbClr val="660066"/>
+                              </a:solidFill>
+                              <a:latin typeface="Cambria Math" panose="02040503050406030204" pitchFamily="18" charset="0"/>
+                            </a:rPr>
+                            <m:t>−</m:t>
+                          </m:r>
+                          <m:acc>
+                            <m:accPr>
+                              <m:chr m:val="̂"/>
+                              <m:ctrlPr>
+                                <a:rPr lang="en-US" sz="2800" i="1" smtClean="0">
+                                  <a:solidFill>
+                                    <a:srgbClr val="660066"/>
+                                  </a:solidFill>
+                                  <a:latin typeface="Cambria Math" panose="02040503050406030204" pitchFamily="18" charset="0"/>
+                                </a:rPr>
+                              </m:ctrlPr>
+                            </m:accPr>
+                            <m:e>
+                              <m:r>
+                                <a:rPr lang="en-US" sz="2800" b="0" i="1" smtClean="0">
+                                  <a:solidFill>
+                                    <a:srgbClr val="660066"/>
+                                  </a:solidFill>
+                                  <a:latin typeface="Cambria Math" panose="02040503050406030204" pitchFamily="18" charset="0"/>
+                                </a:rPr>
+                                <m:t>𝑦</m:t>
+                              </m:r>
+                            </m:e>
+                          </m:acc>
+                        </m:num>
+                        <m:den>
+                          <m:sSub>
+                            <m:sSubPr>
+                              <m:ctrlPr>
+                                <a:rPr lang="en-US" sz="2800" i="1" dirty="0" smtClean="0">
+                                  <a:solidFill>
+                                    <a:srgbClr val="660066"/>
+                                  </a:solidFill>
+                                  <a:latin typeface="Cambria Math" panose="02040503050406030204" pitchFamily="18" charset="0"/>
+                                </a:rPr>
+                              </m:ctrlPr>
+                            </m:sSubPr>
+                            <m:e>
+                              <m:acc>
+                                <m:accPr>
+                                  <m:chr m:val="̂"/>
+                                  <m:ctrlPr>
+                                    <a:rPr lang="en-US" sz="2800" i="1" smtClean="0">
+                                      <a:solidFill>
+                                        <a:srgbClr val="660066"/>
+                                      </a:solidFill>
+                                      <a:latin typeface="Cambria Math" panose="02040503050406030204" pitchFamily="18" charset="0"/>
+                                    </a:rPr>
+                                  </m:ctrlPr>
+                                </m:accPr>
+                                <m:e>
+                                  <m:r>
+                                    <a:rPr lang="en-US" sz="2800" b="0" i="1" smtClean="0">
+                                      <a:solidFill>
+                                        <a:srgbClr val="660066"/>
+                                      </a:solidFill>
+                                      <a:latin typeface="Cambria Math" panose="02040503050406030204" pitchFamily="18" charset="0"/>
+                                    </a:rPr>
+                                    <m:t>𝜎</m:t>
+                                  </m:r>
+                                </m:e>
+                              </m:acc>
+                            </m:e>
+                            <m:sub>
+                              <m:r>
+                                <a:rPr lang="en-US" sz="2800" b="0" i="1" dirty="0" smtClean="0">
+                                  <a:solidFill>
+                                    <a:srgbClr val="660066"/>
+                                  </a:solidFill>
+                                  <a:latin typeface="Cambria Math" panose="02040503050406030204" pitchFamily="18" charset="0"/>
+                                </a:rPr>
+                                <m:t>𝜖</m:t>
+                              </m:r>
+                            </m:sub>
+                          </m:sSub>
+                        </m:den>
+                      </m:f>
+                    </m:oMath>
+                  </m:oMathPara>
+                </a14:m>
+                <a:endParaRPr lang="en-US" sz="2800" dirty="0">
+                  <a:solidFill>
+                    <a:srgbClr val="660066"/>
+                  </a:solidFill>
+                </a:endParaRPr>
+              </a:p>
+              <a:p>
+                <a:endParaRPr lang="en-US" sz="2800" b="1" dirty="0">
+                  <a:solidFill>
+                    <a:srgbClr val="660066"/>
+                  </a:solidFill>
+                </a:endParaRPr>
+              </a:p>
+              <a:p>
+                <a:pPr marL="457200" indent="-457200">
+                  <a:buFont typeface="Arial" panose="020B0604020202020204" pitchFamily="34" charset="0"/>
+                  <a:buChar char="•"/>
+                </a:pPr>
+                <a:r>
+                  <a:rPr lang="en-US" sz="2800" b="1" dirty="0">
+                    <a:solidFill>
+                      <a:srgbClr val="660066"/>
+                    </a:solidFill>
+                  </a:rPr>
+                  <a:t>Studentized Residual: </a:t>
+                </a:r>
+                <a:r>
+                  <a:rPr lang="en-US" sz="2800" dirty="0">
+                    <a:solidFill>
+                      <a:srgbClr val="660066"/>
+                    </a:solidFill>
+                  </a:rPr>
+                  <a:t>Use Standard Error of Regression After Removing the Point from the Regression</a:t>
+                </a:r>
+              </a:p>
+              <a:p>
+                <a:pPr marL="457200" indent="-457200">
+                  <a:buFont typeface="Arial" panose="020B0604020202020204" pitchFamily="34" charset="0"/>
+                  <a:buChar char="•"/>
+                </a:pPr>
+                <a:endParaRPr lang="en-US" sz="2800" b="1" dirty="0">
+                  <a:solidFill>
+                    <a:srgbClr val="660066"/>
+                  </a:solidFill>
+                </a:endParaRPr>
+              </a:p>
+              <a:p>
+                <a:pPr marL="457200" indent="-457200">
+                  <a:buFont typeface="Arial" panose="020B0604020202020204" pitchFamily="34" charset="0"/>
+                  <a:buChar char="•"/>
+                </a:pPr>
+                <a:r>
+                  <a:rPr lang="en-US" sz="2800" dirty="0">
+                    <a:solidFill>
+                      <a:srgbClr val="660066"/>
+                    </a:solidFill>
+                  </a:rPr>
+                  <a:t>Under Conditions, 95% of Residuals Within -2 and +2</a:t>
+                </a:r>
+              </a:p>
+              <a:p>
+                <a:pPr marL="457200" indent="-457200">
+                  <a:buFont typeface="Arial" panose="020B0604020202020204" pitchFamily="34" charset="0"/>
+                  <a:buChar char="•"/>
+                </a:pPr>
+                <a:endParaRPr lang="en-US" sz="2800" b="1" dirty="0">
+                  <a:solidFill>
+                    <a:srgbClr val="660066"/>
+                  </a:solidFill>
+                </a:endParaRPr>
+              </a:p>
+            </p:txBody>
+          </p:sp>
+        </mc:Choice>
+        <mc:Fallback xmlns="">
+          <p:sp>
+            <p:nvSpPr>
+              <p:cNvPr id="7" name="TextBox 6">
+                <a:extLst>
+                  <a:ext uri="{FF2B5EF4-FFF2-40B4-BE49-F238E27FC236}">
+                    <a16:creationId xmlns:a16="http://schemas.microsoft.com/office/drawing/2014/main" id="{D9B238EA-D04E-3255-7509-F990F1A8F309}"/>
+                  </a:ext>
+                </a:extLst>
+              </p:cNvPr>
+              <p:cNvSpPr txBox="1">
+                <a:spLocks noRot="1" noChangeAspect="1" noMove="1" noResize="1" noEditPoints="1" noAdjustHandles="1" noChangeArrowheads="1" noChangeShapeType="1" noTextEdit="1"/>
+              </p:cNvSpPr>
+              <p:nvPr/>
+            </p:nvSpPr>
+            <p:spPr>
+              <a:xfrm>
+                <a:off x="495300" y="1974467"/>
+                <a:ext cx="11201400" cy="4426886"/>
+              </a:xfrm>
+              <a:prstGeom prst="roundRect">
+                <a:avLst/>
+              </a:prstGeom>
+              <a:blipFill>
+                <a:blip r:embed="rId3"/>
+                <a:stretch>
+                  <a:fillRect/>
+                </a:stretch>
+              </a:blipFill>
+              <a:ln w="76200">
+                <a:solidFill>
+                  <a:srgbClr val="FFC416"/>
+                </a:solidFill>
+              </a:ln>
+            </p:spPr>
+            <p:txBody>
+              <a:bodyPr/>
+              <a:lstStyle/>
+              <a:p>
+                <a:r>
+                  <a:rPr lang="en-US">
+                    <a:noFill/>
+                  </a:rPr>
+                  <a:t> </a:t>
+                </a:r>
+              </a:p>
+            </p:txBody>
+          </p:sp>
+        </mc:Fallback>
+      </mc:AlternateContent>
+    </p:spTree>
+    <p:extLst>
+      <p:ext uri="{BB962C8B-B14F-4D97-AF65-F5344CB8AC3E}">
+        <p14:creationId xmlns:p14="http://schemas.microsoft.com/office/powerpoint/2010/main" val="2230185548"/>
+      </p:ext>
+    </p:extLst>
+  </p:cSld>
+  <p:clrMapOvr>
+    <a:masterClrMapping/>
+  </p:clrMapOvr>
+</p:sld>
+</file>
+
+<file path=ppt/slides/slide4.xml><?xml version="1.0" encoding="utf-8"?>
+<p:sld xmlns:a="http://schemas.openxmlformats.org/drawingml/2006/main" xmlns:r="http://schemas.openxmlformats.org/officeDocument/2006/relationships" xmlns:p="http://schemas.openxmlformats.org/presentationml/2006/main">
+  <p:cSld>
+    <p:spTree>
+      <p:nvGrpSpPr>
+        <p:cNvPr id="1" name=""/>
+        <p:cNvGrpSpPr/>
+        <p:nvPr/>
+      </p:nvGrpSpPr>
+      <p:grpSpPr>
+        <a:xfrm>
+          <a:off x="0" y="0"/>
+          <a:ext cx="0" cy="0"/>
+          <a:chOff x="0" y="0"/>
+          <a:chExt cx="0" cy="0"/>
+        </a:xfrm>
+      </p:grpSpPr>
+      <p:pic>
+        <p:nvPicPr>
+          <p:cNvPr id="2" name="Picture 10" descr="Mario Pattern">
+            <a:extLst>
+              <a:ext uri="{FF2B5EF4-FFF2-40B4-BE49-F238E27FC236}">
+                <a16:creationId xmlns:a16="http://schemas.microsoft.com/office/drawing/2014/main" id="{8F84FFD9-23AF-75F7-6DAA-904525952142}"/>
+              </a:ext>
+            </a:extLst>
+          </p:cNvPr>
+          <p:cNvPicPr>
+            <a:picLocks noChangeAspect="1" noChangeArrowheads="1"/>
+          </p:cNvPicPr>
+          <p:nvPr/>
+        </p:nvPicPr>
+        <p:blipFill rotWithShape="1">
+          <a:blip r:embed="rId2">
+            <a:alphaModFix amt="47000"/>
+            <a:extLst>
+              <a:ext uri="{28A0092B-C50C-407E-A947-70E740481C1C}">
+                <a14:useLocalDpi xmlns:a14="http://schemas.microsoft.com/office/drawing/2010/main" val="0"/>
+              </a:ext>
+            </a:extLst>
+          </a:blip>
+          <a:srcRect l="4595" r="6699"/>
+          <a:stretch/>
+        </p:blipFill>
+        <p:spPr bwMode="auto">
+          <a:xfrm>
+            <a:off x="0" y="-2057400"/>
+            <a:ext cx="12192000" cy="10308201"/>
+          </a:xfrm>
+          <a:prstGeom prst="rect">
+            <a:avLst/>
+          </a:prstGeom>
+          <a:noFill/>
+          <a:extLst>
+            <a:ext uri="{909E8E84-426E-40DD-AFC4-6F175D3DCCD1}">
+              <a14:hiddenFill xmlns:a14="http://schemas.microsoft.com/office/drawing/2010/main">
+                <a:solidFill>
+                  <a:srgbClr val="FFFFFF"/>
+                </a:solidFill>
+              </a14:hiddenFill>
+            </a:ext>
+          </a:extLst>
+        </p:spPr>
+      </p:pic>
+      <p:sp>
+        <p:nvSpPr>
+          <p:cNvPr id="12" name="Line 11"/>
+          <p:cNvSpPr>
+            <a:spLocks noChangeShapeType="1"/>
+          </p:cNvSpPr>
+          <p:nvPr/>
+        </p:nvSpPr>
+        <p:spPr bwMode="auto">
+          <a:xfrm flipV="1">
+            <a:off x="6972300" y="5109836"/>
+            <a:ext cx="609600" cy="533400"/>
+          </a:xfrm>
+          <a:prstGeom prst="line">
+            <a:avLst/>
+          </a:prstGeom>
+          <a:noFill/>
+          <a:ln w="38100">
+            <a:solidFill>
+              <a:srgbClr val="FFFF66"/>
+            </a:solidFill>
+            <a:round/>
+            <a:headEnd/>
+            <a:tailEnd type="triangle" w="med" len="med"/>
+          </a:ln>
+          <a:extLst>
+            <a:ext uri="{909E8E84-426E-40DD-AFC4-6F175D3DCCD1}">
+              <a14:hiddenFill xmlns:a14="http://schemas.microsoft.com/office/drawing/2010/main">
+                <a:noFill/>
+              </a14:hiddenFill>
+            </a:ext>
+          </a:extLst>
+        </p:spPr>
+        <p:txBody>
+          <a:bodyPr wrap="square">
+            <a:spAutoFit/>
+          </a:bodyPr>
+          <a:lstStyle/>
+          <a:p>
+            <a:endParaRPr lang="en-US"/>
+          </a:p>
+        </p:txBody>
+      </p:sp>
+      <p:sp>
+        <p:nvSpPr>
+          <p:cNvPr id="6" name="TextBox 5">
+            <a:extLst>
+              <a:ext uri="{FF2B5EF4-FFF2-40B4-BE49-F238E27FC236}">
+                <a16:creationId xmlns:a16="http://schemas.microsoft.com/office/drawing/2014/main" id="{4F2DA592-D8EB-70BA-2112-6C13A4E7B393}"/>
+              </a:ext>
+            </a:extLst>
+          </p:cNvPr>
+          <p:cNvSpPr txBox="1"/>
+          <p:nvPr/>
+        </p:nvSpPr>
+        <p:spPr>
+          <a:xfrm>
+            <a:off x="495300" y="606817"/>
+            <a:ext cx="11201400" cy="919401"/>
+          </a:xfrm>
+          <a:prstGeom prst="roundRect">
+            <a:avLst/>
+          </a:prstGeom>
+          <a:solidFill>
+            <a:schemeClr val="bg1">
+              <a:alpha val="70000"/>
+            </a:schemeClr>
+          </a:solidFill>
+          <a:ln w="76200">
+            <a:solidFill>
+              <a:srgbClr val="FFC416"/>
+            </a:solidFill>
+          </a:ln>
+        </p:spPr>
+        <p:style>
+          <a:lnRef idx="2">
+            <a:schemeClr val="dk1"/>
+          </a:lnRef>
+          <a:fillRef idx="1">
+            <a:schemeClr val="lt1"/>
+          </a:fillRef>
+          <a:effectRef idx="0">
+            <a:schemeClr val="dk1"/>
+          </a:effectRef>
+          <a:fontRef idx="minor">
+            <a:schemeClr val="dk1"/>
+          </a:fontRef>
+        </p:style>
+        <p:txBody>
+          <a:bodyPr wrap="square" rtlCol="0">
+            <a:spAutoFit/>
+          </a:bodyPr>
+          <a:lstStyle/>
+          <a:p>
+            <a:pPr algn="ctr"/>
+            <a:r>
+              <a:rPr lang="en-US" sz="4800" b="1" dirty="0">
+                <a:solidFill>
+                  <a:srgbClr val="2D3A37"/>
+                </a:solidFill>
+                <a:effectLst/>
+                <a:latin typeface="Adobe Devanagari" panose="02040503050201020203" pitchFamily="18" charset="0"/>
+                <a:cs typeface="Adobe Devanagari" panose="02040503050201020203" pitchFamily="18" charset="0"/>
+              </a:rPr>
+              <a:t>Detecting Influential Points</a:t>
+            </a:r>
+            <a:endParaRPr lang="en-US" sz="4800" dirty="0">
+              <a:solidFill>
+                <a:srgbClr val="2D3A37"/>
+              </a:solidFill>
+            </a:endParaRPr>
+          </a:p>
+        </p:txBody>
+      </p:sp>
+      <mc:AlternateContent xmlns:mc="http://schemas.openxmlformats.org/markup-compatibility/2006" xmlns:a14="http://schemas.microsoft.com/office/drawing/2010/main">
+        <mc:Choice Requires="a14">
+          <p:sp>
+            <p:nvSpPr>
+              <p:cNvPr id="7" name="TextBox 6">
+                <a:extLst>
+                  <a:ext uri="{FF2B5EF4-FFF2-40B4-BE49-F238E27FC236}">
+                    <a16:creationId xmlns:a16="http://schemas.microsoft.com/office/drawing/2014/main" id="{D9B238EA-D04E-3255-7509-F990F1A8F309}"/>
+                  </a:ext>
+                </a:extLst>
+              </p:cNvPr>
+              <p:cNvSpPr txBox="1"/>
+              <p:nvPr/>
+            </p:nvSpPr>
+            <p:spPr>
+              <a:xfrm>
+                <a:off x="495300" y="1974467"/>
+                <a:ext cx="11201400" cy="4392692"/>
+              </a:xfrm>
+              <a:prstGeom prst="roundRect">
+                <a:avLst/>
+              </a:prstGeom>
+              <a:solidFill>
+                <a:schemeClr val="bg1"/>
+              </a:solidFill>
+              <a:ln w="76200">
+                <a:solidFill>
+                  <a:srgbClr val="FFC416"/>
+                </a:solidFill>
+              </a:ln>
+            </p:spPr>
+            <p:style>
+              <a:lnRef idx="2">
+                <a:schemeClr val="dk1"/>
+              </a:lnRef>
+              <a:fillRef idx="1">
+                <a:schemeClr val="lt1"/>
+              </a:fillRef>
+              <a:effectRef idx="0">
+                <a:schemeClr val="dk1"/>
+              </a:effectRef>
+              <a:fontRef idx="minor">
+                <a:schemeClr val="dk1"/>
+              </a:fontRef>
+            </p:style>
+            <p:txBody>
+              <a:bodyPr wrap="square" rtlCol="0">
+                <a:spAutoFit/>
+              </a:bodyPr>
+              <a:lstStyle/>
+              <a:p>
+                <a:pPr marL="457200" indent="-457200">
+                  <a:buFont typeface="Arial" panose="020B0604020202020204" pitchFamily="34" charset="0"/>
+                  <a:buChar char="•"/>
+                </a:pPr>
+                <a:r>
+                  <a:rPr lang="en-US" sz="2800" dirty="0">
+                    <a:solidFill>
+                      <a:srgbClr val="660066"/>
+                    </a:solidFill>
+                  </a:rPr>
+                  <a:t>Remove Each Observation and See How the Line Changes</a:t>
+                </a:r>
+              </a:p>
+              <a:p>
+                <a:pPr marL="457200" indent="-457200">
+                  <a:buFont typeface="Arial" panose="020B0604020202020204" pitchFamily="34" charset="0"/>
+                  <a:buChar char="•"/>
+                </a:pPr>
+                <a:endParaRPr lang="en-US" sz="2800" dirty="0">
+                  <a:solidFill>
+                    <a:srgbClr val="660066"/>
+                  </a:solidFill>
+                </a:endParaRPr>
+              </a:p>
+              <a:p>
+                <a:pPr marL="457200" indent="-457200">
+                  <a:buFont typeface="Arial" panose="020B0604020202020204" pitchFamily="34" charset="0"/>
+                  <a:buChar char="•"/>
+                </a:pPr>
+                <a:r>
+                  <a:rPr lang="en-US" sz="2800" dirty="0">
+                    <a:solidFill>
+                      <a:srgbClr val="660066"/>
+                    </a:solidFill>
+                  </a:rPr>
+                  <a:t>Points Farther Away from the Mean </a:t>
+                </a:r>
+                <a14:m>
+                  <m:oMath xmlns:m="http://schemas.openxmlformats.org/officeDocument/2006/math">
+                    <m:acc>
+                      <m:accPr>
+                        <m:chr m:val="̅"/>
+                        <m:ctrlPr>
+                          <a:rPr lang="en-US" sz="2800" b="0" i="1" smtClean="0">
+                            <a:solidFill>
+                              <a:srgbClr val="660066"/>
+                            </a:solidFill>
+                            <a:latin typeface="Cambria Math" panose="02040503050406030204" pitchFamily="18" charset="0"/>
+                          </a:rPr>
+                        </m:ctrlPr>
+                      </m:accPr>
+                      <m:e>
+                        <m:r>
+                          <a:rPr lang="en-US" sz="2800" b="0" i="1" smtClean="0">
+                            <a:solidFill>
+                              <a:srgbClr val="660066"/>
+                            </a:solidFill>
+                            <a:latin typeface="Cambria Math" panose="02040503050406030204" pitchFamily="18" charset="0"/>
+                          </a:rPr>
+                          <m:t>𝑥</m:t>
+                        </m:r>
+                      </m:e>
+                    </m:acc>
+                  </m:oMath>
+                </a14:m>
+                <a:r>
+                  <a:rPr lang="en-US" sz="2800" dirty="0">
+                    <a:solidFill>
+                      <a:srgbClr val="660066"/>
+                    </a:solidFill>
+                  </a:rPr>
+                  <a:t> Have More Impact</a:t>
+                </a:r>
+              </a:p>
+              <a:p>
+                <a:pPr marL="457200" indent="-457200">
+                  <a:buFont typeface="Arial" panose="020B0604020202020204" pitchFamily="34" charset="0"/>
+                  <a:buChar char="•"/>
+                </a:pPr>
+                <a:endParaRPr lang="en-US" sz="2800" dirty="0">
+                  <a:solidFill>
+                    <a:srgbClr val="660066"/>
+                  </a:solidFill>
+                </a:endParaRPr>
+              </a:p>
+              <a:p>
+                <a:pPr marL="457200" indent="-457200">
+                  <a:buFont typeface="Arial" panose="020B0604020202020204" pitchFamily="34" charset="0"/>
+                  <a:buChar char="•"/>
+                </a:pPr>
+                <a:r>
+                  <a:rPr lang="en-US" sz="2800" dirty="0">
+                    <a:solidFill>
+                      <a:srgbClr val="660066"/>
+                    </a:solidFill>
+                  </a:rPr>
+                  <a:t>Fewer Data Points Leads to Each Point Having More Impact</a:t>
+                </a:r>
+              </a:p>
+              <a:p>
+                <a:pPr marL="457200" indent="-457200">
+                  <a:buFont typeface="Arial" panose="020B0604020202020204" pitchFamily="34" charset="0"/>
+                  <a:buChar char="•"/>
+                </a:pPr>
+                <a:endParaRPr lang="en-US" sz="2800" dirty="0">
+                  <a:solidFill>
+                    <a:srgbClr val="660066"/>
+                  </a:solidFill>
+                </a:endParaRPr>
+              </a:p>
+              <a:p>
+                <a:pPr marL="457200" indent="-457200">
+                  <a:buFont typeface="Arial" panose="020B0604020202020204" pitchFamily="34" charset="0"/>
+                  <a:buChar char="•"/>
+                </a:pPr>
+                <a:r>
+                  <a:rPr lang="en-US" sz="2800" b="1" dirty="0">
+                    <a:solidFill>
+                      <a:srgbClr val="660066"/>
+                    </a:solidFill>
+                  </a:rPr>
+                  <a:t>Leverage: </a:t>
+                </a:r>
+                <a:r>
+                  <a:rPr lang="en-US" sz="2800" dirty="0">
+                    <a:solidFill>
+                      <a:srgbClr val="660066"/>
+                    </a:solidFill>
+                  </a:rPr>
+                  <a:t>Formula Based Off Distance From </a:t>
+                </a:r>
+                <a14:m>
+                  <m:oMath xmlns:m="http://schemas.openxmlformats.org/officeDocument/2006/math">
+                    <m:acc>
+                      <m:accPr>
+                        <m:chr m:val="̅"/>
+                        <m:ctrlPr>
+                          <a:rPr lang="en-US" sz="2800" b="0" i="1" smtClean="0">
+                            <a:solidFill>
+                              <a:srgbClr val="660066"/>
+                            </a:solidFill>
+                            <a:latin typeface="Cambria Math" panose="02040503050406030204" pitchFamily="18" charset="0"/>
+                          </a:rPr>
+                        </m:ctrlPr>
+                      </m:accPr>
+                      <m:e>
+                        <m:r>
+                          <a:rPr lang="en-US" sz="2800" b="0" i="1" smtClean="0">
+                            <a:solidFill>
+                              <a:srgbClr val="660066"/>
+                            </a:solidFill>
+                            <a:latin typeface="Cambria Math" panose="02040503050406030204" pitchFamily="18" charset="0"/>
+                          </a:rPr>
+                          <m:t>𝑥</m:t>
+                        </m:r>
+                      </m:e>
+                    </m:acc>
+                  </m:oMath>
+                </a14:m>
+                <a:r>
+                  <a:rPr lang="en-US" sz="2800" dirty="0">
+                    <a:solidFill>
+                      <a:srgbClr val="660066"/>
+                    </a:solidFill>
+                  </a:rPr>
+                  <a:t> and sample size </a:t>
+                </a:r>
+                <a14:m>
+                  <m:oMath xmlns:m="http://schemas.openxmlformats.org/officeDocument/2006/math">
+                    <m:r>
+                      <a:rPr lang="en-US" sz="2800" b="0" i="1" smtClean="0">
+                        <a:solidFill>
+                          <a:srgbClr val="660066"/>
+                        </a:solidFill>
+                        <a:latin typeface="Cambria Math" panose="02040503050406030204" pitchFamily="18" charset="0"/>
+                      </a:rPr>
+                      <m:t>𝑛</m:t>
+                    </m:r>
+                  </m:oMath>
+                </a14:m>
+                <a:r>
+                  <a:rPr lang="en-US" sz="2800" dirty="0">
+                    <a:solidFill>
+                      <a:srgbClr val="660066"/>
+                    </a:solidFill>
+                  </a:rPr>
+                  <a:t> </a:t>
+                </a:r>
+              </a:p>
+              <a:p>
+                <a:pPr marL="457200" indent="-457200">
+                  <a:buFont typeface="Arial" panose="020B0604020202020204" pitchFamily="34" charset="0"/>
+                  <a:buChar char="•"/>
+                </a:pPr>
+                <a:endParaRPr lang="en-US" sz="2800" b="1" dirty="0">
+                  <a:solidFill>
+                    <a:srgbClr val="660066"/>
+                  </a:solidFill>
+                </a:endParaRPr>
+              </a:p>
+              <a:p>
+                <a:pPr marL="457200" indent="-457200">
+                  <a:buFont typeface="Arial" panose="020B0604020202020204" pitchFamily="34" charset="0"/>
+                  <a:buChar char="•"/>
+                </a:pPr>
+                <a:r>
+                  <a:rPr lang="en-US" sz="2800" dirty="0">
+                    <a:solidFill>
+                      <a:srgbClr val="660066"/>
+                    </a:solidFill>
+                  </a:rPr>
+                  <a:t>Future Information in Chapter 4</a:t>
+                </a:r>
+              </a:p>
+            </p:txBody>
+          </p:sp>
+        </mc:Choice>
+        <mc:Fallback xmlns="">
+          <p:sp>
+            <p:nvSpPr>
+              <p:cNvPr id="7" name="TextBox 6">
+                <a:extLst>
+                  <a:ext uri="{FF2B5EF4-FFF2-40B4-BE49-F238E27FC236}">
+                    <a16:creationId xmlns:a16="http://schemas.microsoft.com/office/drawing/2014/main" id="{D9B238EA-D04E-3255-7509-F990F1A8F309}"/>
+                  </a:ext>
+                </a:extLst>
+              </p:cNvPr>
+              <p:cNvSpPr txBox="1">
+                <a:spLocks noRot="1" noChangeAspect="1" noMove="1" noResize="1" noEditPoints="1" noAdjustHandles="1" noChangeArrowheads="1" noChangeShapeType="1" noTextEdit="1"/>
+              </p:cNvSpPr>
+              <p:nvPr/>
+            </p:nvSpPr>
+            <p:spPr>
+              <a:xfrm>
+                <a:off x="495300" y="1974467"/>
+                <a:ext cx="11201400" cy="4392692"/>
+              </a:xfrm>
+              <a:prstGeom prst="roundRect">
+                <a:avLst/>
+              </a:prstGeom>
+              <a:blipFill>
+                <a:blip r:embed="rId3"/>
+                <a:stretch>
+                  <a:fillRect/>
+                </a:stretch>
+              </a:blipFill>
+              <a:ln w="76200">
+                <a:solidFill>
+                  <a:srgbClr val="FFC416"/>
+                </a:solidFill>
+              </a:ln>
+            </p:spPr>
+            <p:txBody>
+              <a:bodyPr/>
+              <a:lstStyle/>
+              <a:p>
+                <a:r>
+                  <a:rPr lang="en-US">
+                    <a:noFill/>
+                  </a:rPr>
+                  <a:t> </a:t>
+                </a:r>
+              </a:p>
+            </p:txBody>
+          </p:sp>
+        </mc:Fallback>
+      </mc:AlternateContent>
+    </p:spTree>
+    <p:extLst>
+      <p:ext uri="{BB962C8B-B14F-4D97-AF65-F5344CB8AC3E}">
+        <p14:creationId xmlns:p14="http://schemas.microsoft.com/office/powerpoint/2010/main" val="212810162"/>
+      </p:ext>
+    </p:extLst>
+  </p:cSld>
+  <p:clrMapOvr>
+    <a:masterClrMapping/>
+  </p:clrMapOvr>
+</p:sld>
+</file>
+
+<file path=ppt/slides/slide5.xml><?xml version="1.0" encoding="utf-8"?>
+<p:sld xmlns:a="http://schemas.openxmlformats.org/drawingml/2006/main" xmlns:r="http://schemas.openxmlformats.org/officeDocument/2006/relationships" xmlns:p="http://schemas.openxmlformats.org/presentationml/2006/main">
+  <p:cSld>
+    <p:spTree>
+      <p:nvGrpSpPr>
+        <p:cNvPr id="1" name=""/>
+        <p:cNvGrpSpPr/>
+        <p:nvPr/>
+      </p:nvGrpSpPr>
+      <p:grpSpPr>
+        <a:xfrm>
+          <a:off x="0" y="0"/>
+          <a:ext cx="0" cy="0"/>
+          <a:chOff x="0" y="0"/>
+          <a:chExt cx="0" cy="0"/>
+        </a:xfrm>
+      </p:grpSpPr>
+      <p:pic>
+        <p:nvPicPr>
+          <p:cNvPr id="2" name="Picture 10" descr="Mario Pattern">
+            <a:extLst>
+              <a:ext uri="{FF2B5EF4-FFF2-40B4-BE49-F238E27FC236}">
+                <a16:creationId xmlns:a16="http://schemas.microsoft.com/office/drawing/2014/main" id="{8F84FFD9-23AF-75F7-6DAA-904525952142}"/>
+              </a:ext>
+            </a:extLst>
+          </p:cNvPr>
+          <p:cNvPicPr>
+            <a:picLocks noChangeAspect="1" noChangeArrowheads="1"/>
+          </p:cNvPicPr>
+          <p:nvPr/>
+        </p:nvPicPr>
+        <p:blipFill rotWithShape="1">
+          <a:blip r:embed="rId2">
+            <a:alphaModFix amt="47000"/>
+            <a:extLst>
+              <a:ext uri="{28A0092B-C50C-407E-A947-70E740481C1C}">
+                <a14:useLocalDpi xmlns:a14="http://schemas.microsoft.com/office/drawing/2010/main" val="0"/>
+              </a:ext>
+            </a:extLst>
+          </a:blip>
+          <a:srcRect l="4595" r="6699"/>
+          <a:stretch/>
+        </p:blipFill>
+        <p:spPr bwMode="auto">
+          <a:xfrm>
+            <a:off x="0" y="-2057400"/>
+            <a:ext cx="12192000" cy="10308201"/>
+          </a:xfrm>
+          <a:prstGeom prst="rect">
+            <a:avLst/>
+          </a:prstGeom>
+          <a:noFill/>
+          <a:extLst>
+            <a:ext uri="{909E8E84-426E-40DD-AFC4-6F175D3DCCD1}">
+              <a14:hiddenFill xmlns:a14="http://schemas.microsoft.com/office/drawing/2010/main">
+                <a:solidFill>
+                  <a:srgbClr val="FFFFFF"/>
+                </a:solidFill>
+              </a14:hiddenFill>
+            </a:ext>
+          </a:extLst>
+        </p:spPr>
+      </p:pic>
+      <p:sp>
+        <p:nvSpPr>
+          <p:cNvPr id="12" name="Line 11"/>
+          <p:cNvSpPr>
+            <a:spLocks noChangeShapeType="1"/>
+          </p:cNvSpPr>
+          <p:nvPr/>
+        </p:nvSpPr>
+        <p:spPr bwMode="auto">
+          <a:xfrm flipV="1">
+            <a:off x="6972300" y="5109836"/>
+            <a:ext cx="609600" cy="533400"/>
+          </a:xfrm>
+          <a:prstGeom prst="line">
+            <a:avLst/>
+          </a:prstGeom>
+          <a:noFill/>
+          <a:ln w="38100">
+            <a:solidFill>
+              <a:srgbClr val="FFFF66"/>
+            </a:solidFill>
+            <a:round/>
+            <a:headEnd/>
+            <a:tailEnd type="triangle" w="med" len="med"/>
+          </a:ln>
+          <a:extLst>
+            <a:ext uri="{909E8E84-426E-40DD-AFC4-6F175D3DCCD1}">
+              <a14:hiddenFill xmlns:a14="http://schemas.microsoft.com/office/drawing/2010/main">
+                <a:noFill/>
+              </a14:hiddenFill>
+            </a:ext>
+          </a:extLst>
+        </p:spPr>
+        <p:txBody>
+          <a:bodyPr wrap="square">
+            <a:spAutoFit/>
+          </a:bodyPr>
+          <a:lstStyle/>
+          <a:p>
+            <a:endParaRPr lang="en-US"/>
+          </a:p>
+        </p:txBody>
+      </p:sp>
+      <p:sp>
+        <p:nvSpPr>
+          <p:cNvPr id="6" name="TextBox 5">
+            <a:extLst>
+              <a:ext uri="{FF2B5EF4-FFF2-40B4-BE49-F238E27FC236}">
+                <a16:creationId xmlns:a16="http://schemas.microsoft.com/office/drawing/2014/main" id="{4F2DA592-D8EB-70BA-2112-6C13A4E7B393}"/>
+              </a:ext>
+            </a:extLst>
+          </p:cNvPr>
+          <p:cNvSpPr txBox="1"/>
+          <p:nvPr/>
+        </p:nvSpPr>
+        <p:spPr>
+          <a:xfrm>
+            <a:off x="495300" y="606817"/>
+            <a:ext cx="11201400" cy="919401"/>
+          </a:xfrm>
+          <a:prstGeom prst="roundRect">
+            <a:avLst/>
+          </a:prstGeom>
+          <a:solidFill>
+            <a:schemeClr val="bg1">
+              <a:alpha val="70000"/>
+            </a:schemeClr>
+          </a:solidFill>
+          <a:ln w="76200">
+            <a:solidFill>
+              <a:srgbClr val="FFC416"/>
+            </a:solidFill>
+          </a:ln>
+        </p:spPr>
+        <p:style>
+          <a:lnRef idx="2">
+            <a:schemeClr val="dk1"/>
+          </a:lnRef>
+          <a:fillRef idx="1">
+            <a:schemeClr val="lt1"/>
+          </a:fillRef>
+          <a:effectRef idx="0">
+            <a:schemeClr val="dk1"/>
+          </a:effectRef>
+          <a:fontRef idx="minor">
+            <a:schemeClr val="dk1"/>
+          </a:fontRef>
+        </p:style>
+        <p:txBody>
+          <a:bodyPr wrap="square" rtlCol="0">
+            <a:spAutoFit/>
+          </a:bodyPr>
+          <a:lstStyle/>
+          <a:p>
+            <a:pPr algn="ctr"/>
+            <a:r>
+              <a:rPr lang="en-US" sz="4800" b="1" dirty="0">
+                <a:solidFill>
+                  <a:srgbClr val="2D3A37"/>
+                </a:solidFill>
+                <a:effectLst/>
+                <a:latin typeface="Adobe Devanagari" panose="02040503050201020203" pitchFamily="18" charset="0"/>
+                <a:cs typeface="Adobe Devanagari" panose="02040503050201020203" pitchFamily="18" charset="0"/>
+              </a:rPr>
+              <a:t>Extrapolation</a:t>
+            </a:r>
+            <a:endParaRPr lang="en-US" sz="4800" dirty="0">
+              <a:solidFill>
+                <a:srgbClr val="2D3A37"/>
+              </a:solidFill>
+            </a:endParaRPr>
+          </a:p>
+        </p:txBody>
+      </p:sp>
+      <p:sp>
+        <p:nvSpPr>
+          <p:cNvPr id="7" name="TextBox 6">
+            <a:extLst>
+              <a:ext uri="{FF2B5EF4-FFF2-40B4-BE49-F238E27FC236}">
+                <a16:creationId xmlns:a16="http://schemas.microsoft.com/office/drawing/2014/main" id="{D9B238EA-D04E-3255-7509-F990F1A8F309}"/>
+              </a:ext>
+            </a:extLst>
+          </p:cNvPr>
+          <p:cNvSpPr txBox="1"/>
+          <p:nvPr/>
+        </p:nvSpPr>
+        <p:spPr>
+          <a:xfrm>
+            <a:off x="495300" y="1974467"/>
+            <a:ext cx="11201400" cy="3439239"/>
+          </a:xfrm>
+          <a:prstGeom prst="roundRect">
+            <a:avLst/>
+          </a:prstGeom>
+          <a:solidFill>
+            <a:schemeClr val="bg1"/>
+          </a:solidFill>
+          <a:ln w="76200">
+            <a:solidFill>
+              <a:srgbClr val="FFC416"/>
+            </a:solidFill>
+          </a:ln>
+        </p:spPr>
+        <p:style>
+          <a:lnRef idx="2">
+            <a:schemeClr val="dk1"/>
+          </a:lnRef>
+          <a:fillRef idx="1">
+            <a:schemeClr val="lt1"/>
+          </a:fillRef>
+          <a:effectRef idx="0">
+            <a:schemeClr val="dk1"/>
+          </a:effectRef>
+          <a:fontRef idx="minor">
+            <a:schemeClr val="dk1"/>
+          </a:fontRef>
+        </p:style>
+        <p:txBody>
+          <a:bodyPr wrap="square" rtlCol="0">
+            <a:spAutoFit/>
+          </a:bodyPr>
+          <a:lstStyle/>
+          <a:p>
+            <a:pPr marL="457200" indent="-457200">
+              <a:buFont typeface="Arial" panose="020B0604020202020204" pitchFamily="34" charset="0"/>
+              <a:buChar char="•"/>
+            </a:pPr>
+            <a:r>
+              <a:rPr lang="en-US" sz="2800" b="1" dirty="0">
+                <a:solidFill>
+                  <a:srgbClr val="660066"/>
+                </a:solidFill>
+              </a:rPr>
+              <a:t>Extrapolation: </a:t>
+            </a:r>
+            <a:r>
+              <a:rPr lang="en-US" sz="2800" dirty="0">
+                <a:solidFill>
+                  <a:srgbClr val="660066"/>
+                </a:solidFill>
+              </a:rPr>
+              <a:t>Using Model to Make Prediction for an Unusual Value of the Predictor Variable </a:t>
+            </a:r>
+            <a:r>
+              <a:rPr lang="en-US" sz="2800" i="1" dirty="0">
+                <a:solidFill>
+                  <a:srgbClr val="660066"/>
+                </a:solidFill>
+              </a:rPr>
+              <a:t>X</a:t>
+            </a:r>
+            <a:endParaRPr lang="en-US" sz="2800" dirty="0">
+              <a:solidFill>
+                <a:srgbClr val="660066"/>
+              </a:solidFill>
+            </a:endParaRPr>
+          </a:p>
+          <a:p>
+            <a:pPr marL="457200" indent="-457200">
+              <a:buFont typeface="Arial" panose="020B0604020202020204" pitchFamily="34" charset="0"/>
+              <a:buChar char="•"/>
+            </a:pPr>
+            <a:endParaRPr lang="en-US" sz="2800" b="1" dirty="0">
+              <a:solidFill>
+                <a:srgbClr val="660066"/>
+              </a:solidFill>
+            </a:endParaRPr>
+          </a:p>
+          <a:p>
+            <a:pPr marL="457200" indent="-457200">
+              <a:buFont typeface="Arial" panose="020B0604020202020204" pitchFamily="34" charset="0"/>
+              <a:buChar char="•"/>
+            </a:pPr>
+            <a:r>
+              <a:rPr lang="en-US" sz="2800" dirty="0">
+                <a:solidFill>
+                  <a:srgbClr val="660066"/>
+                </a:solidFill>
+              </a:rPr>
+              <a:t>Highly Discouraged</a:t>
+            </a:r>
+          </a:p>
+          <a:p>
+            <a:pPr marL="457200" indent="-457200">
+              <a:buFont typeface="Arial" panose="020B0604020202020204" pitchFamily="34" charset="0"/>
+              <a:buChar char="•"/>
+            </a:pPr>
+            <a:endParaRPr lang="en-US" sz="2800" dirty="0">
+              <a:solidFill>
+                <a:srgbClr val="660066"/>
+              </a:solidFill>
+            </a:endParaRPr>
+          </a:p>
+          <a:p>
+            <a:pPr marL="457200" indent="-457200">
+              <a:buFont typeface="Arial" panose="020B0604020202020204" pitchFamily="34" charset="0"/>
+              <a:buChar char="•"/>
+            </a:pPr>
+            <a:r>
+              <a:rPr lang="en-US" sz="2800" dirty="0">
+                <a:solidFill>
+                  <a:srgbClr val="660066"/>
+                </a:solidFill>
+              </a:rPr>
+              <a:t>No Guarantee Model Pattern Continues Outside Range of </a:t>
+            </a:r>
+            <a:r>
+              <a:rPr lang="en-US" sz="2800" i="1" dirty="0">
+                <a:solidFill>
+                  <a:srgbClr val="660066"/>
+                </a:solidFill>
+              </a:rPr>
+              <a:t>X</a:t>
+            </a:r>
+            <a:endParaRPr lang="en-US" sz="2800" dirty="0">
+              <a:solidFill>
+                <a:srgbClr val="660066"/>
+              </a:solidFill>
+            </a:endParaRPr>
+          </a:p>
+          <a:p>
+            <a:r>
+              <a:rPr lang="en-US" sz="2800" b="1" dirty="0">
+                <a:solidFill>
+                  <a:srgbClr val="660066"/>
+                </a:solidFill>
+              </a:rPr>
+              <a:t> </a:t>
+            </a:r>
+          </a:p>
+        </p:txBody>
+      </p:sp>
+    </p:spTree>
+    <p:extLst>
+      <p:ext uri="{BB962C8B-B14F-4D97-AF65-F5344CB8AC3E}">
+        <p14:creationId xmlns:p14="http://schemas.microsoft.com/office/powerpoint/2010/main" val="727154645"/>
+      </p:ext>
+    </p:extLst>
+  </p:cSld>
+  <p:clrMapOvr>
+    <a:masterClrMapping/>
+  </p:clrMapOvr>
+</p:sld>
+</file>
+
+<file path=ppt/slides/slide6.xml><?xml version="1.0" encoding="utf-8"?>
+<p:sld xmlns:a="http://schemas.openxmlformats.org/drawingml/2006/main" xmlns:r="http://schemas.openxmlformats.org/officeDocument/2006/relationships" xmlns:p="http://schemas.openxmlformats.org/presentationml/2006/main">
+  <p:cSld>
+    <p:spTree>
+      <p:nvGrpSpPr>
+        <p:cNvPr id="1" name=""/>
+        <p:cNvGrpSpPr/>
+        <p:nvPr/>
+      </p:nvGrpSpPr>
+      <p:grpSpPr>
+        <a:xfrm>
+          <a:off x="0" y="0"/>
+          <a:ext cx="0" cy="0"/>
+          <a:chOff x="0" y="0"/>
+          <a:chExt cx="0" cy="0"/>
+        </a:xfrm>
+      </p:grpSpPr>
+      <p:pic>
+        <p:nvPicPr>
+          <p:cNvPr id="2" name="Picture 10" descr="Mario Pattern">
+            <a:extLst>
+              <a:ext uri="{FF2B5EF4-FFF2-40B4-BE49-F238E27FC236}">
+                <a16:creationId xmlns:a16="http://schemas.microsoft.com/office/drawing/2014/main" id="{8F84FFD9-23AF-75F7-6DAA-904525952142}"/>
+              </a:ext>
+            </a:extLst>
+          </p:cNvPr>
+          <p:cNvPicPr>
+            <a:picLocks noChangeAspect="1" noChangeArrowheads="1"/>
+          </p:cNvPicPr>
+          <p:nvPr/>
+        </p:nvPicPr>
+        <p:blipFill rotWithShape="1">
+          <a:blip r:embed="rId2">
+            <a:alphaModFix amt="47000"/>
+            <a:extLst>
+              <a:ext uri="{28A0092B-C50C-407E-A947-70E740481C1C}">
+                <a14:useLocalDpi xmlns:a14="http://schemas.microsoft.com/office/drawing/2010/main" val="0"/>
+              </a:ext>
+            </a:extLst>
+          </a:blip>
+          <a:srcRect l="4595" r="6699"/>
+          <a:stretch/>
+        </p:blipFill>
+        <p:spPr bwMode="auto">
+          <a:xfrm>
+            <a:off x="0" y="-2057400"/>
+            <a:ext cx="12192000" cy="10308201"/>
+          </a:xfrm>
+          <a:prstGeom prst="rect">
+            <a:avLst/>
+          </a:prstGeom>
+          <a:noFill/>
+          <a:extLst>
+            <a:ext uri="{909E8E84-426E-40DD-AFC4-6F175D3DCCD1}">
+              <a14:hiddenFill xmlns:a14="http://schemas.microsoft.com/office/drawing/2010/main">
+                <a:solidFill>
+                  <a:srgbClr val="FFFFFF"/>
+                </a:solidFill>
+              </a14:hiddenFill>
+            </a:ext>
+          </a:extLst>
+        </p:spPr>
+      </p:pic>
+      <p:sp>
+        <p:nvSpPr>
+          <p:cNvPr id="12" name="Line 11"/>
+          <p:cNvSpPr>
+            <a:spLocks noChangeShapeType="1"/>
+          </p:cNvSpPr>
+          <p:nvPr/>
+        </p:nvSpPr>
+        <p:spPr bwMode="auto">
+          <a:xfrm flipV="1">
+            <a:off x="6972300" y="5109836"/>
+            <a:ext cx="609600" cy="533400"/>
+          </a:xfrm>
+          <a:prstGeom prst="line">
+            <a:avLst/>
+          </a:prstGeom>
+          <a:noFill/>
+          <a:ln w="38100">
+            <a:solidFill>
+              <a:srgbClr val="FFFF66"/>
+            </a:solidFill>
+            <a:round/>
+            <a:headEnd/>
+            <a:tailEnd type="triangle" w="med" len="med"/>
+          </a:ln>
+          <a:extLst>
+            <a:ext uri="{909E8E84-426E-40DD-AFC4-6F175D3DCCD1}">
+              <a14:hiddenFill xmlns:a14="http://schemas.microsoft.com/office/drawing/2010/main">
+                <a:noFill/>
+              </a14:hiddenFill>
+            </a:ext>
+          </a:extLst>
+        </p:spPr>
+        <p:txBody>
+          <a:bodyPr wrap="square">
+            <a:spAutoFit/>
+          </a:bodyPr>
+          <a:lstStyle/>
+          <a:p>
+            <a:endParaRPr lang="en-US"/>
+          </a:p>
+        </p:txBody>
+      </p:sp>
+      <p:sp>
+        <p:nvSpPr>
+          <p:cNvPr id="6" name="TextBox 5">
+            <a:extLst>
+              <a:ext uri="{FF2B5EF4-FFF2-40B4-BE49-F238E27FC236}">
+                <a16:creationId xmlns:a16="http://schemas.microsoft.com/office/drawing/2014/main" id="{4F2DA592-D8EB-70BA-2112-6C13A4E7B393}"/>
+              </a:ext>
+            </a:extLst>
+          </p:cNvPr>
+          <p:cNvSpPr txBox="1"/>
+          <p:nvPr/>
+        </p:nvSpPr>
+        <p:spPr>
+          <a:xfrm>
+            <a:off x="495300" y="606817"/>
+            <a:ext cx="11201400" cy="919401"/>
+          </a:xfrm>
+          <a:prstGeom prst="roundRect">
+            <a:avLst/>
+          </a:prstGeom>
+          <a:solidFill>
+            <a:schemeClr val="bg1">
+              <a:alpha val="70000"/>
+            </a:schemeClr>
+          </a:solidFill>
+          <a:ln w="76200">
+            <a:solidFill>
+              <a:srgbClr val="FFC416"/>
+            </a:solidFill>
+          </a:ln>
+        </p:spPr>
+        <p:style>
+          <a:lnRef idx="2">
+            <a:schemeClr val="dk1"/>
+          </a:lnRef>
+          <a:fillRef idx="1">
+            <a:schemeClr val="lt1"/>
+          </a:fillRef>
+          <a:effectRef idx="0">
+            <a:schemeClr val="dk1"/>
+          </a:effectRef>
+          <a:fontRef idx="minor">
+            <a:schemeClr val="dk1"/>
+          </a:fontRef>
+        </p:style>
+        <p:txBody>
+          <a:bodyPr wrap="square" rtlCol="0">
+            <a:spAutoFit/>
+          </a:bodyPr>
+          <a:lstStyle/>
+          <a:p>
+            <a:pPr algn="ctr"/>
+            <a:r>
+              <a:rPr lang="en-US" sz="4800" b="1" dirty="0">
+                <a:solidFill>
+                  <a:srgbClr val="2D3A37"/>
+                </a:solidFill>
+                <a:effectLst/>
+                <a:latin typeface="Adobe Devanagari" panose="02040503050201020203" pitchFamily="18" charset="0"/>
+                <a:cs typeface="Adobe Devanagari" panose="02040503050201020203" pitchFamily="18" charset="0"/>
+              </a:rPr>
+              <a:t>Example: Mammal Species</a:t>
+            </a:r>
+            <a:endParaRPr lang="en-US" sz="4800" dirty="0">
+              <a:solidFill>
+                <a:srgbClr val="2D3A37"/>
+              </a:solidFill>
+            </a:endParaRPr>
+          </a:p>
+        </p:txBody>
+      </p:sp>
+      <p:sp>
+        <p:nvSpPr>
+          <p:cNvPr id="7" name="TextBox 6">
+            <a:extLst>
+              <a:ext uri="{FF2B5EF4-FFF2-40B4-BE49-F238E27FC236}">
+                <a16:creationId xmlns:a16="http://schemas.microsoft.com/office/drawing/2014/main" id="{D9B238EA-D04E-3255-7509-F990F1A8F309}"/>
+              </a:ext>
+            </a:extLst>
+          </p:cNvPr>
+          <p:cNvSpPr txBox="1"/>
+          <p:nvPr/>
+        </p:nvSpPr>
+        <p:spPr>
+          <a:xfrm>
+            <a:off x="495300" y="1974467"/>
+            <a:ext cx="11201400" cy="3439239"/>
+          </a:xfrm>
+          <a:prstGeom prst="roundRect">
+            <a:avLst/>
+          </a:prstGeom>
+          <a:solidFill>
+            <a:schemeClr val="bg1"/>
+          </a:solidFill>
+          <a:ln w="76200">
+            <a:solidFill>
+              <a:srgbClr val="FFC416"/>
+            </a:solidFill>
+          </a:ln>
+        </p:spPr>
+        <p:style>
+          <a:lnRef idx="2">
+            <a:schemeClr val="dk1"/>
+          </a:lnRef>
+          <a:fillRef idx="1">
+            <a:schemeClr val="lt1"/>
+          </a:fillRef>
+          <a:effectRef idx="0">
+            <a:schemeClr val="dk1"/>
+          </a:effectRef>
+          <a:fontRef idx="minor">
+            <a:schemeClr val="dk1"/>
+          </a:fontRef>
+        </p:style>
+        <p:txBody>
+          <a:bodyPr wrap="square" rtlCol="0">
+            <a:spAutoFit/>
+          </a:bodyPr>
+          <a:lstStyle/>
+          <a:p>
+            <a:pPr marL="457200" indent="-457200">
+              <a:buFont typeface="Arial" panose="020B0604020202020204" pitchFamily="34" charset="0"/>
+              <a:buChar char="•"/>
+            </a:pPr>
+            <a:r>
+              <a:rPr lang="en-US" sz="2800" i="1" dirty="0">
+                <a:solidFill>
+                  <a:srgbClr val="660066"/>
+                </a:solidFill>
+              </a:rPr>
+              <a:t>Y = </a:t>
+            </a:r>
+            <a:r>
+              <a:rPr lang="en-US" sz="2800" dirty="0">
+                <a:solidFill>
+                  <a:srgbClr val="660066"/>
+                </a:solidFill>
+              </a:rPr>
+              <a:t>Number of Mammal Species on an Island</a:t>
+            </a:r>
+          </a:p>
+          <a:p>
+            <a:pPr marL="457200" indent="-457200">
+              <a:buFont typeface="Arial" panose="020B0604020202020204" pitchFamily="34" charset="0"/>
+              <a:buChar char="•"/>
+            </a:pPr>
+            <a:endParaRPr lang="en-US" sz="2800" dirty="0">
+              <a:solidFill>
+                <a:srgbClr val="660066"/>
+              </a:solidFill>
+            </a:endParaRPr>
+          </a:p>
+          <a:p>
+            <a:pPr marL="457200" indent="-457200">
+              <a:buFont typeface="Arial" panose="020B0604020202020204" pitchFamily="34" charset="0"/>
+              <a:buChar char="•"/>
+            </a:pPr>
+            <a:r>
+              <a:rPr lang="en-US" sz="2800" i="1" dirty="0">
+                <a:solidFill>
+                  <a:srgbClr val="660066"/>
+                </a:solidFill>
+              </a:rPr>
+              <a:t>X = </a:t>
+            </a:r>
+            <a:r>
+              <a:rPr lang="en-US" sz="2800" dirty="0">
+                <a:solidFill>
+                  <a:srgbClr val="660066"/>
+                </a:solidFill>
+              </a:rPr>
+              <a:t>Area of the Island</a:t>
+            </a:r>
+          </a:p>
+          <a:p>
+            <a:pPr marL="457200" indent="-457200">
+              <a:buFont typeface="Arial" panose="020B0604020202020204" pitchFamily="34" charset="0"/>
+              <a:buChar char="•"/>
+            </a:pPr>
+            <a:endParaRPr lang="en-US" sz="2800" i="1" dirty="0">
+              <a:solidFill>
+                <a:srgbClr val="660066"/>
+              </a:solidFill>
+            </a:endParaRPr>
+          </a:p>
+          <a:p>
+            <a:pPr marL="457200" indent="-457200">
+              <a:buFont typeface="Arial" panose="020B0604020202020204" pitchFamily="34" charset="0"/>
+              <a:buChar char="•"/>
+            </a:pPr>
+            <a:r>
+              <a:rPr lang="en-US" sz="2800" dirty="0">
+                <a:solidFill>
+                  <a:srgbClr val="660066"/>
+                </a:solidFill>
+              </a:rPr>
+              <a:t>Question: </a:t>
+            </a:r>
+            <a:r>
+              <a:rPr lang="en-US" sz="2800" i="1" dirty="0">
+                <a:solidFill>
+                  <a:srgbClr val="660066"/>
+                </a:solidFill>
+              </a:rPr>
+              <a:t>Do bigger islands tend to have a larger variety of mammals?</a:t>
+            </a:r>
+          </a:p>
+          <a:p>
+            <a:pPr marL="457200" indent="-457200">
+              <a:buFont typeface="Arial" panose="020B0604020202020204" pitchFamily="34" charset="0"/>
+              <a:buChar char="•"/>
+            </a:pPr>
+            <a:endParaRPr lang="en-US" sz="2800" i="1" dirty="0">
+              <a:solidFill>
+                <a:srgbClr val="660066"/>
+              </a:solidFill>
+            </a:endParaRPr>
+          </a:p>
+          <a:p>
+            <a:pPr marL="457200" indent="-457200">
+              <a:buFont typeface="Arial" panose="020B0604020202020204" pitchFamily="34" charset="0"/>
+              <a:buChar char="•"/>
+            </a:pPr>
+            <a:r>
+              <a:rPr lang="en-US" sz="2800" dirty="0">
+                <a:solidFill>
+                  <a:srgbClr val="660066"/>
+                </a:solidFill>
+              </a:rPr>
+              <a:t>Data from 14 Islands in Southeast Asia</a:t>
+            </a:r>
+          </a:p>
+        </p:txBody>
+      </p:sp>
+    </p:spTree>
+    <p:extLst>
+      <p:ext uri="{BB962C8B-B14F-4D97-AF65-F5344CB8AC3E}">
+        <p14:creationId xmlns:p14="http://schemas.microsoft.com/office/powerpoint/2010/main" val="4084351030"/>
+      </p:ext>
+    </p:extLst>
+  </p:cSld>
+  <p:clrMapOvr>
+    <a:masterClrMapping/>
+  </p:clrMapOvr>
+</p:sld>
+</file>
+
+<file path=ppt/slides/slide7.xml><?xml version="1.0" encoding="utf-8"?>
+<p:sld xmlns:a="http://schemas.openxmlformats.org/drawingml/2006/main" xmlns:r="http://schemas.openxmlformats.org/officeDocument/2006/relationships" xmlns:p="http://schemas.openxmlformats.org/presentationml/2006/main">
+  <p:cSld>
+    <p:spTree>
+      <p:nvGrpSpPr>
+        <p:cNvPr id="1" name=""/>
+        <p:cNvGrpSpPr/>
+        <p:nvPr/>
+      </p:nvGrpSpPr>
+      <p:grpSpPr>
+        <a:xfrm>
+          <a:off x="0" y="0"/>
+          <a:ext cx="0" cy="0"/>
+          <a:chOff x="0" y="0"/>
+          <a:chExt cx="0" cy="0"/>
+        </a:xfrm>
+      </p:grpSpPr>
+      <p:pic>
+        <p:nvPicPr>
+          <p:cNvPr id="2" name="Picture 10" descr="Mario Pattern">
+            <a:extLst>
+              <a:ext uri="{FF2B5EF4-FFF2-40B4-BE49-F238E27FC236}">
+                <a16:creationId xmlns:a16="http://schemas.microsoft.com/office/drawing/2014/main" id="{8F84FFD9-23AF-75F7-6DAA-904525952142}"/>
+              </a:ext>
+            </a:extLst>
+          </p:cNvPr>
+          <p:cNvPicPr>
+            <a:picLocks noChangeAspect="1" noChangeArrowheads="1"/>
+          </p:cNvPicPr>
+          <p:nvPr/>
+        </p:nvPicPr>
+        <p:blipFill rotWithShape="1">
+          <a:blip r:embed="rId2">
+            <a:alphaModFix amt="47000"/>
+            <a:extLst>
+              <a:ext uri="{28A0092B-C50C-407E-A947-70E740481C1C}">
+                <a14:useLocalDpi xmlns:a14="http://schemas.microsoft.com/office/drawing/2010/main" val="0"/>
+              </a:ext>
+            </a:extLst>
+          </a:blip>
+          <a:srcRect l="4595" r="6699"/>
+          <a:stretch/>
+        </p:blipFill>
+        <p:spPr bwMode="auto">
+          <a:xfrm>
+            <a:off x="0" y="-2057400"/>
+            <a:ext cx="12192000" cy="10308201"/>
+          </a:xfrm>
+          <a:prstGeom prst="rect">
+            <a:avLst/>
+          </a:prstGeom>
+          <a:noFill/>
+          <a:extLst>
+            <a:ext uri="{909E8E84-426E-40DD-AFC4-6F175D3DCCD1}">
+              <a14:hiddenFill xmlns:a14="http://schemas.microsoft.com/office/drawing/2010/main">
+                <a:solidFill>
+                  <a:srgbClr val="FFFFFF"/>
+                </a:solidFill>
+              </a14:hiddenFill>
+            </a:ext>
+          </a:extLst>
+        </p:spPr>
+      </p:pic>
+      <p:sp>
+        <p:nvSpPr>
+          <p:cNvPr id="12" name="Line 11"/>
+          <p:cNvSpPr>
+            <a:spLocks noChangeShapeType="1"/>
+          </p:cNvSpPr>
+          <p:nvPr/>
+        </p:nvSpPr>
+        <p:spPr bwMode="auto">
+          <a:xfrm flipV="1">
+            <a:off x="6972300" y="5109836"/>
+            <a:ext cx="609600" cy="533400"/>
+          </a:xfrm>
+          <a:prstGeom prst="line">
+            <a:avLst/>
+          </a:prstGeom>
+          <a:noFill/>
+          <a:ln w="38100">
+            <a:solidFill>
+              <a:srgbClr val="FFFF66"/>
+            </a:solidFill>
+            <a:round/>
+            <a:headEnd/>
+            <a:tailEnd type="triangle" w="med" len="med"/>
+          </a:ln>
+          <a:extLst>
+            <a:ext uri="{909E8E84-426E-40DD-AFC4-6F175D3DCCD1}">
+              <a14:hiddenFill xmlns:a14="http://schemas.microsoft.com/office/drawing/2010/main">
+                <a:noFill/>
+              </a14:hiddenFill>
+            </a:ext>
+          </a:extLst>
+        </p:spPr>
+        <p:txBody>
+          <a:bodyPr wrap="square">
+            <a:spAutoFit/>
+          </a:bodyPr>
+          <a:lstStyle/>
+          <a:p>
+            <a:endParaRPr lang="en-US"/>
+          </a:p>
+        </p:txBody>
+      </p:sp>
+      <p:sp>
+        <p:nvSpPr>
+          <p:cNvPr id="6" name="TextBox 5">
+            <a:extLst>
+              <a:ext uri="{FF2B5EF4-FFF2-40B4-BE49-F238E27FC236}">
+                <a16:creationId xmlns:a16="http://schemas.microsoft.com/office/drawing/2014/main" id="{4F2DA592-D8EB-70BA-2112-6C13A4E7B393}"/>
+              </a:ext>
+            </a:extLst>
+          </p:cNvPr>
+          <p:cNvSpPr txBox="1"/>
+          <p:nvPr/>
+        </p:nvSpPr>
+        <p:spPr>
+          <a:xfrm>
+            <a:off x="495300" y="606817"/>
+            <a:ext cx="11201400" cy="919401"/>
+          </a:xfrm>
+          <a:prstGeom prst="roundRect">
+            <a:avLst/>
+          </a:prstGeom>
+          <a:solidFill>
+            <a:schemeClr val="bg1">
+              <a:alpha val="70000"/>
+            </a:schemeClr>
+          </a:solidFill>
+          <a:ln w="76200">
+            <a:solidFill>
+              <a:srgbClr val="FFC416"/>
+            </a:solidFill>
+          </a:ln>
+        </p:spPr>
+        <p:style>
+          <a:lnRef idx="2">
+            <a:schemeClr val="dk1"/>
+          </a:lnRef>
+          <a:fillRef idx="1">
+            <a:schemeClr val="lt1"/>
+          </a:fillRef>
+          <a:effectRef idx="0">
+            <a:schemeClr val="dk1"/>
+          </a:effectRef>
+          <a:fontRef idx="minor">
+            <a:schemeClr val="dk1"/>
+          </a:fontRef>
+        </p:style>
+        <p:txBody>
+          <a:bodyPr wrap="square" rtlCol="0">
+            <a:spAutoFit/>
+          </a:bodyPr>
+          <a:lstStyle/>
+          <a:p>
+            <a:pPr algn="ctr"/>
+            <a:r>
+              <a:rPr lang="en-US" sz="4800" b="1" dirty="0">
+                <a:solidFill>
+                  <a:srgbClr val="2D3A37"/>
+                </a:solidFill>
+                <a:effectLst/>
+                <a:latin typeface="Adobe Devanagari" panose="02040503050201020203" pitchFamily="18" charset="0"/>
+                <a:cs typeface="Adobe Devanagari" panose="02040503050201020203" pitchFamily="18" charset="0"/>
+              </a:rPr>
+              <a:t>Example: Mammal Species</a:t>
+            </a:r>
+            <a:endParaRPr lang="en-US" sz="4800" dirty="0">
+              <a:solidFill>
+                <a:srgbClr val="2D3A37"/>
+              </a:solidFill>
+            </a:endParaRPr>
+          </a:p>
+        </p:txBody>
+      </p:sp>
+      <p:sp>
+        <p:nvSpPr>
+          <p:cNvPr id="7" name="TextBox 6">
+            <a:extLst>
+              <a:ext uri="{FF2B5EF4-FFF2-40B4-BE49-F238E27FC236}">
+                <a16:creationId xmlns:a16="http://schemas.microsoft.com/office/drawing/2014/main" id="{D9B238EA-D04E-3255-7509-F990F1A8F309}"/>
+              </a:ext>
+            </a:extLst>
+          </p:cNvPr>
+          <p:cNvSpPr txBox="1"/>
+          <p:nvPr/>
+        </p:nvSpPr>
+        <p:spPr>
+          <a:xfrm>
+            <a:off x="495300" y="1974467"/>
+            <a:ext cx="11201400" cy="4869418"/>
+          </a:xfrm>
+          <a:prstGeom prst="roundRect">
+            <a:avLst/>
+          </a:prstGeom>
+          <a:solidFill>
+            <a:schemeClr val="bg1"/>
+          </a:solidFill>
+          <a:ln w="76200">
+            <a:solidFill>
+              <a:srgbClr val="FFC416"/>
+            </a:solidFill>
+          </a:ln>
+        </p:spPr>
+        <p:style>
+          <a:lnRef idx="2">
+            <a:schemeClr val="dk1"/>
+          </a:lnRef>
+          <a:fillRef idx="1">
+            <a:schemeClr val="lt1"/>
+          </a:fillRef>
+          <a:effectRef idx="0">
+            <a:schemeClr val="dk1"/>
+          </a:effectRef>
+          <a:fontRef idx="minor">
+            <a:schemeClr val="dk1"/>
+          </a:fontRef>
+        </p:style>
+        <p:txBody>
+          <a:bodyPr wrap="square" rtlCol="0">
+            <a:spAutoFit/>
+          </a:bodyPr>
+          <a:lstStyle/>
+          <a:p>
+            <a:pPr marL="457200" indent="-457200">
+              <a:buFont typeface="Arial" panose="020B0604020202020204" pitchFamily="34" charset="0"/>
+              <a:buChar char="•"/>
+            </a:pPr>
+            <a:endParaRPr lang="en-US" sz="2800" b="1" i="1" dirty="0">
+              <a:solidFill>
+                <a:srgbClr val="660066"/>
+              </a:solidFill>
+            </a:endParaRPr>
+          </a:p>
+          <a:p>
+            <a:pPr marL="457200" indent="-457200">
+              <a:buFont typeface="Arial" panose="020B0604020202020204" pitchFamily="34" charset="0"/>
+              <a:buChar char="•"/>
+            </a:pPr>
+            <a:endParaRPr lang="en-US" sz="2800" b="1" i="1" dirty="0">
+              <a:solidFill>
+                <a:srgbClr val="660066"/>
+              </a:solidFill>
+            </a:endParaRPr>
+          </a:p>
+          <a:p>
+            <a:pPr marL="457200" indent="-457200">
+              <a:buFont typeface="Arial" panose="020B0604020202020204" pitchFamily="34" charset="0"/>
+              <a:buChar char="•"/>
+            </a:pPr>
+            <a:endParaRPr lang="en-US" sz="2800" b="1" i="1" dirty="0">
+              <a:solidFill>
+                <a:srgbClr val="660066"/>
+              </a:solidFill>
+            </a:endParaRPr>
+          </a:p>
+          <a:p>
+            <a:pPr marL="457200" indent="-457200">
+              <a:buFont typeface="Arial" panose="020B0604020202020204" pitchFamily="34" charset="0"/>
+              <a:buChar char="•"/>
+            </a:pPr>
+            <a:endParaRPr lang="en-US" sz="2800" b="1" i="1" dirty="0">
+              <a:solidFill>
+                <a:srgbClr val="660066"/>
+              </a:solidFill>
+            </a:endParaRPr>
+          </a:p>
+          <a:p>
+            <a:pPr marL="457200" indent="-457200">
+              <a:buFont typeface="Arial" panose="020B0604020202020204" pitchFamily="34" charset="0"/>
+              <a:buChar char="•"/>
+            </a:pPr>
+            <a:endParaRPr lang="en-US" sz="2800" b="1" i="1" dirty="0">
+              <a:solidFill>
+                <a:srgbClr val="660066"/>
+              </a:solidFill>
+            </a:endParaRPr>
+          </a:p>
+          <a:p>
+            <a:pPr marL="457200" indent="-457200">
+              <a:buFont typeface="Arial" panose="020B0604020202020204" pitchFamily="34" charset="0"/>
+              <a:buChar char="•"/>
+            </a:pPr>
+            <a:endParaRPr lang="en-US" sz="2800" b="1" i="1" dirty="0">
+              <a:solidFill>
+                <a:srgbClr val="660066"/>
+              </a:solidFill>
+            </a:endParaRPr>
+          </a:p>
+          <a:p>
+            <a:pPr marL="457200" indent="-457200">
+              <a:buFont typeface="Arial" panose="020B0604020202020204" pitchFamily="34" charset="0"/>
+              <a:buChar char="•"/>
+            </a:pPr>
+            <a:endParaRPr lang="en-US" sz="2800" b="1" i="1" dirty="0">
+              <a:solidFill>
+                <a:srgbClr val="660066"/>
+              </a:solidFill>
+            </a:endParaRPr>
+          </a:p>
+          <a:p>
+            <a:pPr marL="457200" indent="-457200">
+              <a:buFont typeface="Arial" panose="020B0604020202020204" pitchFamily="34" charset="0"/>
+              <a:buChar char="•"/>
+            </a:pPr>
+            <a:endParaRPr lang="en-US" sz="2800" b="1" i="1" dirty="0">
+              <a:solidFill>
+                <a:srgbClr val="660066"/>
+              </a:solidFill>
+            </a:endParaRPr>
+          </a:p>
+          <a:p>
+            <a:pPr marL="457200" indent="-457200">
+              <a:buFont typeface="Arial" panose="020B0604020202020204" pitchFamily="34" charset="0"/>
+              <a:buChar char="•"/>
+            </a:pPr>
+            <a:endParaRPr lang="en-US" sz="2800" b="1" i="1" dirty="0">
+              <a:solidFill>
+                <a:srgbClr val="660066"/>
+              </a:solidFill>
+            </a:endParaRPr>
+          </a:p>
+          <a:p>
+            <a:endParaRPr lang="en-US" sz="2800" b="1" i="1" dirty="0">
+              <a:solidFill>
+                <a:srgbClr val="660066"/>
+              </a:solidFill>
+            </a:endParaRPr>
+          </a:p>
+        </p:txBody>
+      </p:sp>
+      <p:pic>
+        <p:nvPicPr>
+          <p:cNvPr id="3" name="Picture 4">
+            <a:extLst>
+              <a:ext uri="{FF2B5EF4-FFF2-40B4-BE49-F238E27FC236}">
+                <a16:creationId xmlns:a16="http://schemas.microsoft.com/office/drawing/2014/main" id="{EB433859-CC04-D26F-FB37-E1062857DA7B}"/>
+              </a:ext>
+            </a:extLst>
+          </p:cNvPr>
+          <p:cNvPicPr>
+            <a:picLocks noChangeAspect="1" noChangeArrowheads="1"/>
+          </p:cNvPicPr>
+          <p:nvPr/>
+        </p:nvPicPr>
+        <p:blipFill rotWithShape="1">
+          <a:blip r:embed="rId3">
+            <a:extLst>
+              <a:ext uri="{28A0092B-C50C-407E-A947-70E740481C1C}">
+                <a14:useLocalDpi xmlns:a14="http://schemas.microsoft.com/office/drawing/2010/main" val="0"/>
+              </a:ext>
+            </a:extLst>
+          </a:blip>
+          <a:srcRect/>
+          <a:stretch/>
+        </p:blipFill>
+        <p:spPr bwMode="auto">
+          <a:xfrm>
+            <a:off x="1905000" y="2067799"/>
+            <a:ext cx="8382000" cy="4714001"/>
+          </a:xfrm>
+          <a:prstGeom prst="rect">
+            <a:avLst/>
+          </a:prstGeom>
+          <a:noFill/>
+          <a:extLst>
+            <a:ext uri="{909E8E84-426E-40DD-AFC4-6F175D3DCCD1}">
+              <a14:hiddenFill xmlns:a14="http://schemas.microsoft.com/office/drawing/2010/main">
+                <a:solidFill>
+                  <a:srgbClr val="FFFFFF"/>
+                </a:solidFill>
+              </a14:hiddenFill>
+            </a:ext>
+            <a:ext uri="{91240B29-F687-4F45-9708-019B960494DF}">
+              <a14:hiddenLine xmlns:a14="http://schemas.microsoft.com/office/drawing/2010/main" w="9525">
+                <a:solidFill>
+                  <a:srgbClr val="000000"/>
+                </a:solidFill>
+                <a:miter lim="800000"/>
+                <a:headEnd/>
+                <a:tailEnd/>
+              </a14:hiddenLine>
+            </a:ext>
+          </a:extLst>
+        </p:spPr>
+      </p:pic>
+    </p:spTree>
+    <p:extLst>
+      <p:ext uri="{BB962C8B-B14F-4D97-AF65-F5344CB8AC3E}">
+        <p14:creationId xmlns:p14="http://schemas.microsoft.com/office/powerpoint/2010/main" val="592238881"/>
+      </p:ext>
+    </p:extLst>
+  </p:cSld>
+  <p:clrMapOvr>
+    <a:masterClrMapping/>
+  </p:clrMapOvr>
+</p:sld>
+</file>
+
+<file path=ppt/slides/slide8.xml><?xml version="1.0" encoding="utf-8"?>
+<p:sld xmlns:a="http://schemas.openxmlformats.org/drawingml/2006/main" xmlns:r="http://schemas.openxmlformats.org/officeDocument/2006/relationships" xmlns:p="http://schemas.openxmlformats.org/presentationml/2006/main">
+  <p:cSld>
+    <p:spTree>
+      <p:nvGrpSpPr>
+        <p:cNvPr id="1" name=""/>
+        <p:cNvGrpSpPr/>
+        <p:nvPr/>
+      </p:nvGrpSpPr>
+      <p:grpSpPr>
+        <a:xfrm>
+          <a:off x="0" y="0"/>
+          <a:ext cx="0" cy="0"/>
+          <a:chOff x="0" y="0"/>
+          <a:chExt cx="0" cy="0"/>
+        </a:xfrm>
+      </p:grpSpPr>
+      <p:pic>
+        <p:nvPicPr>
+          <p:cNvPr id="2" name="Picture 10" descr="Mario Pattern">
+            <a:extLst>
+              <a:ext uri="{FF2B5EF4-FFF2-40B4-BE49-F238E27FC236}">
+                <a16:creationId xmlns:a16="http://schemas.microsoft.com/office/drawing/2014/main" id="{8F84FFD9-23AF-75F7-6DAA-904525952142}"/>
+              </a:ext>
+            </a:extLst>
+          </p:cNvPr>
+          <p:cNvPicPr>
+            <a:picLocks noChangeAspect="1" noChangeArrowheads="1"/>
+          </p:cNvPicPr>
+          <p:nvPr/>
+        </p:nvPicPr>
+        <p:blipFill rotWithShape="1">
+          <a:blip r:embed="rId2">
+            <a:alphaModFix amt="47000"/>
+            <a:extLst>
+              <a:ext uri="{28A0092B-C50C-407E-A947-70E740481C1C}">
+                <a14:useLocalDpi xmlns:a14="http://schemas.microsoft.com/office/drawing/2010/main" val="0"/>
+              </a:ext>
+            </a:extLst>
+          </a:blip>
+          <a:srcRect l="4595" r="6699"/>
+          <a:stretch/>
+        </p:blipFill>
+        <p:spPr bwMode="auto">
+          <a:xfrm>
+            <a:off x="0" y="-2057400"/>
+            <a:ext cx="12192000" cy="10308201"/>
+          </a:xfrm>
+          <a:prstGeom prst="rect">
+            <a:avLst/>
+          </a:prstGeom>
+          <a:noFill/>
+          <a:extLst>
+            <a:ext uri="{909E8E84-426E-40DD-AFC4-6F175D3DCCD1}">
+              <a14:hiddenFill xmlns:a14="http://schemas.microsoft.com/office/drawing/2010/main">
+                <a:solidFill>
+                  <a:srgbClr val="FFFFFF"/>
+                </a:solidFill>
+              </a14:hiddenFill>
+            </a:ext>
+          </a:extLst>
+        </p:spPr>
+      </p:pic>
+      <p:sp>
+        <p:nvSpPr>
+          <p:cNvPr id="12" name="Line 11"/>
+          <p:cNvSpPr>
+            <a:spLocks noChangeShapeType="1"/>
+          </p:cNvSpPr>
+          <p:nvPr/>
+        </p:nvSpPr>
+        <p:spPr bwMode="auto">
+          <a:xfrm flipV="1">
+            <a:off x="6972300" y="5109836"/>
+            <a:ext cx="609600" cy="533400"/>
+          </a:xfrm>
+          <a:prstGeom prst="line">
+            <a:avLst/>
+          </a:prstGeom>
+          <a:noFill/>
+          <a:ln w="38100">
+            <a:solidFill>
+              <a:srgbClr val="FFFF66"/>
+            </a:solidFill>
+            <a:round/>
+            <a:headEnd/>
+            <a:tailEnd type="triangle" w="med" len="med"/>
+          </a:ln>
+          <a:extLst>
+            <a:ext uri="{909E8E84-426E-40DD-AFC4-6F175D3DCCD1}">
+              <a14:hiddenFill xmlns:a14="http://schemas.microsoft.com/office/drawing/2010/main">
+                <a:noFill/>
+              </a14:hiddenFill>
+            </a:ext>
+          </a:extLst>
+        </p:spPr>
+        <p:txBody>
+          <a:bodyPr wrap="square">
+            <a:spAutoFit/>
+          </a:bodyPr>
+          <a:lstStyle/>
+          <a:p>
+            <a:endParaRPr lang="en-US"/>
+          </a:p>
+        </p:txBody>
+      </p:sp>
+      <p:sp>
+        <p:nvSpPr>
+          <p:cNvPr id="6" name="TextBox 5">
+            <a:extLst>
+              <a:ext uri="{FF2B5EF4-FFF2-40B4-BE49-F238E27FC236}">
+                <a16:creationId xmlns:a16="http://schemas.microsoft.com/office/drawing/2014/main" id="{4F2DA592-D8EB-70BA-2112-6C13A4E7B393}"/>
+              </a:ext>
+            </a:extLst>
+          </p:cNvPr>
+          <p:cNvSpPr txBox="1"/>
+          <p:nvPr/>
+        </p:nvSpPr>
+        <p:spPr>
+          <a:xfrm>
+            <a:off x="495300" y="606817"/>
+            <a:ext cx="11201400" cy="919401"/>
+          </a:xfrm>
+          <a:prstGeom prst="roundRect">
+            <a:avLst/>
+          </a:prstGeom>
+          <a:solidFill>
+            <a:schemeClr val="bg1">
+              <a:alpha val="70000"/>
+            </a:schemeClr>
+          </a:solidFill>
+          <a:ln w="76200">
+            <a:solidFill>
+              <a:srgbClr val="FFC416"/>
+            </a:solidFill>
+          </a:ln>
+        </p:spPr>
+        <p:style>
+          <a:lnRef idx="2">
+            <a:schemeClr val="dk1"/>
+          </a:lnRef>
+          <a:fillRef idx="1">
+            <a:schemeClr val="lt1"/>
+          </a:fillRef>
+          <a:effectRef idx="0">
+            <a:schemeClr val="dk1"/>
+          </a:effectRef>
+          <a:fontRef idx="minor">
+            <a:schemeClr val="dk1"/>
+          </a:fontRef>
+        </p:style>
+        <p:txBody>
+          <a:bodyPr wrap="square" rtlCol="0">
+            <a:spAutoFit/>
+          </a:bodyPr>
+          <a:lstStyle/>
+          <a:p>
+            <a:pPr algn="ctr"/>
+            <a:r>
+              <a:rPr lang="en-US" sz="4800" b="1" dirty="0">
+                <a:solidFill>
+                  <a:srgbClr val="2D3A37"/>
+                </a:solidFill>
+                <a:latin typeface="Adobe Devanagari" panose="02040503050201020203" pitchFamily="18" charset="0"/>
+                <a:cs typeface="Adobe Devanagari" panose="02040503050201020203" pitchFamily="18" charset="0"/>
+              </a:rPr>
+              <a:t>Supplement for Lecture 7</a:t>
+            </a:r>
+            <a:endParaRPr lang="en-US" sz="4800" dirty="0">
+              <a:solidFill>
+                <a:srgbClr val="2D3A37"/>
+              </a:solidFill>
+            </a:endParaRPr>
+          </a:p>
+        </p:txBody>
+      </p:sp>
+      <p:sp>
+        <p:nvSpPr>
+          <p:cNvPr id="7" name="TextBox 6">
+            <a:extLst>
+              <a:ext uri="{FF2B5EF4-FFF2-40B4-BE49-F238E27FC236}">
+                <a16:creationId xmlns:a16="http://schemas.microsoft.com/office/drawing/2014/main" id="{D9B238EA-D04E-3255-7509-F990F1A8F309}"/>
+              </a:ext>
+            </a:extLst>
+          </p:cNvPr>
+          <p:cNvSpPr txBox="1"/>
+          <p:nvPr/>
+        </p:nvSpPr>
+        <p:spPr>
+          <a:xfrm>
+            <a:off x="495300" y="1977074"/>
+            <a:ext cx="11201400" cy="3915966"/>
+          </a:xfrm>
+          <a:prstGeom prst="roundRect">
+            <a:avLst/>
+          </a:prstGeom>
+          <a:solidFill>
+            <a:schemeClr val="bg1"/>
+          </a:solidFill>
+          <a:ln w="76200">
+            <a:solidFill>
+              <a:srgbClr val="FFC416"/>
+            </a:solidFill>
+          </a:ln>
+        </p:spPr>
+        <p:style>
+          <a:lnRef idx="2">
+            <a:schemeClr val="dk1"/>
+          </a:lnRef>
+          <a:fillRef idx="1">
+            <a:schemeClr val="lt1"/>
+          </a:fillRef>
+          <a:effectRef idx="0">
+            <a:schemeClr val="dk1"/>
+          </a:effectRef>
+          <a:fontRef idx="minor">
+            <a:schemeClr val="dk1"/>
+          </a:fontRef>
+        </p:style>
+        <p:txBody>
+          <a:bodyPr wrap="square" rtlCol="0">
+            <a:spAutoFit/>
+          </a:bodyPr>
+          <a:lstStyle/>
+          <a:p>
+            <a:pPr marL="457200" indent="-457200">
+              <a:buFont typeface="Arial" panose="020B0604020202020204" pitchFamily="34" charset="0"/>
+              <a:buChar char="•"/>
+            </a:pPr>
+            <a:r>
+              <a:rPr lang="en-US" sz="2800" dirty="0">
+                <a:solidFill>
+                  <a:srgbClr val="660066"/>
+                </a:solidFill>
+              </a:rPr>
+              <a:t>Inspect for Outliers Using Default Plots from the </a:t>
+            </a:r>
+            <a:r>
+              <a:rPr lang="en-US" sz="2800" b="1" dirty="0" err="1">
+                <a:solidFill>
+                  <a:srgbClr val="660066"/>
+                </a:solidFill>
+              </a:rPr>
+              <a:t>lm</a:t>
+            </a:r>
+            <a:r>
+              <a:rPr lang="en-US" sz="2800" b="1" dirty="0">
+                <a:solidFill>
+                  <a:srgbClr val="660066"/>
+                </a:solidFill>
+              </a:rPr>
+              <a:t>() </a:t>
+            </a:r>
+            <a:r>
+              <a:rPr lang="en-US" sz="2800" dirty="0">
+                <a:solidFill>
+                  <a:srgbClr val="660066"/>
+                </a:solidFill>
+              </a:rPr>
+              <a:t>Function</a:t>
+            </a:r>
+          </a:p>
+          <a:p>
+            <a:pPr marL="457200" indent="-457200">
+              <a:buFont typeface="Arial" panose="020B0604020202020204" pitchFamily="34" charset="0"/>
+              <a:buChar char="•"/>
+            </a:pPr>
+            <a:endParaRPr lang="en-US" sz="2800" dirty="0">
+              <a:solidFill>
+                <a:srgbClr val="660066"/>
+              </a:solidFill>
+            </a:endParaRPr>
+          </a:p>
+          <a:p>
+            <a:pPr marL="457200" indent="-457200">
+              <a:buFont typeface="Arial" panose="020B0604020202020204" pitchFamily="34" charset="0"/>
+              <a:buChar char="•"/>
+            </a:pPr>
+            <a:r>
+              <a:rPr lang="en-US" sz="2800" dirty="0">
+                <a:solidFill>
+                  <a:srgbClr val="660066"/>
+                </a:solidFill>
+              </a:rPr>
+              <a:t>Perform Transformations to Meet Linearity Condition</a:t>
+            </a:r>
+          </a:p>
+          <a:p>
+            <a:pPr marL="457200" indent="-457200">
+              <a:buFont typeface="Arial" panose="020B0604020202020204" pitchFamily="34" charset="0"/>
+              <a:buChar char="•"/>
+            </a:pPr>
+            <a:endParaRPr lang="en-US" sz="2800" dirty="0">
+              <a:solidFill>
+                <a:srgbClr val="660066"/>
+              </a:solidFill>
+            </a:endParaRPr>
+          </a:p>
+          <a:p>
+            <a:pPr marL="457200" indent="-457200">
+              <a:buFont typeface="Arial" panose="020B0604020202020204" pitchFamily="34" charset="0"/>
+              <a:buChar char="•"/>
+            </a:pPr>
+            <a:r>
+              <a:rPr lang="en-US" sz="2800" dirty="0">
+                <a:solidFill>
+                  <a:srgbClr val="660066"/>
+                </a:solidFill>
+              </a:rPr>
+              <a:t>Obtain Fitted Values and Residuals from Models</a:t>
+            </a:r>
+          </a:p>
+          <a:p>
+            <a:pPr marL="457200" indent="-457200">
+              <a:buFont typeface="Arial" panose="020B0604020202020204" pitchFamily="34" charset="0"/>
+              <a:buChar char="•"/>
+            </a:pPr>
+            <a:endParaRPr lang="en-US" sz="2800" dirty="0">
+              <a:solidFill>
+                <a:srgbClr val="660066"/>
+              </a:solidFill>
+            </a:endParaRPr>
+          </a:p>
+          <a:p>
+            <a:pPr marL="457200" indent="-457200">
+              <a:buFont typeface="Arial" panose="020B0604020202020204" pitchFamily="34" charset="0"/>
+              <a:buChar char="•"/>
+            </a:pPr>
+            <a:r>
+              <a:rPr lang="en-US" sz="2800" dirty="0">
+                <a:solidFill>
+                  <a:srgbClr val="660066"/>
+                </a:solidFill>
+              </a:rPr>
+              <a:t>Extrapolate Versus Interpolate</a:t>
+            </a:r>
+          </a:p>
+          <a:p>
+            <a:pPr marL="457200" indent="-457200">
+              <a:buFont typeface="Arial" panose="020B0604020202020204" pitchFamily="34" charset="0"/>
+              <a:buChar char="•"/>
+            </a:pPr>
+            <a:endParaRPr lang="en-US" sz="2800" dirty="0">
+              <a:solidFill>
+                <a:srgbClr val="660066"/>
+              </a:solidFill>
+            </a:endParaRPr>
+          </a:p>
+        </p:txBody>
+      </p:sp>
+    </p:spTree>
+    <p:extLst>
+      <p:ext uri="{BB962C8B-B14F-4D97-AF65-F5344CB8AC3E}">
+        <p14:creationId xmlns:p14="http://schemas.microsoft.com/office/powerpoint/2010/main" val="3125860385"/>
+      </p:ext>
+    </p:extLst>
+  </p:cSld>
+  <p:clrMapOvr>
+    <a:masterClrMapping/>
+  </p:clrMapOvr>
+</p:sld>
+</file>
+
+<file path=ppt/slides/slide9.xml><?xml version="1.0" encoding="utf-8"?>
+<p:sld xmlns:a="http://schemas.openxmlformats.org/drawingml/2006/main" xmlns:r="http://schemas.openxmlformats.org/officeDocument/2006/relationships" xmlns:p="http://schemas.openxmlformats.org/presentationml/2006/main">
+  <p:cSld>
+    <p:spTree>
+      <p:nvGrpSpPr>
+        <p:cNvPr id="1" name=""/>
+        <p:cNvGrpSpPr/>
+        <p:nvPr/>
+      </p:nvGrpSpPr>
+      <p:grpSpPr>
+        <a:xfrm>
+          <a:off x="0" y="0"/>
+          <a:ext cx="0" cy="0"/>
+          <a:chOff x="0" y="0"/>
+          <a:chExt cx="0" cy="0"/>
+        </a:xfrm>
+      </p:grpSpPr>
+      <p:pic>
+        <p:nvPicPr>
+          <p:cNvPr id="2" name="Picture 10" descr="Mario Pattern">
+            <a:extLst>
+              <a:ext uri="{FF2B5EF4-FFF2-40B4-BE49-F238E27FC236}">
+                <a16:creationId xmlns:a16="http://schemas.microsoft.com/office/drawing/2014/main" id="{8F84FFD9-23AF-75F7-6DAA-904525952142}"/>
+              </a:ext>
+            </a:extLst>
+          </p:cNvPr>
+          <p:cNvPicPr>
+            <a:picLocks noChangeAspect="1" noChangeArrowheads="1"/>
+          </p:cNvPicPr>
+          <p:nvPr/>
+        </p:nvPicPr>
+        <p:blipFill rotWithShape="1">
+          <a:blip r:embed="rId2">
+            <a:alphaModFix amt="47000"/>
+            <a:extLst>
+              <a:ext uri="{28A0092B-C50C-407E-A947-70E740481C1C}">
+                <a14:useLocalDpi xmlns:a14="http://schemas.microsoft.com/office/drawing/2010/main" val="0"/>
+              </a:ext>
+            </a:extLst>
+          </a:blip>
+          <a:srcRect l="4595" r="6699"/>
+          <a:stretch/>
+        </p:blipFill>
+        <p:spPr bwMode="auto">
+          <a:xfrm>
+            <a:off x="0" y="-2057400"/>
+            <a:ext cx="12192000" cy="10308201"/>
+          </a:xfrm>
+          <a:prstGeom prst="rect">
+            <a:avLst/>
+          </a:prstGeom>
+          <a:noFill/>
+          <a:extLst>
+            <a:ext uri="{909E8E84-426E-40DD-AFC4-6F175D3DCCD1}">
+              <a14:hiddenFill xmlns:a14="http://schemas.microsoft.com/office/drawing/2010/main">
+                <a:solidFill>
+                  <a:srgbClr val="FFFFFF"/>
+                </a:solidFill>
+              </a14:hiddenFill>
+            </a:ext>
+          </a:extLst>
+        </p:spPr>
+      </p:pic>
+      <p:sp>
+        <p:nvSpPr>
+          <p:cNvPr id="12" name="Line 11"/>
+          <p:cNvSpPr>
+            <a:spLocks noChangeShapeType="1"/>
+          </p:cNvSpPr>
+          <p:nvPr/>
+        </p:nvSpPr>
+        <p:spPr bwMode="auto">
+          <a:xfrm flipV="1">
+            <a:off x="6972300" y="5109836"/>
+            <a:ext cx="609600" cy="533400"/>
+          </a:xfrm>
+          <a:prstGeom prst="line">
+            <a:avLst/>
+          </a:prstGeom>
+          <a:noFill/>
+          <a:ln w="38100">
+            <a:solidFill>
+              <a:srgbClr val="FFFF66"/>
+            </a:solidFill>
+            <a:round/>
+            <a:headEnd/>
+            <a:tailEnd type="triangle" w="med" len="med"/>
+          </a:ln>
+          <a:extLst>
+            <a:ext uri="{909E8E84-426E-40DD-AFC4-6F175D3DCCD1}">
+              <a14:hiddenFill xmlns:a14="http://schemas.microsoft.com/office/drawing/2010/main">
+                <a:noFill/>
+              </a14:hiddenFill>
+            </a:ext>
+          </a:extLst>
+        </p:spPr>
+        <p:txBody>
+          <a:bodyPr wrap="square">
+            <a:spAutoFit/>
+          </a:bodyPr>
+          <a:lstStyle/>
+          <a:p>
+            <a:endParaRPr lang="en-US"/>
+          </a:p>
+        </p:txBody>
+      </p:sp>
+      <p:sp>
+        <p:nvSpPr>
+          <p:cNvPr id="6" name="TextBox 5">
+            <a:extLst>
+              <a:ext uri="{FF2B5EF4-FFF2-40B4-BE49-F238E27FC236}">
+                <a16:creationId xmlns:a16="http://schemas.microsoft.com/office/drawing/2014/main" id="{4F2DA592-D8EB-70BA-2112-6C13A4E7B393}"/>
+              </a:ext>
+            </a:extLst>
+          </p:cNvPr>
+          <p:cNvSpPr txBox="1"/>
+          <p:nvPr/>
+        </p:nvSpPr>
+        <p:spPr>
+          <a:xfrm>
+            <a:off x="495300" y="606817"/>
+            <a:ext cx="11201400" cy="919401"/>
+          </a:xfrm>
+          <a:prstGeom prst="roundRect">
+            <a:avLst/>
+          </a:prstGeom>
+          <a:solidFill>
+            <a:schemeClr val="bg1">
+              <a:alpha val="70000"/>
+            </a:schemeClr>
+          </a:solidFill>
+          <a:ln w="76200">
+            <a:solidFill>
+              <a:srgbClr val="FFC416"/>
+            </a:solidFill>
+          </a:ln>
+        </p:spPr>
+        <p:style>
+          <a:lnRef idx="2">
+            <a:schemeClr val="dk1"/>
+          </a:lnRef>
+          <a:fillRef idx="1">
+            <a:schemeClr val="lt1"/>
+          </a:fillRef>
+          <a:effectRef idx="0">
+            <a:schemeClr val="dk1"/>
+          </a:effectRef>
+          <a:fontRef idx="minor">
+            <a:schemeClr val="dk1"/>
+          </a:fontRef>
+        </p:style>
+        <p:txBody>
+          <a:bodyPr wrap="square" rtlCol="0">
+            <a:spAutoFit/>
+          </a:bodyPr>
+          <a:lstStyle/>
+          <a:p>
+            <a:pPr algn="ctr"/>
+            <a:r>
+              <a:rPr lang="en-US" sz="4800" b="1" dirty="0" err="1">
+                <a:solidFill>
+                  <a:srgbClr val="2D3A37"/>
+                </a:solidFill>
+                <a:latin typeface="Adobe Devanagari" panose="02040503050201020203" pitchFamily="18" charset="0"/>
+                <a:cs typeface="Adobe Devanagari" panose="02040503050201020203" pitchFamily="18" charset="0"/>
+              </a:rPr>
+              <a:t>Methamatics</a:t>
+            </a:r>
+            <a:endParaRPr lang="en-US" sz="4800" dirty="0">
+              <a:solidFill>
+                <a:srgbClr val="2D3A37"/>
+              </a:solidFill>
+            </a:endParaRPr>
+          </a:p>
+        </p:txBody>
+      </p:sp>
+      <mc:AlternateContent xmlns:mc="http://schemas.openxmlformats.org/markup-compatibility/2006" xmlns:a14="http://schemas.microsoft.com/office/drawing/2010/main">
+        <mc:Choice Requires="a14">
+          <p:sp>
+            <p:nvSpPr>
+              <p:cNvPr id="7" name="TextBox 6">
+                <a:extLst>
+                  <a:ext uri="{FF2B5EF4-FFF2-40B4-BE49-F238E27FC236}">
+                    <a16:creationId xmlns:a16="http://schemas.microsoft.com/office/drawing/2014/main" id="{D9B238EA-D04E-3255-7509-F990F1A8F309}"/>
+                  </a:ext>
+                </a:extLst>
+              </p:cNvPr>
+              <p:cNvSpPr txBox="1"/>
+              <p:nvPr/>
+            </p:nvSpPr>
+            <p:spPr>
+              <a:xfrm>
+                <a:off x="495300" y="1977074"/>
+                <a:ext cx="11201400" cy="4140780"/>
+              </a:xfrm>
+              <a:prstGeom prst="roundRect">
+                <a:avLst/>
+              </a:prstGeom>
+              <a:solidFill>
+                <a:schemeClr val="bg1"/>
+              </a:solidFill>
+              <a:ln w="76200">
+                <a:solidFill>
+                  <a:srgbClr val="FFC416"/>
+                </a:solidFill>
+              </a:ln>
+            </p:spPr>
+            <p:style>
+              <a:lnRef idx="2">
+                <a:schemeClr val="dk1"/>
+              </a:lnRef>
+              <a:fillRef idx="1">
+                <a:schemeClr val="lt1"/>
+              </a:fillRef>
+              <a:effectRef idx="0">
+                <a:schemeClr val="dk1"/>
+              </a:effectRef>
+              <a:fontRef idx="minor">
+                <a:schemeClr val="dk1"/>
+              </a:fontRef>
+            </p:style>
+            <p:txBody>
+              <a:bodyPr wrap="square" rtlCol="0">
+                <a:spAutoFit/>
+              </a:bodyPr>
+              <a:lstStyle/>
+              <a:p>
+                <a:r>
+                  <a:rPr lang="en-US" sz="2800" dirty="0">
+                    <a:solidFill>
+                      <a:srgbClr val="660066"/>
+                    </a:solidFill>
+                  </a:rPr>
+                  <a:t>We fit our transformed model and get</a:t>
+                </a:r>
+                <a:endParaRPr lang="en-US" sz="2800" b="0" dirty="0">
+                  <a:solidFill>
+                    <a:srgbClr val="660066"/>
+                  </a:solidFill>
+                </a:endParaRPr>
+              </a:p>
+              <a:p>
+                <a:pPr/>
+                <a14:m>
+                  <m:oMathPara xmlns:m="http://schemas.openxmlformats.org/officeDocument/2006/math">
+                    <m:oMathParaPr>
+                      <m:jc m:val="centerGroup"/>
+                    </m:oMathParaPr>
+                    <m:oMath xmlns:m="http://schemas.openxmlformats.org/officeDocument/2006/math">
+                      <m:acc>
+                        <m:accPr>
+                          <m:chr m:val="̂"/>
+                          <m:ctrlPr>
+                            <a:rPr lang="en-US" sz="2800" b="0" i="1" smtClean="0">
+                              <a:solidFill>
+                                <a:srgbClr val="660066"/>
+                              </a:solidFill>
+                              <a:latin typeface="Cambria Math" panose="02040503050406030204" pitchFamily="18" charset="0"/>
+                            </a:rPr>
+                          </m:ctrlPr>
+                        </m:accPr>
+                        <m:e>
+                          <m:func>
+                            <m:funcPr>
+                              <m:ctrlPr>
+                                <a:rPr lang="en-US" sz="2800" b="0" i="1" smtClean="0">
+                                  <a:solidFill>
+                                    <a:srgbClr val="660066"/>
+                                  </a:solidFill>
+                                  <a:latin typeface="Cambria Math" panose="02040503050406030204" pitchFamily="18" charset="0"/>
+                                </a:rPr>
+                              </m:ctrlPr>
+                            </m:funcPr>
+                            <m:fName>
+                              <m:r>
+                                <m:rPr>
+                                  <m:sty m:val="p"/>
+                                </m:rPr>
+                                <a:rPr lang="en-US" sz="2800" b="0" i="0" smtClean="0">
+                                  <a:solidFill>
+                                    <a:srgbClr val="660066"/>
+                                  </a:solidFill>
+                                  <a:latin typeface="Cambria Math" panose="02040503050406030204" pitchFamily="18" charset="0"/>
+                                </a:rPr>
+                                <m:t>log</m:t>
+                              </m:r>
+                            </m:fName>
+                            <m:e>
+                              <m:d>
+                                <m:dPr>
+                                  <m:ctrlPr>
+                                    <a:rPr lang="en-US" sz="2800" b="0" i="1" smtClean="0">
+                                      <a:solidFill>
+                                        <a:srgbClr val="660066"/>
+                                      </a:solidFill>
+                                      <a:latin typeface="Cambria Math" panose="02040503050406030204" pitchFamily="18" charset="0"/>
+                                    </a:rPr>
+                                  </m:ctrlPr>
+                                </m:dPr>
+                                <m:e>
+                                  <m:r>
+                                    <a:rPr lang="en-US" sz="2800" b="0" i="1" smtClean="0">
+                                      <a:solidFill>
+                                        <a:srgbClr val="660066"/>
+                                      </a:solidFill>
+                                      <a:latin typeface="Cambria Math" panose="02040503050406030204" pitchFamily="18" charset="0"/>
+                                    </a:rPr>
+                                    <m:t>𝑦</m:t>
+                                  </m:r>
+                                </m:e>
+                              </m:d>
+                            </m:e>
+                          </m:func>
+                        </m:e>
+                      </m:acc>
+                      <m:r>
+                        <a:rPr lang="en-US" sz="2800" b="0" i="1" smtClean="0">
+                          <a:solidFill>
+                            <a:srgbClr val="660066"/>
+                          </a:solidFill>
+                          <a:latin typeface="Cambria Math" panose="02040503050406030204" pitchFamily="18" charset="0"/>
+                        </a:rPr>
+                        <m:t>=</m:t>
+                      </m:r>
+                      <m:r>
+                        <a:rPr lang="en-US" sz="2800" b="0" i="1" smtClean="0">
+                          <a:solidFill>
+                            <a:srgbClr val="660066"/>
+                          </a:solidFill>
+                          <a:latin typeface="Cambria Math" panose="02040503050406030204" pitchFamily="18" charset="0"/>
+                        </a:rPr>
+                        <m:t>3</m:t>
+                      </m:r>
+                      <m:r>
+                        <a:rPr lang="en-US" sz="2800" b="0" i="1" smtClean="0">
+                          <a:solidFill>
+                            <a:srgbClr val="660066"/>
+                          </a:solidFill>
+                          <a:latin typeface="Cambria Math" panose="02040503050406030204" pitchFamily="18" charset="0"/>
+                        </a:rPr>
+                        <m:t>+</m:t>
+                      </m:r>
+                      <m:r>
+                        <a:rPr lang="en-US" sz="2800" b="0" i="1" smtClean="0">
+                          <a:solidFill>
+                            <a:srgbClr val="660066"/>
+                          </a:solidFill>
+                          <a:latin typeface="Cambria Math" panose="02040503050406030204" pitchFamily="18" charset="0"/>
+                        </a:rPr>
+                        <m:t>5</m:t>
+                      </m:r>
+                      <m:func>
+                        <m:funcPr>
+                          <m:ctrlPr>
+                            <a:rPr lang="en-US" sz="2800" b="0" i="1" smtClean="0">
+                              <a:solidFill>
+                                <a:srgbClr val="660066"/>
+                              </a:solidFill>
+                              <a:latin typeface="Cambria Math" panose="02040503050406030204" pitchFamily="18" charset="0"/>
+                            </a:rPr>
+                          </m:ctrlPr>
+                        </m:funcPr>
+                        <m:fName>
+                          <m:r>
+                            <m:rPr>
+                              <m:sty m:val="p"/>
+                            </m:rPr>
+                            <a:rPr lang="en-US" sz="2800" b="0" i="0" smtClean="0">
+                              <a:solidFill>
+                                <a:srgbClr val="660066"/>
+                              </a:solidFill>
+                              <a:latin typeface="Cambria Math" panose="02040503050406030204" pitchFamily="18" charset="0"/>
+                            </a:rPr>
+                            <m:t>log</m:t>
+                          </m:r>
+                        </m:fName>
+                        <m:e>
+                          <m:d>
+                            <m:dPr>
+                              <m:ctrlPr>
+                                <a:rPr lang="en-US" sz="2800" b="0" i="1" smtClean="0">
+                                  <a:solidFill>
+                                    <a:srgbClr val="660066"/>
+                                  </a:solidFill>
+                                  <a:latin typeface="Cambria Math" panose="02040503050406030204" pitchFamily="18" charset="0"/>
+                                </a:rPr>
+                              </m:ctrlPr>
+                            </m:dPr>
+                            <m:e>
+                              <m:r>
+                                <a:rPr lang="en-US" sz="2800" b="0" i="1" smtClean="0">
+                                  <a:solidFill>
+                                    <a:srgbClr val="660066"/>
+                                  </a:solidFill>
+                                  <a:latin typeface="Cambria Math" panose="02040503050406030204" pitchFamily="18" charset="0"/>
+                                </a:rPr>
+                                <m:t>𝑥</m:t>
+                              </m:r>
+                            </m:e>
+                          </m:d>
+                        </m:e>
+                      </m:func>
+                    </m:oMath>
+                  </m:oMathPara>
+                </a14:m>
+                <a:endParaRPr lang="en-US" sz="2800" b="0" dirty="0">
+                  <a:solidFill>
+                    <a:srgbClr val="660066"/>
+                  </a:solidFill>
+                </a:endParaRPr>
+              </a:p>
+              <a:p>
+                <a:endParaRPr lang="en-US" sz="2800" dirty="0">
+                  <a:solidFill>
+                    <a:srgbClr val="660066"/>
+                  </a:solidFill>
+                </a:endParaRPr>
+              </a:p>
+              <a:p>
+                <a:r>
+                  <a:rPr lang="en-US" sz="2800" dirty="0">
+                    <a:solidFill>
+                      <a:srgbClr val="660066"/>
+                    </a:solidFill>
+                  </a:rPr>
+                  <a:t>However, we want to Predict </a:t>
+                </a:r>
+                <a:r>
+                  <a:rPr lang="en-US" sz="2800" i="1" dirty="0">
+                    <a:solidFill>
+                      <a:srgbClr val="660066"/>
+                    </a:solidFill>
+                  </a:rPr>
+                  <a:t>y</a:t>
+                </a:r>
+                <a:r>
+                  <a:rPr lang="en-US" sz="2800" dirty="0">
+                    <a:solidFill>
+                      <a:srgbClr val="660066"/>
+                    </a:solidFill>
+                  </a:rPr>
+                  <a:t> and not </a:t>
+                </a:r>
+                <a:r>
+                  <a:rPr lang="en-US" sz="2800" i="1" dirty="0">
+                    <a:solidFill>
+                      <a:srgbClr val="660066"/>
+                    </a:solidFill>
+                  </a:rPr>
+                  <a:t>log(y)</a:t>
+                </a:r>
+                <a:r>
+                  <a:rPr lang="en-US" sz="2800" dirty="0">
+                    <a:solidFill>
+                      <a:srgbClr val="660066"/>
+                    </a:solidFill>
+                  </a:rPr>
+                  <a:t>, therefore</a:t>
+                </a:r>
+              </a:p>
+              <a:p>
+                <a:pPr algn="ctr"/>
+                <a14:m>
+                  <m:oMathPara xmlns:m="http://schemas.openxmlformats.org/officeDocument/2006/math">
+                    <m:oMathParaPr>
+                      <m:jc m:val="centerGroup"/>
+                    </m:oMathParaPr>
+                    <m:oMath xmlns:m="http://schemas.openxmlformats.org/officeDocument/2006/math">
+                      <m:acc>
+                        <m:accPr>
+                          <m:chr m:val="̂"/>
+                          <m:ctrlPr>
+                            <a:rPr lang="en-US" sz="2800" b="0" i="1" smtClean="0">
+                              <a:solidFill>
+                                <a:srgbClr val="660066"/>
+                              </a:solidFill>
+                              <a:latin typeface="Cambria Math" panose="02040503050406030204" pitchFamily="18" charset="0"/>
+                            </a:rPr>
+                          </m:ctrlPr>
+                        </m:accPr>
+                        <m:e>
+                          <m:r>
+                            <a:rPr lang="en-US" sz="2800" b="0" i="1" smtClean="0">
+                              <a:solidFill>
+                                <a:srgbClr val="660066"/>
+                              </a:solidFill>
+                              <a:latin typeface="Cambria Math" panose="02040503050406030204" pitchFamily="18" charset="0"/>
+                            </a:rPr>
+                            <m:t>𝑦</m:t>
+                          </m:r>
+                        </m:e>
+                      </m:acc>
+                      <m:r>
+                        <a:rPr lang="en-US" sz="2800" b="0" i="1" dirty="0" smtClean="0">
+                          <a:solidFill>
+                            <a:srgbClr val="660066"/>
+                          </a:solidFill>
+                          <a:latin typeface="Cambria Math" panose="02040503050406030204" pitchFamily="18" charset="0"/>
+                        </a:rPr>
+                        <m:t>=</m:t>
+                      </m:r>
+                      <m:sSup>
+                        <m:sSupPr>
+                          <m:ctrlPr>
+                            <a:rPr lang="en-US" sz="2800" b="0" i="1" smtClean="0">
+                              <a:solidFill>
+                                <a:srgbClr val="660066"/>
+                              </a:solidFill>
+                              <a:latin typeface="Cambria Math" panose="02040503050406030204" pitchFamily="18" charset="0"/>
+                            </a:rPr>
+                          </m:ctrlPr>
+                        </m:sSupPr>
+                        <m:e>
+                          <m:r>
+                            <a:rPr lang="en-US" sz="2800" b="0" i="1" smtClean="0">
+                              <a:solidFill>
+                                <a:srgbClr val="660066"/>
+                              </a:solidFill>
+                              <a:latin typeface="Cambria Math" panose="02040503050406030204" pitchFamily="18" charset="0"/>
+                            </a:rPr>
+                            <m:t>𝑒</m:t>
+                          </m:r>
+                        </m:e>
+                        <m:sup>
+                          <m:acc>
+                            <m:accPr>
+                              <m:chr m:val="̂"/>
+                              <m:ctrlPr>
+                                <a:rPr lang="en-US" sz="2800" i="1">
+                                  <a:solidFill>
+                                    <a:srgbClr val="660066"/>
+                                  </a:solidFill>
+                                  <a:latin typeface="Cambria Math" panose="02040503050406030204" pitchFamily="18" charset="0"/>
+                                </a:rPr>
+                              </m:ctrlPr>
+                            </m:accPr>
+                            <m:e>
+                              <m:func>
+                                <m:funcPr>
+                                  <m:ctrlPr>
+                                    <a:rPr lang="en-US" sz="2800" i="1">
+                                      <a:solidFill>
+                                        <a:srgbClr val="660066"/>
+                                      </a:solidFill>
+                                      <a:latin typeface="Cambria Math" panose="02040503050406030204" pitchFamily="18" charset="0"/>
+                                    </a:rPr>
+                                  </m:ctrlPr>
+                                </m:funcPr>
+                                <m:fName>
+                                  <m:r>
+                                    <m:rPr>
+                                      <m:sty m:val="p"/>
+                                    </m:rPr>
+                                    <a:rPr lang="en-US" sz="2800">
+                                      <a:solidFill>
+                                        <a:srgbClr val="660066"/>
+                                      </a:solidFill>
+                                      <a:latin typeface="Cambria Math" panose="02040503050406030204" pitchFamily="18" charset="0"/>
+                                    </a:rPr>
+                                    <m:t>log</m:t>
+                                  </m:r>
+                                </m:fName>
+                                <m:e>
+                                  <m:d>
+                                    <m:dPr>
+                                      <m:ctrlPr>
+                                        <a:rPr lang="en-US" sz="2800" i="1">
+                                          <a:solidFill>
+                                            <a:srgbClr val="660066"/>
+                                          </a:solidFill>
+                                          <a:latin typeface="Cambria Math" panose="02040503050406030204" pitchFamily="18" charset="0"/>
+                                        </a:rPr>
+                                      </m:ctrlPr>
+                                    </m:dPr>
+                                    <m:e>
+                                      <m:r>
+                                        <a:rPr lang="en-US" sz="2800" i="1">
+                                          <a:solidFill>
+                                            <a:srgbClr val="660066"/>
+                                          </a:solidFill>
+                                          <a:latin typeface="Cambria Math" panose="02040503050406030204" pitchFamily="18" charset="0"/>
+                                        </a:rPr>
+                                        <m:t>𝑦</m:t>
+                                      </m:r>
+                                    </m:e>
+                                  </m:d>
+                                </m:e>
+                              </m:func>
+                            </m:e>
+                          </m:acc>
+                        </m:sup>
+                      </m:sSup>
+                      <m:r>
+                        <a:rPr lang="en-US" sz="2800" b="0" i="1" smtClean="0">
+                          <a:solidFill>
+                            <a:srgbClr val="660066"/>
+                          </a:solidFill>
+                          <a:latin typeface="Cambria Math" panose="02040503050406030204" pitchFamily="18" charset="0"/>
+                        </a:rPr>
+                        <m:t>=</m:t>
+                      </m:r>
+                      <m:sSup>
+                        <m:sSupPr>
+                          <m:ctrlPr>
+                            <a:rPr lang="en-US" sz="2800" b="0" i="1" smtClean="0">
+                              <a:solidFill>
+                                <a:srgbClr val="660066"/>
+                              </a:solidFill>
+                              <a:latin typeface="Cambria Math" panose="02040503050406030204" pitchFamily="18" charset="0"/>
+                            </a:rPr>
+                          </m:ctrlPr>
+                        </m:sSupPr>
+                        <m:e>
+                          <m:r>
+                            <a:rPr lang="en-US" sz="2800" b="0" i="1" smtClean="0">
+                              <a:solidFill>
+                                <a:srgbClr val="660066"/>
+                              </a:solidFill>
+                              <a:latin typeface="Cambria Math" panose="02040503050406030204" pitchFamily="18" charset="0"/>
+                            </a:rPr>
+                            <m:t>𝑒</m:t>
+                          </m:r>
+                        </m:e>
+                        <m:sup>
+                          <m:r>
+                            <a:rPr lang="en-US" sz="2800" i="1">
+                              <a:solidFill>
+                                <a:srgbClr val="660066"/>
+                              </a:solidFill>
+                              <a:latin typeface="Cambria Math" panose="02040503050406030204" pitchFamily="18" charset="0"/>
+                            </a:rPr>
+                            <m:t>3</m:t>
+                          </m:r>
+                          <m:r>
+                            <a:rPr lang="en-US" sz="2800" i="1">
+                              <a:solidFill>
+                                <a:srgbClr val="660066"/>
+                              </a:solidFill>
+                              <a:latin typeface="Cambria Math" panose="02040503050406030204" pitchFamily="18" charset="0"/>
+                            </a:rPr>
+                            <m:t>+</m:t>
+                          </m:r>
+                          <m:r>
+                            <a:rPr lang="en-US" sz="2800" i="1">
+                              <a:solidFill>
+                                <a:srgbClr val="660066"/>
+                              </a:solidFill>
+                              <a:latin typeface="Cambria Math" panose="02040503050406030204" pitchFamily="18" charset="0"/>
+                            </a:rPr>
+                            <m:t>5</m:t>
+                          </m:r>
+                          <m:func>
+                            <m:funcPr>
+                              <m:ctrlPr>
+                                <a:rPr lang="en-US" sz="2800" i="1">
+                                  <a:solidFill>
+                                    <a:srgbClr val="660066"/>
+                                  </a:solidFill>
+                                  <a:latin typeface="Cambria Math" panose="02040503050406030204" pitchFamily="18" charset="0"/>
+                                </a:rPr>
+                              </m:ctrlPr>
+                            </m:funcPr>
+                            <m:fName>
+                              <m:r>
+                                <m:rPr>
+                                  <m:sty m:val="p"/>
+                                </m:rPr>
+                                <a:rPr lang="en-US" sz="2800">
+                                  <a:solidFill>
+                                    <a:srgbClr val="660066"/>
+                                  </a:solidFill>
+                                  <a:latin typeface="Cambria Math" panose="02040503050406030204" pitchFamily="18" charset="0"/>
+                                </a:rPr>
+                                <m:t>log</m:t>
+                              </m:r>
+                            </m:fName>
+                            <m:e>
+                              <m:d>
+                                <m:dPr>
+                                  <m:ctrlPr>
+                                    <a:rPr lang="en-US" sz="2800" i="1">
+                                      <a:solidFill>
+                                        <a:srgbClr val="660066"/>
+                                      </a:solidFill>
+                                      <a:latin typeface="Cambria Math" panose="02040503050406030204" pitchFamily="18" charset="0"/>
+                                    </a:rPr>
+                                  </m:ctrlPr>
+                                </m:dPr>
+                                <m:e>
+                                  <m:r>
+                                    <a:rPr lang="en-US" sz="2800" i="1">
+                                      <a:solidFill>
+                                        <a:srgbClr val="660066"/>
+                                      </a:solidFill>
+                                      <a:latin typeface="Cambria Math" panose="02040503050406030204" pitchFamily="18" charset="0"/>
+                                    </a:rPr>
+                                    <m:t>𝑥</m:t>
+                                  </m:r>
+                                </m:e>
+                              </m:d>
+                            </m:e>
+                          </m:func>
+                        </m:sup>
+                      </m:sSup>
+                      <m:r>
+                        <a:rPr lang="en-US" sz="2800" b="0" i="1" smtClean="0">
+                          <a:solidFill>
+                            <a:srgbClr val="660066"/>
+                          </a:solidFill>
+                          <a:latin typeface="Cambria Math" panose="02040503050406030204" pitchFamily="18" charset="0"/>
+                        </a:rPr>
+                        <m:t>=</m:t>
+                      </m:r>
+                      <m:sSup>
+                        <m:sSupPr>
+                          <m:ctrlPr>
+                            <a:rPr lang="en-US" sz="2800" b="0" i="1" smtClean="0">
+                              <a:solidFill>
+                                <a:srgbClr val="660066"/>
+                              </a:solidFill>
+                              <a:latin typeface="Cambria Math" panose="02040503050406030204" pitchFamily="18" charset="0"/>
+                            </a:rPr>
+                          </m:ctrlPr>
+                        </m:sSupPr>
+                        <m:e>
+                          <m:r>
+                            <a:rPr lang="en-US" sz="2800" b="0" i="1" smtClean="0">
+                              <a:solidFill>
+                                <a:srgbClr val="660066"/>
+                              </a:solidFill>
+                              <a:latin typeface="Cambria Math" panose="02040503050406030204" pitchFamily="18" charset="0"/>
+                            </a:rPr>
+                            <m:t>𝑒</m:t>
+                          </m:r>
+                        </m:e>
+                        <m:sup>
+                          <m:r>
+                            <a:rPr lang="en-US" sz="2800" b="0" i="1" smtClean="0">
+                              <a:solidFill>
+                                <a:srgbClr val="660066"/>
+                              </a:solidFill>
+                              <a:latin typeface="Cambria Math" panose="02040503050406030204" pitchFamily="18" charset="0"/>
+                            </a:rPr>
+                            <m:t>3</m:t>
+                          </m:r>
+                        </m:sup>
+                      </m:sSup>
+                      <m:sSup>
+                        <m:sSupPr>
+                          <m:ctrlPr>
+                            <a:rPr lang="en-US" sz="2800" b="0" i="1" smtClean="0">
+                              <a:solidFill>
+                                <a:srgbClr val="660066"/>
+                              </a:solidFill>
+                              <a:latin typeface="Cambria Math" panose="02040503050406030204" pitchFamily="18" charset="0"/>
+                            </a:rPr>
+                          </m:ctrlPr>
+                        </m:sSupPr>
+                        <m:e>
+                          <m:r>
+                            <a:rPr lang="en-US" sz="2800" b="0" i="1" smtClean="0">
+                              <a:solidFill>
+                                <a:srgbClr val="660066"/>
+                              </a:solidFill>
+                              <a:latin typeface="Cambria Math" panose="02040503050406030204" pitchFamily="18" charset="0"/>
+                            </a:rPr>
+                            <m:t>𝑒</m:t>
+                          </m:r>
+                        </m:e>
+                        <m:sup>
+                          <m:r>
+                            <a:rPr lang="en-US" sz="2800" b="0" i="1" smtClean="0">
+                              <a:solidFill>
+                                <a:srgbClr val="660066"/>
+                              </a:solidFill>
+                              <a:latin typeface="Cambria Math" panose="02040503050406030204" pitchFamily="18" charset="0"/>
+                            </a:rPr>
+                            <m:t>5</m:t>
+                          </m:r>
+                          <m:r>
+                            <m:rPr>
+                              <m:sty m:val="p"/>
+                            </m:rPr>
+                            <a:rPr lang="en-US" sz="2800" b="0" i="0" smtClean="0">
+                              <a:solidFill>
+                                <a:srgbClr val="660066"/>
+                              </a:solidFill>
+                              <a:latin typeface="Cambria Math" panose="02040503050406030204" pitchFamily="18" charset="0"/>
+                            </a:rPr>
+                            <m:t>log</m:t>
+                          </m:r>
+                          <m:r>
+                            <a:rPr lang="en-US" sz="2800" b="0" i="1" smtClean="0">
+                              <a:solidFill>
+                                <a:srgbClr val="660066"/>
+                              </a:solidFill>
+                              <a:latin typeface="Cambria Math" panose="02040503050406030204" pitchFamily="18" charset="0"/>
+                            </a:rPr>
+                            <m:t>⁡(</m:t>
+                          </m:r>
+                          <m:r>
+                            <a:rPr lang="en-US" sz="2800" b="0" i="1" smtClean="0">
+                              <a:solidFill>
+                                <a:srgbClr val="660066"/>
+                              </a:solidFill>
+                              <a:latin typeface="Cambria Math" panose="02040503050406030204" pitchFamily="18" charset="0"/>
+                            </a:rPr>
+                            <m:t>𝑥</m:t>
+                          </m:r>
+                          <m:r>
+                            <a:rPr lang="en-US" sz="2800" b="0" i="1" smtClean="0">
+                              <a:solidFill>
+                                <a:srgbClr val="660066"/>
+                              </a:solidFill>
+                              <a:latin typeface="Cambria Math" panose="02040503050406030204" pitchFamily="18" charset="0"/>
+                            </a:rPr>
+                            <m:t>)</m:t>
+                          </m:r>
+                        </m:sup>
+                      </m:sSup>
+                      <m:r>
+                        <a:rPr lang="en-US" sz="2800" b="0" i="1" smtClean="0">
+                          <a:solidFill>
+                            <a:srgbClr val="660066"/>
+                          </a:solidFill>
+                          <a:latin typeface="Cambria Math" panose="02040503050406030204" pitchFamily="18" charset="0"/>
+                        </a:rPr>
+                        <m:t>=</m:t>
+                      </m:r>
+                      <m:sSup>
+                        <m:sSupPr>
+                          <m:ctrlPr>
+                            <a:rPr lang="en-US" sz="2800" b="0" i="1" smtClean="0">
+                              <a:solidFill>
+                                <a:srgbClr val="660066"/>
+                              </a:solidFill>
+                              <a:latin typeface="Cambria Math" panose="02040503050406030204" pitchFamily="18" charset="0"/>
+                            </a:rPr>
+                          </m:ctrlPr>
+                        </m:sSupPr>
+                        <m:e>
+                          <m:r>
+                            <a:rPr lang="en-US" sz="2800" b="0" i="1" smtClean="0">
+                              <a:solidFill>
+                                <a:srgbClr val="660066"/>
+                              </a:solidFill>
+                              <a:latin typeface="Cambria Math" panose="02040503050406030204" pitchFamily="18" charset="0"/>
+                            </a:rPr>
+                            <m:t>𝑒</m:t>
+                          </m:r>
+                        </m:e>
+                        <m:sup>
+                          <m:r>
+                            <a:rPr lang="en-US" sz="2800" b="0" i="1" smtClean="0">
+                              <a:solidFill>
+                                <a:srgbClr val="660066"/>
+                              </a:solidFill>
+                              <a:latin typeface="Cambria Math" panose="02040503050406030204" pitchFamily="18" charset="0"/>
+                            </a:rPr>
+                            <m:t>3</m:t>
+                          </m:r>
+                        </m:sup>
+                      </m:sSup>
+                      <m:sSup>
+                        <m:sSupPr>
+                          <m:ctrlPr>
+                            <a:rPr lang="en-US" sz="2800" b="0" i="1" smtClean="0">
+                              <a:solidFill>
+                                <a:srgbClr val="660066"/>
+                              </a:solidFill>
+                              <a:latin typeface="Cambria Math" panose="02040503050406030204" pitchFamily="18" charset="0"/>
+                            </a:rPr>
+                          </m:ctrlPr>
+                        </m:sSupPr>
+                        <m:e>
+                          <m:r>
+                            <a:rPr lang="en-US" sz="2800" b="0" i="1" smtClean="0">
+                              <a:solidFill>
+                                <a:srgbClr val="660066"/>
+                              </a:solidFill>
+                              <a:latin typeface="Cambria Math" panose="02040503050406030204" pitchFamily="18" charset="0"/>
+                            </a:rPr>
+                            <m:t>𝑒</m:t>
+                          </m:r>
+                        </m:e>
+                        <m:sup>
+                          <m:r>
+                            <m:rPr>
+                              <m:sty m:val="p"/>
+                            </m:rPr>
+                            <a:rPr lang="en-US" sz="2800" b="0" i="0" smtClean="0">
+                              <a:solidFill>
+                                <a:srgbClr val="660066"/>
+                              </a:solidFill>
+                              <a:latin typeface="Cambria Math" panose="02040503050406030204" pitchFamily="18" charset="0"/>
+                            </a:rPr>
+                            <m:t>log</m:t>
+                          </m:r>
+                          <m:r>
+                            <a:rPr lang="en-US" sz="2800" b="0" i="1" smtClean="0">
+                              <a:solidFill>
+                                <a:srgbClr val="660066"/>
+                              </a:solidFill>
+                              <a:latin typeface="Cambria Math" panose="02040503050406030204" pitchFamily="18" charset="0"/>
+                            </a:rPr>
+                            <m:t>⁡(</m:t>
+                          </m:r>
+                          <m:sSup>
+                            <m:sSupPr>
+                              <m:ctrlPr>
+                                <a:rPr lang="en-US" sz="2800" b="0" i="1" smtClean="0">
+                                  <a:solidFill>
+                                    <a:srgbClr val="660066"/>
+                                  </a:solidFill>
+                                  <a:latin typeface="Cambria Math" panose="02040503050406030204" pitchFamily="18" charset="0"/>
+                                </a:rPr>
+                              </m:ctrlPr>
+                            </m:sSupPr>
+                            <m:e>
+                              <m:r>
+                                <a:rPr lang="en-US" sz="2800" b="0" i="1" smtClean="0">
+                                  <a:solidFill>
+                                    <a:srgbClr val="660066"/>
+                                  </a:solidFill>
+                                  <a:latin typeface="Cambria Math" panose="02040503050406030204" pitchFamily="18" charset="0"/>
+                                </a:rPr>
+                                <m:t>𝑥</m:t>
+                              </m:r>
+                            </m:e>
+                            <m:sup>
+                              <m:r>
+                                <a:rPr lang="en-US" sz="2800" b="0" i="1" smtClean="0">
+                                  <a:solidFill>
+                                    <a:srgbClr val="660066"/>
+                                  </a:solidFill>
+                                  <a:latin typeface="Cambria Math" panose="02040503050406030204" pitchFamily="18" charset="0"/>
+                                </a:rPr>
+                                <m:t>5</m:t>
+                              </m:r>
+                            </m:sup>
+                          </m:sSup>
+                          <m:r>
+                            <a:rPr lang="en-US" sz="2800" b="0" i="1" smtClean="0">
+                              <a:solidFill>
+                                <a:srgbClr val="660066"/>
+                              </a:solidFill>
+                              <a:latin typeface="Cambria Math" panose="02040503050406030204" pitchFamily="18" charset="0"/>
+                            </a:rPr>
+                            <m:t>)</m:t>
+                          </m:r>
+                        </m:sup>
+                      </m:sSup>
+                      <m:r>
+                        <a:rPr lang="en-US" sz="2800" b="0" i="1" smtClean="0">
+                          <a:solidFill>
+                            <a:srgbClr val="660066"/>
+                          </a:solidFill>
+                          <a:latin typeface="Cambria Math" panose="02040503050406030204" pitchFamily="18" charset="0"/>
+                        </a:rPr>
+                        <m:t>=</m:t>
+                      </m:r>
+                      <m:sSup>
+                        <m:sSupPr>
+                          <m:ctrlPr>
+                            <a:rPr lang="en-US" sz="2800" b="0" i="1" smtClean="0">
+                              <a:solidFill>
+                                <a:srgbClr val="660066"/>
+                              </a:solidFill>
+                              <a:latin typeface="Cambria Math" panose="02040503050406030204" pitchFamily="18" charset="0"/>
+                            </a:rPr>
+                          </m:ctrlPr>
+                        </m:sSupPr>
+                        <m:e>
+                          <m:r>
+                            <a:rPr lang="en-US" sz="2800" b="0" i="1" smtClean="0">
+                              <a:solidFill>
+                                <a:srgbClr val="660066"/>
+                              </a:solidFill>
+                              <a:latin typeface="Cambria Math" panose="02040503050406030204" pitchFamily="18" charset="0"/>
+                            </a:rPr>
+                            <m:t>𝑒</m:t>
+                          </m:r>
+                        </m:e>
+                        <m:sup>
+                          <m:r>
+                            <a:rPr lang="en-US" sz="2800" b="0" i="1" smtClean="0">
+                              <a:solidFill>
+                                <a:srgbClr val="660066"/>
+                              </a:solidFill>
+                              <a:latin typeface="Cambria Math" panose="02040503050406030204" pitchFamily="18" charset="0"/>
+                            </a:rPr>
+                            <m:t>3</m:t>
+                          </m:r>
+                        </m:sup>
+                      </m:sSup>
+                      <m:sSup>
+                        <m:sSupPr>
+                          <m:ctrlPr>
+                            <a:rPr lang="en-US" sz="2800" b="0" i="1" smtClean="0">
+                              <a:solidFill>
+                                <a:srgbClr val="660066"/>
+                              </a:solidFill>
+                              <a:latin typeface="Cambria Math" panose="02040503050406030204" pitchFamily="18" charset="0"/>
+                            </a:rPr>
+                          </m:ctrlPr>
+                        </m:sSupPr>
+                        <m:e>
+                          <m:r>
+                            <a:rPr lang="en-US" sz="2800" b="0" i="1" smtClean="0">
+                              <a:solidFill>
+                                <a:srgbClr val="660066"/>
+                              </a:solidFill>
+                              <a:latin typeface="Cambria Math" panose="02040503050406030204" pitchFamily="18" charset="0"/>
+                            </a:rPr>
+                            <m:t>𝑥</m:t>
+                          </m:r>
+                        </m:e>
+                        <m:sup>
+                          <m:r>
+                            <a:rPr lang="en-US" sz="2800" b="0" i="1" smtClean="0">
+                              <a:solidFill>
+                                <a:srgbClr val="660066"/>
+                              </a:solidFill>
+                              <a:latin typeface="Cambria Math" panose="02040503050406030204" pitchFamily="18" charset="0"/>
+                            </a:rPr>
+                            <m:t>5</m:t>
+                          </m:r>
+                        </m:sup>
+                      </m:sSup>
+                    </m:oMath>
+                  </m:oMathPara>
+                </a14:m>
+                <a:endParaRPr lang="en-US" sz="2800" dirty="0">
+                  <a:solidFill>
+                    <a:srgbClr val="660066"/>
+                  </a:solidFill>
+                </a:endParaRPr>
+              </a:p>
+              <a:p>
+                <a:pPr algn="ctr"/>
+                <a:endParaRPr lang="en-US" sz="2800" dirty="0">
+                  <a:solidFill>
+                    <a:srgbClr val="660066"/>
+                  </a:solidFill>
+                </a:endParaRPr>
+              </a:p>
+              <a:p>
+                <a:r>
+                  <a:rPr lang="en-US" sz="2800" dirty="0">
+                    <a:solidFill>
+                      <a:srgbClr val="660066"/>
+                    </a:solidFill>
+                  </a:rPr>
+                  <a:t>In general,</a:t>
+                </a:r>
+              </a:p>
+              <a:p>
+                <a:pPr algn="ctr"/>
+                <a14:m>
+                  <m:oMath xmlns:m="http://schemas.openxmlformats.org/officeDocument/2006/math">
+                    <m:acc>
+                      <m:accPr>
+                        <m:chr m:val="̂"/>
+                        <m:ctrlPr>
+                          <a:rPr lang="en-US" sz="2800" b="0" i="1" smtClean="0">
+                            <a:solidFill>
+                              <a:srgbClr val="660066"/>
+                            </a:solidFill>
+                            <a:latin typeface="Cambria Math" panose="02040503050406030204" pitchFamily="18" charset="0"/>
+                          </a:rPr>
+                        </m:ctrlPr>
+                      </m:accPr>
+                      <m:e>
+                        <m:r>
+                          <a:rPr lang="en-US" sz="2800" b="0" i="1" smtClean="0">
+                            <a:solidFill>
+                              <a:srgbClr val="660066"/>
+                            </a:solidFill>
+                            <a:latin typeface="Cambria Math" panose="02040503050406030204" pitchFamily="18" charset="0"/>
+                          </a:rPr>
+                          <m:t>𝑦</m:t>
+                        </m:r>
+                      </m:e>
+                    </m:acc>
+                  </m:oMath>
+                </a14:m>
+                <a:r>
+                  <a:rPr lang="en-US" sz="2800" dirty="0">
+                    <a:solidFill>
+                      <a:srgbClr val="660066"/>
+                    </a:solidFill>
+                  </a:rPr>
+                  <a:t>= </a:t>
+                </a:r>
+                <a14:m>
+                  <m:oMath xmlns:m="http://schemas.openxmlformats.org/officeDocument/2006/math">
+                    <m:sSup>
+                      <m:sSupPr>
+                        <m:ctrlPr>
+                          <a:rPr lang="en-US" sz="2800" i="1">
+                            <a:solidFill>
+                              <a:srgbClr val="660066"/>
+                            </a:solidFill>
+                            <a:latin typeface="Cambria Math" panose="02040503050406030204" pitchFamily="18" charset="0"/>
+                          </a:rPr>
+                        </m:ctrlPr>
+                      </m:sSupPr>
+                      <m:e>
+                        <m:r>
+                          <a:rPr lang="en-US" sz="2800" i="1">
+                            <a:solidFill>
+                              <a:srgbClr val="660066"/>
+                            </a:solidFill>
+                            <a:latin typeface="Cambria Math" panose="02040503050406030204" pitchFamily="18" charset="0"/>
+                          </a:rPr>
+                          <m:t>𝑒</m:t>
+                        </m:r>
+                      </m:e>
+                      <m:sup>
+                        <m:acc>
+                          <m:accPr>
+                            <m:chr m:val="̂"/>
+                            <m:ctrlPr>
+                              <a:rPr lang="en-US" sz="2800" i="1">
+                                <a:solidFill>
+                                  <a:srgbClr val="660066"/>
+                                </a:solidFill>
+                                <a:latin typeface="Cambria Math" panose="02040503050406030204" pitchFamily="18" charset="0"/>
+                              </a:rPr>
+                            </m:ctrlPr>
+                          </m:accPr>
+                          <m:e>
+                            <m:func>
+                              <m:funcPr>
+                                <m:ctrlPr>
+                                  <a:rPr lang="en-US" sz="2800" i="1">
+                                    <a:solidFill>
+                                      <a:srgbClr val="660066"/>
+                                    </a:solidFill>
+                                    <a:latin typeface="Cambria Math" panose="02040503050406030204" pitchFamily="18" charset="0"/>
+                                  </a:rPr>
+                                </m:ctrlPr>
+                              </m:funcPr>
+                              <m:fName>
+                                <m:r>
+                                  <m:rPr>
+                                    <m:sty m:val="p"/>
+                                  </m:rPr>
+                                  <a:rPr lang="en-US" sz="2800">
+                                    <a:solidFill>
+                                      <a:srgbClr val="660066"/>
+                                    </a:solidFill>
+                                    <a:latin typeface="Cambria Math" panose="02040503050406030204" pitchFamily="18" charset="0"/>
+                                  </a:rPr>
+                                  <m:t>log</m:t>
+                                </m:r>
+                              </m:fName>
+                              <m:e>
+                                <m:d>
+                                  <m:dPr>
+                                    <m:ctrlPr>
+                                      <a:rPr lang="en-US" sz="2800" i="1">
+                                        <a:solidFill>
+                                          <a:srgbClr val="660066"/>
+                                        </a:solidFill>
+                                        <a:latin typeface="Cambria Math" panose="02040503050406030204" pitchFamily="18" charset="0"/>
+                                      </a:rPr>
+                                    </m:ctrlPr>
+                                  </m:dPr>
+                                  <m:e>
+                                    <m:r>
+                                      <a:rPr lang="en-US" sz="2800" i="1">
+                                        <a:solidFill>
+                                          <a:srgbClr val="660066"/>
+                                        </a:solidFill>
+                                        <a:latin typeface="Cambria Math" panose="02040503050406030204" pitchFamily="18" charset="0"/>
+                                      </a:rPr>
+                                      <m:t>𝑦</m:t>
+                                    </m:r>
+                                  </m:e>
+                                </m:d>
+                              </m:e>
+                            </m:func>
+                          </m:e>
+                        </m:acc>
+                      </m:sup>
+                    </m:sSup>
+                  </m:oMath>
+                </a14:m>
+                <a:r>
+                  <a:rPr lang="en-US" sz="2800" dirty="0">
+                    <a:solidFill>
+                      <a:srgbClr val="660066"/>
+                    </a:solidFill>
+                  </a:rPr>
+                  <a:t>= </a:t>
+                </a:r>
+                <a14:m>
+                  <m:oMath xmlns:m="http://schemas.openxmlformats.org/officeDocument/2006/math">
+                    <m:sSup>
+                      <m:sSupPr>
+                        <m:ctrlPr>
+                          <a:rPr lang="en-US" sz="2800" i="1">
+                            <a:solidFill>
+                              <a:srgbClr val="660066"/>
+                            </a:solidFill>
+                            <a:latin typeface="Cambria Math" panose="02040503050406030204" pitchFamily="18" charset="0"/>
+                          </a:rPr>
+                        </m:ctrlPr>
+                      </m:sSupPr>
+                      <m:e>
+                        <m:r>
+                          <a:rPr lang="en-US" sz="2800" i="1">
+                            <a:solidFill>
+                              <a:srgbClr val="660066"/>
+                            </a:solidFill>
+                            <a:latin typeface="Cambria Math" panose="02040503050406030204" pitchFamily="18" charset="0"/>
+                          </a:rPr>
+                          <m:t>𝑒</m:t>
+                        </m:r>
+                      </m:e>
+                      <m:sup>
+                        <m:acc>
+                          <m:accPr>
+                            <m:chr m:val="̂"/>
+                            <m:ctrlPr>
+                              <a:rPr lang="en-US" sz="2800" b="0" i="1" dirty="0" smtClean="0">
+                                <a:solidFill>
+                                  <a:srgbClr val="660066"/>
+                                </a:solidFill>
+                                <a:latin typeface="Cambria Math" panose="02040503050406030204" pitchFamily="18" charset="0"/>
+                              </a:rPr>
+                            </m:ctrlPr>
+                          </m:accPr>
+                          <m:e>
+                            <m:sSub>
+                              <m:sSubPr>
+                                <m:ctrlPr>
+                                  <a:rPr lang="en-US" sz="2800" b="0" i="1" dirty="0" smtClean="0">
+                                    <a:solidFill>
+                                      <a:srgbClr val="660066"/>
+                                    </a:solidFill>
+                                    <a:latin typeface="Cambria Math" panose="02040503050406030204" pitchFamily="18" charset="0"/>
+                                  </a:rPr>
+                                </m:ctrlPr>
+                              </m:sSubPr>
+                              <m:e>
+                                <m:r>
+                                  <a:rPr lang="en-US" sz="2800" b="0" i="1" dirty="0" smtClean="0">
+                                    <a:solidFill>
+                                      <a:srgbClr val="660066"/>
+                                    </a:solidFill>
+                                    <a:latin typeface="Cambria Math" panose="02040503050406030204" pitchFamily="18" charset="0"/>
+                                  </a:rPr>
+                                  <m:t>𝛽</m:t>
+                                </m:r>
+                              </m:e>
+                              <m:sub>
+                                <m:r>
+                                  <a:rPr lang="en-US" sz="2800" b="0" i="1" dirty="0" smtClean="0">
+                                    <a:solidFill>
+                                      <a:srgbClr val="660066"/>
+                                    </a:solidFill>
+                                    <a:latin typeface="Cambria Math" panose="02040503050406030204" pitchFamily="18" charset="0"/>
+                                  </a:rPr>
+                                  <m:t>0</m:t>
+                                </m:r>
+                              </m:sub>
+                            </m:sSub>
+                          </m:e>
+                        </m:acc>
+                      </m:sup>
+                    </m:sSup>
+                    <m:sSup>
+                      <m:sSupPr>
+                        <m:ctrlPr>
+                          <a:rPr lang="en-US" sz="2800" i="1">
+                            <a:solidFill>
+                              <a:srgbClr val="660066"/>
+                            </a:solidFill>
+                            <a:latin typeface="Cambria Math" panose="02040503050406030204" pitchFamily="18" charset="0"/>
+                          </a:rPr>
+                        </m:ctrlPr>
+                      </m:sSupPr>
+                      <m:e>
+                        <m:r>
+                          <a:rPr lang="en-US" sz="2800" i="1">
+                            <a:solidFill>
+                              <a:srgbClr val="660066"/>
+                            </a:solidFill>
+                            <a:latin typeface="Cambria Math" panose="02040503050406030204" pitchFamily="18" charset="0"/>
+                          </a:rPr>
+                          <m:t>𝑥</m:t>
+                        </m:r>
+                      </m:e>
+                      <m:sup>
+                        <m:acc>
+                          <m:accPr>
+                            <m:chr m:val="̂"/>
+                            <m:ctrlPr>
+                              <a:rPr lang="en-US" sz="2800" b="0" i="1" dirty="0" smtClean="0">
+                                <a:solidFill>
+                                  <a:srgbClr val="660066"/>
+                                </a:solidFill>
+                                <a:latin typeface="Cambria Math" panose="02040503050406030204" pitchFamily="18" charset="0"/>
+                              </a:rPr>
+                            </m:ctrlPr>
+                          </m:accPr>
+                          <m:e>
+                            <m:sSub>
+                              <m:sSubPr>
+                                <m:ctrlPr>
+                                  <a:rPr lang="en-US" sz="2800" b="0" i="1" dirty="0" smtClean="0">
+                                    <a:solidFill>
+                                      <a:srgbClr val="660066"/>
+                                    </a:solidFill>
+                                    <a:latin typeface="Cambria Math" panose="02040503050406030204" pitchFamily="18" charset="0"/>
+                                  </a:rPr>
+                                </m:ctrlPr>
+                              </m:sSubPr>
+                              <m:e>
+                                <m:r>
+                                  <a:rPr lang="en-US" sz="2800" b="0" i="1" dirty="0" smtClean="0">
+                                    <a:solidFill>
+                                      <a:srgbClr val="660066"/>
+                                    </a:solidFill>
+                                    <a:latin typeface="Cambria Math" panose="02040503050406030204" pitchFamily="18" charset="0"/>
+                                  </a:rPr>
+                                  <m:t>𝛽</m:t>
+                                </m:r>
+                              </m:e>
+                              <m:sub>
+                                <m:r>
+                                  <a:rPr lang="en-US" sz="2800" b="0" i="1" dirty="0" smtClean="0">
+                                    <a:solidFill>
+                                      <a:srgbClr val="660066"/>
+                                    </a:solidFill>
+                                    <a:latin typeface="Cambria Math" panose="02040503050406030204" pitchFamily="18" charset="0"/>
+                                  </a:rPr>
+                                  <m:t>1</m:t>
+                                </m:r>
+                              </m:sub>
+                            </m:sSub>
+                          </m:e>
+                        </m:acc>
+                      </m:sup>
+                    </m:sSup>
+                  </m:oMath>
+                </a14:m>
+                <a:endParaRPr lang="en-US" sz="2800" dirty="0">
+                  <a:solidFill>
+                    <a:srgbClr val="660066"/>
+                  </a:solidFill>
+                </a:endParaRPr>
+              </a:p>
+            </p:txBody>
+          </p:sp>
+        </mc:Choice>
+        <mc:Fallback xmlns="">
+          <p:sp>
+            <p:nvSpPr>
+              <p:cNvPr id="7" name="TextBox 6">
+                <a:extLst>
+                  <a:ext uri="{FF2B5EF4-FFF2-40B4-BE49-F238E27FC236}">
+                    <a16:creationId xmlns:a16="http://schemas.microsoft.com/office/drawing/2014/main" id="{D9B238EA-D04E-3255-7509-F990F1A8F309}"/>
+                  </a:ext>
+                </a:extLst>
+              </p:cNvPr>
+              <p:cNvSpPr txBox="1">
+                <a:spLocks noRot="1" noChangeAspect="1" noMove="1" noResize="1" noEditPoints="1" noAdjustHandles="1" noChangeArrowheads="1" noChangeShapeType="1" noTextEdit="1"/>
+              </p:cNvSpPr>
+              <p:nvPr/>
+            </p:nvSpPr>
+            <p:spPr>
+              <a:xfrm>
+                <a:off x="495300" y="1977074"/>
+                <a:ext cx="11201400" cy="4140780"/>
+              </a:xfrm>
+              <a:prstGeom prst="roundRect">
+                <a:avLst/>
+              </a:prstGeom>
+              <a:blipFill>
+                <a:blip r:embed="rId3"/>
+                <a:stretch>
+                  <a:fillRect/>
+                </a:stretch>
+              </a:blipFill>
+              <a:ln w="76200">
+                <a:solidFill>
+                  <a:srgbClr val="FFC416"/>
+                </a:solidFill>
+              </a:ln>
+            </p:spPr>
+            <p:txBody>
+              <a:bodyPr/>
+              <a:lstStyle/>
+              <a:p>
+                <a:r>
+                  <a:rPr lang="en-US">
+                    <a:noFill/>
+                  </a:rPr>
+                  <a:t> </a:t>
+                </a:r>
+              </a:p>
+            </p:txBody>
+          </p:sp>
+        </mc:Fallback>
+      </mc:AlternateContent>
+    </p:spTree>
+    <p:extLst>
+      <p:ext uri="{BB962C8B-B14F-4D97-AF65-F5344CB8AC3E}">
+        <p14:creationId xmlns:p14="http://schemas.microsoft.com/office/powerpoint/2010/main" val="3142805503"/>
       </p:ext>
     </p:extLst>
   </p:cSld>
